--- a/gmbc-fig.pptx
+++ b/gmbc-fig.pptx
@@ -265,7 +265,7 @@
               <a:pPr>
                 <a:defRPr/>
               </a:pPr>
-              <a:t>7/27/15</a:t>
+              <a:t>7/30/15</a:t>
             </a:fld>
             <a:endParaRPr lang="en-US" dirty="0"/>
           </a:p>
@@ -488,7 +488,7 @@
               <a:pPr>
                 <a:defRPr/>
               </a:pPr>
-              <a:t>7/27/15</a:t>
+              <a:t>7/30/15</a:t>
             </a:fld>
             <a:endParaRPr lang="en-US" dirty="0"/>
           </a:p>
@@ -12028,77 +12028,6 @@
       </p:grpSpPr>
       <p:sp>
         <p:nvSpPr>
-          <p:cNvPr id="2" name="Text Placeholder 1"/>
-          <p:cNvSpPr>
-            <a:spLocks noGrp="1"/>
-          </p:cNvSpPr>
-          <p:nvPr>
-            <p:ph type="body" sz="quarter" idx="10"/>
-          </p:nvPr>
-        </p:nvSpPr>
-        <p:spPr>
-          <a:xfrm>
-            <a:off x="437766" y="1347788"/>
-            <a:ext cx="8345488" cy="3168210"/>
-          </a:xfrm>
-        </p:spPr>
-        <p:txBody>
-          <a:bodyPr/>
-          <a:lstStyle/>
-          <a:p>
-            <a:pPr marL="628636" indent="-571500">
-              <a:buFont typeface="Arial"/>
-              <a:buChar char="•"/>
-            </a:pPr>
-            <a:r>
-              <a:rPr lang="en-US" sz="1800" dirty="0" smtClean="0"/>
-              <a:t>Sharable ledger of group membership over time</a:t>
-            </a:r>
-          </a:p>
-          <a:p>
-            <a:pPr marL="628636" indent="-571500">
-              <a:buFont typeface="Arial"/>
-              <a:buChar char="•"/>
-            </a:pPr>
-            <a:r>
-              <a:rPr lang="en-US" sz="1800" dirty="0" smtClean="0"/>
-              <a:t>Verifiable membership policy enforcement</a:t>
-            </a:r>
-          </a:p>
-          <a:p>
-            <a:pPr marL="628636" indent="-571500">
-              <a:buFont typeface="Arial"/>
-              <a:buChar char="•"/>
-            </a:pPr>
-            <a:r>
-              <a:rPr lang="en-US" sz="1800" dirty="0" smtClean="0"/>
-              <a:t>Tamper-proofing based on public key authentication</a:t>
-            </a:r>
-          </a:p>
-          <a:p>
-            <a:pPr marL="628636" indent="-571500">
-              <a:buFont typeface="Arial"/>
-              <a:buChar char="•"/>
-            </a:pPr>
-            <a:r>
-              <a:rPr lang="en-US" sz="1800" dirty="0" smtClean="0"/>
-              <a:t>Supports zero-conflict centralized topologies</a:t>
-            </a:r>
-          </a:p>
-          <a:p>
-            <a:pPr marL="628636" indent="-571500">
-              <a:buFont typeface="Arial"/>
-              <a:buChar char="•"/>
-            </a:pPr>
-            <a:r>
-              <a:rPr lang="en-US" sz="1800" dirty="0" smtClean="0"/>
-              <a:t>Supports conflict-resolution in decentralized topologies</a:t>
-            </a:r>
-          </a:p>
-        </p:txBody>
-      </p:sp>
-      <p:sp>
-        <p:nvSpPr>
           <p:cNvPr id="3" name="Title 2"/>
           <p:cNvSpPr>
             <a:spLocks noGrp="1"/>
@@ -12115,6 +12044,140 @@
             <a:r>
               <a:rPr lang="en-US" dirty="0" smtClean="0"/>
               <a:t>Group Membership Block Chain (GMBC)</a:t>
+            </a:r>
+            <a:endParaRPr lang="en-US" dirty="0"/>
+          </a:p>
+        </p:txBody>
+      </p:sp>
+      <p:sp>
+        <p:nvSpPr>
+          <p:cNvPr id="4" name="TextBox 3"/>
+          <p:cNvSpPr txBox="1"/>
+          <p:nvPr/>
+        </p:nvSpPr>
+        <p:spPr>
+          <a:xfrm>
+            <a:off x="437766" y="1251136"/>
+            <a:ext cx="8085080" cy="923330"/>
+          </a:xfrm>
+          <a:prstGeom prst="rect">
+            <a:avLst/>
+          </a:prstGeom>
+          <a:noFill/>
+        </p:spPr>
+        <p:txBody>
+          <a:bodyPr wrap="square" rtlCol="0">
+            <a:spAutoFit/>
+          </a:bodyPr>
+          <a:lstStyle/>
+          <a:p>
+            <a:r>
+              <a:rPr lang="en-US" i="1" dirty="0" smtClean="0">
+                <a:solidFill>
+                  <a:schemeClr val="tx2"/>
+                </a:solidFill>
+              </a:rPr>
+              <a:t>Question: </a:t>
+            </a:r>
+          </a:p>
+          <a:p>
+            <a:pPr lvl="1"/>
+            <a:r>
+              <a:rPr lang="en-US" dirty="0" smtClean="0"/>
+              <a:t>How can we represent and manage group membership in a way that is verifiable, tamper-proof, and practical in a decentralized topology?</a:t>
+            </a:r>
+            <a:endParaRPr lang="en-US" dirty="0"/>
+          </a:p>
+        </p:txBody>
+      </p:sp>
+      <p:sp>
+        <p:nvSpPr>
+          <p:cNvPr id="5" name="TextBox 4"/>
+          <p:cNvSpPr txBox="1"/>
+          <p:nvPr/>
+        </p:nvSpPr>
+        <p:spPr>
+          <a:xfrm>
+            <a:off x="437766" y="2389528"/>
+            <a:ext cx="8085080" cy="2081339"/>
+          </a:xfrm>
+          <a:prstGeom prst="rect">
+            <a:avLst/>
+          </a:prstGeom>
+          <a:noFill/>
+        </p:spPr>
+        <p:txBody>
+          <a:bodyPr wrap="square" rtlCol="0">
+            <a:spAutoFit/>
+          </a:bodyPr>
+          <a:lstStyle/>
+          <a:p>
+            <a:r>
+              <a:rPr lang="en-US" i="1" dirty="0" smtClean="0">
+                <a:solidFill>
+                  <a:srgbClr val="2968AF"/>
+                </a:solidFill>
+              </a:rPr>
+              <a:t>A Group Membership Block Chain is…</a:t>
+            </a:r>
+          </a:p>
+          <a:p>
+            <a:pPr lvl="1">
+              <a:spcBef>
+                <a:spcPts val="510"/>
+              </a:spcBef>
+            </a:pPr>
+            <a:r>
+              <a:rPr lang="en-US" dirty="0"/>
+              <a:t>a ledger of group membership updates over time</a:t>
+            </a:r>
+          </a:p>
+          <a:p>
+            <a:pPr lvl="1">
+              <a:spcBef>
+                <a:spcPts val="510"/>
+              </a:spcBef>
+            </a:pPr>
+            <a:r>
+              <a:rPr lang="en-US" dirty="0"/>
+              <a:t>a publicly verifiable record of membership and policy enforcement</a:t>
+            </a:r>
+          </a:p>
+          <a:p>
+            <a:pPr lvl="1">
+              <a:spcBef>
+                <a:spcPts val="510"/>
+              </a:spcBef>
+            </a:pPr>
+            <a:r>
+              <a:rPr lang="en-US" dirty="0"/>
+              <a:t>tamper-proof based on public key authentication</a:t>
+            </a:r>
+          </a:p>
+          <a:p>
+            <a:pPr lvl="1">
+              <a:spcBef>
+                <a:spcPts val="510"/>
+              </a:spcBef>
+            </a:pPr>
+            <a:r>
+              <a:rPr lang="en-US" dirty="0"/>
+              <a:t>supports zero-conflict centralized topologies</a:t>
+            </a:r>
+          </a:p>
+          <a:p>
+            <a:pPr lvl="1">
+              <a:spcBef>
+                <a:spcPts val="510"/>
+              </a:spcBef>
+            </a:pPr>
+            <a:r>
+              <a:rPr lang="en-US" dirty="0"/>
+              <a:t>supports conflict-resolution in decentralized </a:t>
+            </a:r>
+            <a:r>
+              <a:rPr lang="en-US" dirty="0" smtClean="0"/>
+              <a:t>topologies</a:t>
             </a:r>
             <a:endParaRPr lang="en-US" dirty="0"/>
           </a:p>
@@ -13343,23 +13406,7 @@
                   <a:srgbClr val="C3A21F"/>
                 </a:solidFill>
               </a:rPr>
-              <a:t>Add</a:t>
-            </a:r>
-            <a:r>
-              <a:rPr lang="en-US" sz="800" b="1" dirty="0" smtClean="0">
-                <a:solidFill>
-                  <a:srgbClr val="C3A21F"/>
-                </a:solidFill>
-              </a:rPr>
-              <a:t> </a:t>
-            </a:r>
-            <a:r>
-              <a:rPr lang="en-US" sz="800" b="1" dirty="0" smtClean="0">
-                <a:solidFill>
-                  <a:srgbClr val="C3A21F"/>
-                </a:solidFill>
-              </a:rPr>
-              <a:t>Evan</a:t>
+              <a:t>Add Evan</a:t>
             </a:r>
             <a:r>
               <a:rPr lang="en-US" sz="800" dirty="0" smtClean="0"/>
@@ -16899,13 +16946,63 @@
       </p:grpSpPr>
       <p:sp>
         <p:nvSpPr>
+          <p:cNvPr id="3" name="Rectangle 2"/>
+          <p:cNvSpPr/>
+          <p:nvPr/>
+        </p:nvSpPr>
+        <p:spPr>
+          <a:xfrm>
+            <a:off x="384489" y="3955857"/>
+            <a:ext cx="8330602" cy="675695"/>
+          </a:xfrm>
+          <a:prstGeom prst="rect">
+            <a:avLst/>
+          </a:prstGeom>
+          <a:solidFill>
+            <a:schemeClr val="accent2">
+              <a:lumMod val="20000"/>
+              <a:lumOff val="80000"/>
+            </a:schemeClr>
+          </a:solidFill>
+          <a:ln>
+            <a:noFill/>
+          </a:ln>
+          <a:effectLst/>
+        </p:spPr>
+        <p:style>
+          <a:lnRef idx="2">
+            <a:schemeClr val="accent1">
+              <a:shade val="50000"/>
+            </a:schemeClr>
+          </a:lnRef>
+          <a:fillRef idx="1">
+            <a:schemeClr val="accent1"/>
+          </a:fillRef>
+          <a:effectRef idx="0">
+            <a:schemeClr val="accent1"/>
+          </a:effectRef>
+          <a:fontRef idx="minor">
+            <a:schemeClr val="lt1"/>
+          </a:fontRef>
+        </p:style>
+        <p:txBody>
+          <a:bodyPr rtlCol="0" anchor="ctr"/>
+          <a:lstStyle/>
+          <a:p>
+            <a:pPr algn="ctr"/>
+            <a:endParaRPr lang="en-US" dirty="0" smtClean="0"/>
+          </a:p>
+        </p:txBody>
+      </p:sp>
+      <p:sp>
+        <p:nvSpPr>
           <p:cNvPr id="203" name="Rectangle 202"/>
           <p:cNvSpPr/>
           <p:nvPr/>
         </p:nvSpPr>
         <p:spPr>
           <a:xfrm>
-            <a:off x="1214925" y="644653"/>
+            <a:off x="1218225" y="4117861"/>
             <a:ext cx="832225" cy="294077"/>
           </a:xfrm>
           <a:prstGeom prst="rect">
@@ -16958,7 +17055,7 @@
         </p:nvSpPr>
         <p:spPr>
           <a:xfrm>
-            <a:off x="1648675" y="600939"/>
+            <a:off x="1651975" y="4074147"/>
             <a:ext cx="480040" cy="338554"/>
           </a:xfrm>
           <a:prstGeom prst="rect">
@@ -17014,7 +17111,7 @@
         </p:nvCxnSpPr>
         <p:spPr>
           <a:xfrm flipH="1">
-            <a:off x="2047150" y="791607"/>
+            <a:off x="2050450" y="4264815"/>
             <a:ext cx="515393" cy="85"/>
           </a:xfrm>
           <a:prstGeom prst="straightConnector1">
@@ -17051,7 +17148,7 @@
         </p:nvSpPr>
         <p:spPr>
           <a:xfrm>
-            <a:off x="2562543" y="644653"/>
+            <a:off x="2565843" y="4117861"/>
             <a:ext cx="832225" cy="293907"/>
           </a:xfrm>
           <a:prstGeom prst="rect">
@@ -17118,7 +17215,7 @@
         </p:blipFill>
         <p:spPr>
           <a:xfrm>
-            <a:off x="1426665" y="715571"/>
+            <a:off x="1429965" y="4188779"/>
             <a:ext cx="178290" cy="178290"/>
           </a:xfrm>
           <a:prstGeom prst="rect">
@@ -17149,7 +17246,7 @@
         </p:blipFill>
         <p:spPr>
           <a:xfrm>
-            <a:off x="2224466" y="681796"/>
+            <a:off x="2227766" y="4155004"/>
             <a:ext cx="212065" cy="212065"/>
           </a:xfrm>
           <a:prstGeom prst="rect">
@@ -17180,7 +17277,7 @@
         </p:blipFill>
         <p:spPr>
           <a:xfrm>
-            <a:off x="1941876" y="980122"/>
+            <a:off x="1945176" y="4453330"/>
             <a:ext cx="74930" cy="139700"/>
           </a:xfrm>
           <a:prstGeom prst="rect">
@@ -17211,7 +17308,7 @@
         </p:blipFill>
         <p:spPr>
           <a:xfrm flipH="1">
-            <a:off x="1859299" y="980122"/>
+            <a:off x="1862599" y="4453330"/>
             <a:ext cx="57150" cy="141605"/>
           </a:xfrm>
           <a:prstGeom prst="rect">
@@ -17242,7 +17339,7 @@
         </p:blipFill>
         <p:spPr>
           <a:xfrm>
-            <a:off x="3152426" y="972622"/>
+            <a:off x="3155726" y="4445830"/>
             <a:ext cx="57150" cy="141605"/>
           </a:xfrm>
           <a:prstGeom prst="rect">
@@ -17273,7 +17370,7 @@
         </p:blipFill>
         <p:spPr>
           <a:xfrm>
-            <a:off x="3057245" y="978337"/>
+            <a:off x="3060545" y="4451545"/>
             <a:ext cx="74930" cy="139700"/>
           </a:xfrm>
           <a:prstGeom prst="rect">
@@ -17304,7 +17401,7 @@
         </p:blipFill>
         <p:spPr>
           <a:xfrm>
-            <a:off x="3328170" y="978337"/>
+            <a:off x="3331470" y="4451545"/>
             <a:ext cx="74930" cy="139700"/>
           </a:xfrm>
           <a:prstGeom prst="rect">
@@ -17335,7 +17432,7 @@
         </p:blipFill>
         <p:spPr>
           <a:xfrm flipH="1">
-            <a:off x="3245593" y="978337"/>
+            <a:off x="3248893" y="4451545"/>
             <a:ext cx="57150" cy="141605"/>
           </a:xfrm>
           <a:prstGeom prst="rect">
@@ -17366,7 +17463,7 @@
         </p:blipFill>
         <p:spPr>
           <a:xfrm>
-            <a:off x="2757441" y="702547"/>
+            <a:off x="2760741" y="4175755"/>
             <a:ext cx="178290" cy="178290"/>
           </a:xfrm>
           <a:prstGeom prst="rect">
@@ -17385,7 +17482,7 @@
         </p:nvCxnSpPr>
         <p:spPr>
           <a:xfrm flipH="1">
-            <a:off x="3394768" y="791607"/>
+            <a:off x="3398068" y="4264815"/>
             <a:ext cx="522197" cy="0"/>
           </a:xfrm>
           <a:prstGeom prst="straightConnector1">
@@ -17422,7 +17519,7 @@
         </p:nvSpPr>
         <p:spPr>
           <a:xfrm>
-            <a:off x="3916965" y="644653"/>
+            <a:off x="3920265" y="4117861"/>
             <a:ext cx="832225" cy="293907"/>
           </a:xfrm>
           <a:prstGeom prst="rect">
@@ -17489,7 +17586,7 @@
         </p:blipFill>
         <p:spPr>
           <a:xfrm>
-            <a:off x="3578888" y="687622"/>
+            <a:off x="3582188" y="4160830"/>
             <a:ext cx="212065" cy="212065"/>
           </a:xfrm>
           <a:prstGeom prst="rect">
@@ -17520,7 +17617,7 @@
         </p:blipFill>
         <p:spPr>
           <a:xfrm>
-            <a:off x="4605700" y="972622"/>
+            <a:off x="4609000" y="4445830"/>
             <a:ext cx="57150" cy="141605"/>
           </a:xfrm>
           <a:prstGeom prst="rect">
@@ -17551,7 +17648,7 @@
         </p:blipFill>
         <p:spPr>
           <a:xfrm>
-            <a:off x="4510519" y="978337"/>
+            <a:off x="4513819" y="4451545"/>
             <a:ext cx="74930" cy="139700"/>
           </a:xfrm>
           <a:prstGeom prst="rect">
@@ -17582,7 +17679,7 @@
         </p:blipFill>
         <p:spPr>
           <a:xfrm>
-            <a:off x="4682592" y="978337"/>
+            <a:off x="4685892" y="4451545"/>
             <a:ext cx="74930" cy="139700"/>
           </a:xfrm>
           <a:prstGeom prst="rect">
@@ -17599,7 +17696,7 @@
         </p:nvSpPr>
         <p:spPr>
           <a:xfrm>
-            <a:off x="3011863" y="600939"/>
+            <a:off x="3015163" y="4074147"/>
             <a:ext cx="446991" cy="338554"/>
           </a:xfrm>
           <a:prstGeom prst="rect">
@@ -17652,7 +17749,7 @@
         </p:nvSpPr>
         <p:spPr>
           <a:xfrm>
-            <a:off x="4358801" y="600006"/>
+            <a:off x="4362101" y="4073214"/>
             <a:ext cx="479003" cy="338554"/>
           </a:xfrm>
           <a:prstGeom prst="rect">
@@ -17719,7 +17816,7 @@
         </p:blipFill>
         <p:spPr>
           <a:xfrm>
-            <a:off x="4426189" y="980122"/>
+            <a:off x="4429489" y="4453330"/>
             <a:ext cx="57150" cy="141605"/>
           </a:xfrm>
           <a:prstGeom prst="rect">
@@ -17749,7 +17846,7 @@
         </p:blipFill>
         <p:spPr>
           <a:xfrm>
-            <a:off x="4101199" y="715571"/>
+            <a:off x="4104499" y="4188779"/>
             <a:ext cx="181864" cy="181864"/>
           </a:xfrm>
           <a:prstGeom prst="rect">
@@ -17768,7 +17865,7 @@
         </p:nvCxnSpPr>
         <p:spPr>
           <a:xfrm flipH="1" flipV="1">
-            <a:off x="4749190" y="791607"/>
+            <a:off x="4752490" y="4264815"/>
             <a:ext cx="521465" cy="466"/>
           </a:xfrm>
           <a:prstGeom prst="straightConnector1">
@@ -17805,7 +17902,7 @@
         </p:nvSpPr>
         <p:spPr>
           <a:xfrm>
-            <a:off x="5270655" y="644653"/>
+            <a:off x="5273955" y="4117861"/>
             <a:ext cx="832225" cy="294840"/>
           </a:xfrm>
           <a:prstGeom prst="rect">
@@ -17872,7 +17969,7 @@
         </p:blipFill>
         <p:spPr>
           <a:xfrm>
-            <a:off x="4932578" y="681796"/>
+            <a:off x="4935878" y="4155004"/>
             <a:ext cx="212065" cy="212065"/>
           </a:xfrm>
           <a:prstGeom prst="rect">
@@ -17903,7 +18000,7 @@
         </p:blipFill>
         <p:spPr>
           <a:xfrm>
-            <a:off x="6045790" y="972622"/>
+            <a:off x="6049090" y="4445830"/>
             <a:ext cx="57150" cy="141605"/>
           </a:xfrm>
           <a:prstGeom prst="rect">
@@ -17934,7 +18031,7 @@
         </p:blipFill>
         <p:spPr>
           <a:xfrm>
-            <a:off x="5950609" y="978337"/>
+            <a:off x="5953909" y="4451545"/>
             <a:ext cx="74930" cy="139700"/>
           </a:xfrm>
           <a:prstGeom prst="rect">
@@ -17951,7 +18048,7 @@
         </p:nvSpPr>
         <p:spPr>
           <a:xfrm>
-            <a:off x="5720826" y="605078"/>
+            <a:off x="5724126" y="4078286"/>
             <a:ext cx="463678" cy="338554"/>
           </a:xfrm>
           <a:prstGeom prst="rect">
@@ -18018,7 +18115,7 @@
         </p:blipFill>
         <p:spPr>
           <a:xfrm>
-            <a:off x="5451870" y="717143"/>
+            <a:off x="5455170" y="4190351"/>
             <a:ext cx="182544" cy="182544"/>
           </a:xfrm>
           <a:prstGeom prst="rect">
@@ -18048,7 +18145,7 @@
         </p:blipFill>
         <p:spPr>
           <a:xfrm>
-            <a:off x="1274242" y="694253"/>
+            <a:off x="1277542" y="4167461"/>
             <a:ext cx="104902" cy="195580"/>
           </a:xfrm>
           <a:prstGeom prst="rect">
@@ -18079,7 +18176,7 @@
         </p:blipFill>
         <p:spPr>
           <a:xfrm flipH="1">
-            <a:off x="2626974" y="692348"/>
+            <a:off x="2630274" y="4165556"/>
             <a:ext cx="80010" cy="198247"/>
           </a:xfrm>
           <a:prstGeom prst="rect">
@@ -18110,7 +18207,7 @@
         </p:blipFill>
         <p:spPr>
           <a:xfrm>
-            <a:off x="3962969" y="692348"/>
+            <a:off x="3966269" y="4165556"/>
             <a:ext cx="104902" cy="195580"/>
           </a:xfrm>
           <a:prstGeom prst="rect">
@@ -18141,7 +18238,7 @@
         </p:blipFill>
         <p:spPr>
           <a:xfrm>
-            <a:off x="5329268" y="690443"/>
+            <a:off x="5332568" y="4163651"/>
             <a:ext cx="80010" cy="198247"/>
           </a:xfrm>
           <a:prstGeom prst="rect">
@@ -18157,7 +18254,7 @@
         </p:nvSpPr>
         <p:spPr>
           <a:xfrm>
-            <a:off x="1215849" y="1309741"/>
+            <a:off x="1215849" y="732975"/>
             <a:ext cx="832225" cy="294077"/>
           </a:xfrm>
           <a:prstGeom prst="rect">
@@ -18210,7 +18307,7 @@
         </p:nvSpPr>
         <p:spPr>
           <a:xfrm>
-            <a:off x="1649599" y="1266027"/>
+            <a:off x="1649599" y="689261"/>
             <a:ext cx="480040" cy="338554"/>
           </a:xfrm>
           <a:prstGeom prst="rect">
@@ -18266,7 +18363,7 @@
         </p:nvCxnSpPr>
         <p:spPr>
           <a:xfrm flipH="1">
-            <a:off x="2048074" y="1456695"/>
+            <a:off x="2048074" y="879929"/>
             <a:ext cx="515393" cy="85"/>
           </a:xfrm>
           <a:prstGeom prst="straightConnector1">
@@ -18303,7 +18400,7 @@
         </p:nvSpPr>
         <p:spPr>
           <a:xfrm>
-            <a:off x="2563467" y="1309741"/>
+            <a:off x="2563467" y="732975"/>
             <a:ext cx="832225" cy="293907"/>
           </a:xfrm>
           <a:prstGeom prst="rect">
@@ -18370,7 +18467,7 @@
         </p:blipFill>
         <p:spPr>
           <a:xfrm>
-            <a:off x="1427589" y="1380659"/>
+            <a:off x="1427589" y="803893"/>
             <a:ext cx="178290" cy="178290"/>
           </a:xfrm>
           <a:prstGeom prst="rect">
@@ -18401,7 +18498,7 @@
         </p:blipFill>
         <p:spPr>
           <a:xfrm>
-            <a:off x="2225390" y="1346884"/>
+            <a:off x="2225390" y="770118"/>
             <a:ext cx="212065" cy="212065"/>
           </a:xfrm>
           <a:prstGeom prst="rect">
@@ -18432,7 +18529,7 @@
         </p:blipFill>
         <p:spPr>
           <a:xfrm>
-            <a:off x="1942800" y="1645210"/>
+            <a:off x="1942800" y="1068444"/>
             <a:ext cx="74930" cy="139700"/>
           </a:xfrm>
           <a:prstGeom prst="rect">
@@ -18463,7 +18560,7 @@
         </p:blipFill>
         <p:spPr>
           <a:xfrm flipH="1">
-            <a:off x="1860223" y="1645210"/>
+            <a:off x="1860223" y="1068444"/>
             <a:ext cx="57150" cy="141605"/>
           </a:xfrm>
           <a:prstGeom prst="rect">
@@ -18494,7 +18591,7 @@
         </p:blipFill>
         <p:spPr>
           <a:xfrm>
-            <a:off x="3153350" y="1637710"/>
+            <a:off x="3153350" y="1060944"/>
             <a:ext cx="57150" cy="141605"/>
           </a:xfrm>
           <a:prstGeom prst="rect">
@@ -18525,7 +18622,7 @@
         </p:blipFill>
         <p:spPr>
           <a:xfrm>
-            <a:off x="3058169" y="1643425"/>
+            <a:off x="3058169" y="1066659"/>
             <a:ext cx="74930" cy="139700"/>
           </a:xfrm>
           <a:prstGeom prst="rect">
@@ -18556,7 +18653,7 @@
         </p:blipFill>
         <p:spPr>
           <a:xfrm>
-            <a:off x="3329094" y="1643425"/>
+            <a:off x="3329094" y="1066659"/>
             <a:ext cx="74930" cy="139700"/>
           </a:xfrm>
           <a:prstGeom prst="rect">
@@ -18587,7 +18684,7 @@
         </p:blipFill>
         <p:spPr>
           <a:xfrm flipH="1">
-            <a:off x="3246517" y="1643425"/>
+            <a:off x="3246517" y="1066659"/>
             <a:ext cx="57150" cy="141605"/>
           </a:xfrm>
           <a:prstGeom prst="rect">
@@ -18618,7 +18715,7 @@
         </p:blipFill>
         <p:spPr>
           <a:xfrm>
-            <a:off x="2758365" y="1367635"/>
+            <a:off x="2758365" y="790869"/>
             <a:ext cx="178290" cy="178290"/>
           </a:xfrm>
           <a:prstGeom prst="rect">
@@ -18637,7 +18734,7 @@
         </p:nvCxnSpPr>
         <p:spPr>
           <a:xfrm flipH="1">
-            <a:off x="3395692" y="1456695"/>
+            <a:off x="3395692" y="879929"/>
             <a:ext cx="522197" cy="0"/>
           </a:xfrm>
           <a:prstGeom prst="straightConnector1">
@@ -18674,7 +18771,7 @@
         </p:nvSpPr>
         <p:spPr>
           <a:xfrm>
-            <a:off x="3917889" y="1309741"/>
+            <a:off x="3917889" y="732975"/>
             <a:ext cx="832225" cy="293907"/>
           </a:xfrm>
           <a:prstGeom prst="rect">
@@ -18741,7 +18838,7 @@
         </p:blipFill>
         <p:spPr>
           <a:xfrm>
-            <a:off x="3579812" y="1352710"/>
+            <a:off x="3579812" y="775944"/>
             <a:ext cx="212065" cy="212065"/>
           </a:xfrm>
           <a:prstGeom prst="rect">
@@ -18772,7 +18869,7 @@
         </p:blipFill>
         <p:spPr>
           <a:xfrm>
-            <a:off x="4606624" y="1637710"/>
+            <a:off x="4606624" y="1060944"/>
             <a:ext cx="57150" cy="141605"/>
           </a:xfrm>
           <a:prstGeom prst="rect">
@@ -18803,7 +18900,7 @@
         </p:blipFill>
         <p:spPr>
           <a:xfrm>
-            <a:off x="4511443" y="1643425"/>
+            <a:off x="4511443" y="1066659"/>
             <a:ext cx="74930" cy="139700"/>
           </a:xfrm>
           <a:prstGeom prst="rect">
@@ -18834,7 +18931,7 @@
         </p:blipFill>
         <p:spPr>
           <a:xfrm>
-            <a:off x="4683516" y="1643425"/>
+            <a:off x="4683516" y="1066659"/>
             <a:ext cx="74930" cy="139700"/>
           </a:xfrm>
           <a:prstGeom prst="rect">
@@ -18851,7 +18948,7 @@
         </p:nvSpPr>
         <p:spPr>
           <a:xfrm>
-            <a:off x="3012787" y="1266027"/>
+            <a:off x="3012787" y="689261"/>
             <a:ext cx="446991" cy="338554"/>
           </a:xfrm>
           <a:prstGeom prst="rect">
@@ -18904,7 +19001,7 @@
         </p:nvSpPr>
         <p:spPr>
           <a:xfrm>
-            <a:off x="4359725" y="1265094"/>
+            <a:off x="4359725" y="688328"/>
             <a:ext cx="479003" cy="338554"/>
           </a:xfrm>
           <a:prstGeom prst="rect">
@@ -18971,7 +19068,7 @@
         </p:blipFill>
         <p:spPr>
           <a:xfrm>
-            <a:off x="4427113" y="1645210"/>
+            <a:off x="4427113" y="1068444"/>
             <a:ext cx="57150" cy="141605"/>
           </a:xfrm>
           <a:prstGeom prst="rect">
@@ -19001,7 +19098,7 @@
         </p:blipFill>
         <p:spPr>
           <a:xfrm>
-            <a:off x="4102123" y="1380659"/>
+            <a:off x="4102123" y="803893"/>
             <a:ext cx="181864" cy="181864"/>
           </a:xfrm>
           <a:prstGeom prst="rect">
@@ -19017,7 +19114,7 @@
         </p:nvSpPr>
         <p:spPr>
           <a:xfrm>
-            <a:off x="6255094" y="1341192"/>
+            <a:off x="6255094" y="764426"/>
             <a:ext cx="2326278" cy="215444"/>
           </a:xfrm>
           <a:prstGeom prst="rect">
@@ -19090,7 +19187,7 @@
         </p:nvCxnSpPr>
         <p:spPr>
           <a:xfrm flipH="1" flipV="1">
-            <a:off x="4750114" y="1456695"/>
+            <a:off x="4750114" y="879929"/>
             <a:ext cx="521465" cy="466"/>
           </a:xfrm>
           <a:prstGeom prst="straightConnector1">
@@ -19127,7 +19224,7 @@
         </p:nvSpPr>
         <p:spPr>
           <a:xfrm>
-            <a:off x="5271579" y="1309741"/>
+            <a:off x="5271579" y="732975"/>
             <a:ext cx="832225" cy="294840"/>
           </a:xfrm>
           <a:prstGeom prst="rect">
@@ -19194,7 +19291,7 @@
         </p:blipFill>
         <p:spPr>
           <a:xfrm>
-            <a:off x="4933502" y="1346884"/>
+            <a:off x="4933502" y="770118"/>
             <a:ext cx="212065" cy="212065"/>
           </a:xfrm>
           <a:prstGeom prst="rect">
@@ -19225,7 +19322,7 @@
         </p:blipFill>
         <p:spPr>
           <a:xfrm>
-            <a:off x="6046714" y="1637710"/>
+            <a:off x="6046714" y="1060944"/>
             <a:ext cx="57150" cy="141605"/>
           </a:xfrm>
           <a:prstGeom prst="rect">
@@ -19256,7 +19353,7 @@
         </p:blipFill>
         <p:spPr>
           <a:xfrm>
-            <a:off x="5951533" y="1643425"/>
+            <a:off x="5951533" y="1066659"/>
             <a:ext cx="74930" cy="139700"/>
           </a:xfrm>
           <a:prstGeom prst="rect">
@@ -19273,7 +19370,7 @@
         </p:nvSpPr>
         <p:spPr>
           <a:xfrm>
-            <a:off x="5721750" y="1270166"/>
+            <a:off x="5721750" y="693400"/>
             <a:ext cx="463678" cy="338554"/>
           </a:xfrm>
           <a:prstGeom prst="rect">
@@ -19340,7 +19437,7 @@
         </p:blipFill>
         <p:spPr>
           <a:xfrm>
-            <a:off x="5452794" y="1382231"/>
+            <a:off x="5452794" y="805465"/>
             <a:ext cx="182544" cy="182544"/>
           </a:xfrm>
           <a:prstGeom prst="rect">
@@ -19370,7 +19467,7 @@
         </p:blipFill>
         <p:spPr>
           <a:xfrm>
-            <a:off x="1275166" y="1359341"/>
+            <a:off x="1275166" y="782575"/>
             <a:ext cx="104902" cy="195580"/>
           </a:xfrm>
           <a:prstGeom prst="rect">
@@ -19401,7 +19498,7 @@
         </p:blipFill>
         <p:spPr>
           <a:xfrm flipH="1">
-            <a:off x="2627898" y="1357436"/>
+            <a:off x="2627898" y="780670"/>
             <a:ext cx="80010" cy="198247"/>
           </a:xfrm>
           <a:prstGeom prst="rect">
@@ -19432,7 +19529,7 @@
         </p:blipFill>
         <p:spPr>
           <a:xfrm>
-            <a:off x="3963893" y="1357436"/>
+            <a:off x="3963893" y="780670"/>
             <a:ext cx="104902" cy="195580"/>
           </a:xfrm>
           <a:prstGeom prst="rect">
@@ -19463,7 +19560,7 @@
         </p:blipFill>
         <p:spPr>
           <a:xfrm>
-            <a:off x="5330192" y="1355531"/>
+            <a:off x="5330192" y="778765"/>
             <a:ext cx="80010" cy="198247"/>
           </a:xfrm>
           <a:prstGeom prst="rect">
@@ -19479,7 +19576,7 @@
         </p:nvSpPr>
         <p:spPr>
           <a:xfrm>
-            <a:off x="4888701" y="1319541"/>
+            <a:off x="4888701" y="742775"/>
             <a:ext cx="292272" cy="262656"/>
           </a:xfrm>
           <a:prstGeom prst="noSmoking">
@@ -19534,7 +19631,7 @@
         </p:nvSpPr>
         <p:spPr>
           <a:xfrm>
-            <a:off x="1216773" y="1980655"/>
+            <a:off x="1216773" y="1403889"/>
             <a:ext cx="832225" cy="294077"/>
           </a:xfrm>
           <a:prstGeom prst="rect">
@@ -19587,7 +19684,7 @@
         </p:nvSpPr>
         <p:spPr>
           <a:xfrm>
-            <a:off x="1650523" y="1936941"/>
+            <a:off x="1650523" y="1360175"/>
             <a:ext cx="480040" cy="338554"/>
           </a:xfrm>
           <a:prstGeom prst="rect">
@@ -19643,7 +19740,7 @@
         </p:nvCxnSpPr>
         <p:spPr>
           <a:xfrm flipH="1">
-            <a:off x="2048998" y="2127609"/>
+            <a:off x="2048998" y="1550843"/>
             <a:ext cx="515393" cy="85"/>
           </a:xfrm>
           <a:prstGeom prst="straightConnector1">
@@ -19680,7 +19777,7 @@
         </p:nvSpPr>
         <p:spPr>
           <a:xfrm>
-            <a:off x="2564391" y="1980655"/>
+            <a:off x="2564391" y="1403889"/>
             <a:ext cx="832225" cy="293907"/>
           </a:xfrm>
           <a:prstGeom prst="rect">
@@ -19747,7 +19844,7 @@
         </p:blipFill>
         <p:spPr>
           <a:xfrm>
-            <a:off x="1428513" y="2051573"/>
+            <a:off x="1428513" y="1474807"/>
             <a:ext cx="178290" cy="178290"/>
           </a:xfrm>
           <a:prstGeom prst="rect">
@@ -19778,7 +19875,7 @@
         </p:blipFill>
         <p:spPr>
           <a:xfrm>
-            <a:off x="2226314" y="2017798"/>
+            <a:off x="2226314" y="1441032"/>
             <a:ext cx="212065" cy="212065"/>
           </a:xfrm>
           <a:prstGeom prst="rect">
@@ -19809,7 +19906,7 @@
         </p:blipFill>
         <p:spPr>
           <a:xfrm>
-            <a:off x="1943724" y="2316124"/>
+            <a:off x="1943724" y="1739358"/>
             <a:ext cx="74930" cy="139700"/>
           </a:xfrm>
           <a:prstGeom prst="rect">
@@ -19840,7 +19937,7 @@
         </p:blipFill>
         <p:spPr>
           <a:xfrm flipH="1">
-            <a:off x="1861147" y="2316124"/>
+            <a:off x="1861147" y="1739358"/>
             <a:ext cx="57150" cy="141605"/>
           </a:xfrm>
           <a:prstGeom prst="rect">
@@ -19871,7 +19968,7 @@
         </p:blipFill>
         <p:spPr>
           <a:xfrm>
-            <a:off x="3154274" y="2308624"/>
+            <a:off x="3154274" y="1731858"/>
             <a:ext cx="57150" cy="141605"/>
           </a:xfrm>
           <a:prstGeom prst="rect">
@@ -19902,7 +19999,7 @@
         </p:blipFill>
         <p:spPr>
           <a:xfrm>
-            <a:off x="3059093" y="2314339"/>
+            <a:off x="3059093" y="1737573"/>
             <a:ext cx="74930" cy="139700"/>
           </a:xfrm>
           <a:prstGeom prst="rect">
@@ -19933,7 +20030,7 @@
         </p:blipFill>
         <p:spPr>
           <a:xfrm>
-            <a:off x="3330018" y="2314339"/>
+            <a:off x="3330018" y="1737573"/>
             <a:ext cx="74930" cy="139700"/>
           </a:xfrm>
           <a:prstGeom prst="rect">
@@ -19964,7 +20061,7 @@
         </p:blipFill>
         <p:spPr>
           <a:xfrm flipH="1">
-            <a:off x="3247441" y="2314339"/>
+            <a:off x="3247441" y="1737573"/>
             <a:ext cx="57150" cy="141605"/>
           </a:xfrm>
           <a:prstGeom prst="rect">
@@ -19995,7 +20092,7 @@
         </p:blipFill>
         <p:spPr>
           <a:xfrm>
-            <a:off x="2759289" y="2038549"/>
+            <a:off x="2759289" y="1461783"/>
             <a:ext cx="178290" cy="178290"/>
           </a:xfrm>
           <a:prstGeom prst="rect">
@@ -20014,7 +20111,7 @@
         </p:nvCxnSpPr>
         <p:spPr>
           <a:xfrm flipH="1">
-            <a:off x="3396616" y="2127609"/>
+            <a:off x="3396616" y="1550843"/>
             <a:ext cx="522197" cy="0"/>
           </a:xfrm>
           <a:prstGeom prst="straightConnector1">
@@ -20051,7 +20148,7 @@
         </p:nvSpPr>
         <p:spPr>
           <a:xfrm>
-            <a:off x="3918813" y="1980655"/>
+            <a:off x="3918813" y="1403889"/>
             <a:ext cx="832225" cy="293907"/>
           </a:xfrm>
           <a:prstGeom prst="rect">
@@ -20118,7 +20215,7 @@
         </p:blipFill>
         <p:spPr>
           <a:xfrm>
-            <a:off x="3580736" y="2023624"/>
+            <a:off x="3580736" y="1446858"/>
             <a:ext cx="212065" cy="212065"/>
           </a:xfrm>
           <a:prstGeom prst="rect">
@@ -20149,7 +20246,7 @@
         </p:blipFill>
         <p:spPr>
           <a:xfrm>
-            <a:off x="4607548" y="2308624"/>
+            <a:off x="4607548" y="1731858"/>
             <a:ext cx="57150" cy="141605"/>
           </a:xfrm>
           <a:prstGeom prst="rect">
@@ -20180,7 +20277,7 @@
         </p:blipFill>
         <p:spPr>
           <a:xfrm>
-            <a:off x="4512367" y="2314339"/>
+            <a:off x="4512367" y="1737573"/>
             <a:ext cx="74930" cy="139700"/>
           </a:xfrm>
           <a:prstGeom prst="rect">
@@ -20211,7 +20308,7 @@
         </p:blipFill>
         <p:spPr>
           <a:xfrm>
-            <a:off x="4684440" y="2314339"/>
+            <a:off x="4684440" y="1737573"/>
             <a:ext cx="74930" cy="139700"/>
           </a:xfrm>
           <a:prstGeom prst="rect">
@@ -20228,7 +20325,7 @@
         </p:nvSpPr>
         <p:spPr>
           <a:xfrm>
-            <a:off x="3013711" y="1936941"/>
+            <a:off x="3013711" y="1360175"/>
             <a:ext cx="446991" cy="338554"/>
           </a:xfrm>
           <a:prstGeom prst="rect">
@@ -20281,7 +20378,7 @@
         </p:nvSpPr>
         <p:spPr>
           <a:xfrm>
-            <a:off x="4360649" y="1936008"/>
+            <a:off x="4360649" y="1359242"/>
             <a:ext cx="479003" cy="338554"/>
           </a:xfrm>
           <a:prstGeom prst="rect">
@@ -20348,7 +20445,7 @@
         </p:blipFill>
         <p:spPr>
           <a:xfrm>
-            <a:off x="4428037" y="2316124"/>
+            <a:off x="4428037" y="1739358"/>
             <a:ext cx="57150" cy="141605"/>
           </a:xfrm>
           <a:prstGeom prst="rect">
@@ -20378,7 +20475,7 @@
         </p:blipFill>
         <p:spPr>
           <a:xfrm>
-            <a:off x="4103047" y="2051573"/>
+            <a:off x="4103047" y="1474807"/>
             <a:ext cx="181864" cy="181864"/>
           </a:xfrm>
           <a:prstGeom prst="rect">
@@ -20394,7 +20491,7 @@
         </p:nvSpPr>
         <p:spPr>
           <a:xfrm>
-            <a:off x="6255094" y="2018342"/>
+            <a:off x="6255094" y="1441576"/>
             <a:ext cx="1454244" cy="215444"/>
           </a:xfrm>
           <a:prstGeom prst="rect">
@@ -20435,7 +20532,7 @@
         </p:nvCxnSpPr>
         <p:spPr>
           <a:xfrm flipH="1" flipV="1">
-            <a:off x="4751038" y="2127609"/>
+            <a:off x="4751038" y="1550843"/>
             <a:ext cx="521465" cy="466"/>
           </a:xfrm>
           <a:prstGeom prst="straightConnector1">
@@ -20472,7 +20569,7 @@
         </p:nvSpPr>
         <p:spPr>
           <a:xfrm>
-            <a:off x="5272503" y="1980655"/>
+            <a:off x="5272503" y="1403889"/>
             <a:ext cx="832225" cy="294840"/>
           </a:xfrm>
           <a:prstGeom prst="rect">
@@ -20539,7 +20636,7 @@
         </p:blipFill>
         <p:spPr>
           <a:xfrm>
-            <a:off x="4934426" y="2017798"/>
+            <a:off x="4934426" y="1441032"/>
             <a:ext cx="212065" cy="212065"/>
           </a:xfrm>
           <a:prstGeom prst="rect">
@@ -20570,7 +20667,7 @@
         </p:blipFill>
         <p:spPr>
           <a:xfrm>
-            <a:off x="6047638" y="2308624"/>
+            <a:off x="6047638" y="1731858"/>
             <a:ext cx="57150" cy="141605"/>
           </a:xfrm>
           <a:prstGeom prst="rect">
@@ -20601,7 +20698,7 @@
         </p:blipFill>
         <p:spPr>
           <a:xfrm>
-            <a:off x="5952457" y="2314339"/>
+            <a:off x="5952457" y="1737573"/>
             <a:ext cx="74930" cy="139700"/>
           </a:xfrm>
           <a:prstGeom prst="rect">
@@ -20618,7 +20715,7 @@
         </p:nvSpPr>
         <p:spPr>
           <a:xfrm>
-            <a:off x="5722674" y="1941080"/>
+            <a:off x="5722674" y="1364314"/>
             <a:ext cx="463678" cy="338554"/>
           </a:xfrm>
           <a:prstGeom prst="rect">
@@ -20685,7 +20782,7 @@
         </p:blipFill>
         <p:spPr>
           <a:xfrm>
-            <a:off x="5453718" y="2053145"/>
+            <a:off x="5453718" y="1476379"/>
             <a:ext cx="182544" cy="182544"/>
           </a:xfrm>
           <a:prstGeom prst="rect">
@@ -20715,7 +20812,7 @@
         </p:blipFill>
         <p:spPr>
           <a:xfrm>
-            <a:off x="1276090" y="2030255"/>
+            <a:off x="1276090" y="1453489"/>
             <a:ext cx="104902" cy="195580"/>
           </a:xfrm>
           <a:prstGeom prst="rect">
@@ -20746,7 +20843,7 @@
         </p:blipFill>
         <p:spPr>
           <a:xfrm flipH="1">
-            <a:off x="2628822" y="2028350"/>
+            <a:off x="2628822" y="1451584"/>
             <a:ext cx="80010" cy="198247"/>
           </a:xfrm>
           <a:prstGeom prst="rect">
@@ -20777,7 +20874,7 @@
         </p:blipFill>
         <p:spPr>
           <a:xfrm>
-            <a:off x="3964817" y="2028350"/>
+            <a:off x="3964817" y="1451584"/>
             <a:ext cx="104902" cy="195580"/>
           </a:xfrm>
           <a:prstGeom prst="rect">
@@ -20808,7 +20905,7 @@
         </p:blipFill>
         <p:spPr>
           <a:xfrm>
-            <a:off x="5331116" y="2026445"/>
+            <a:off x="5331116" y="1449679"/>
             <a:ext cx="80010" cy="198247"/>
           </a:xfrm>
           <a:prstGeom prst="rect">
@@ -20824,7 +20921,7 @@
         </p:nvSpPr>
         <p:spPr>
           <a:xfrm>
-            <a:off x="5418454" y="2060498"/>
+            <a:off x="5418454" y="1483732"/>
             <a:ext cx="163851" cy="175191"/>
           </a:xfrm>
           <a:prstGeom prst="noSmoking">
@@ -20879,7 +20976,7 @@
         </p:nvSpPr>
         <p:spPr>
           <a:xfrm>
-            <a:off x="682431" y="537963"/>
+            <a:off x="685731" y="3993693"/>
             <a:ext cx="445104" cy="461665"/>
           </a:xfrm>
           <a:prstGeom prst="rect">
@@ -20919,7 +21016,7 @@
         </p:nvSpPr>
         <p:spPr>
           <a:xfrm>
-            <a:off x="711561" y="1208850"/>
+            <a:off x="711561" y="632084"/>
             <a:ext cx="389850" cy="461665"/>
           </a:xfrm>
           <a:prstGeom prst="rect">
@@ -20959,7 +21056,7 @@
         </p:nvSpPr>
         <p:spPr>
           <a:xfrm>
-            <a:off x="716130" y="1873938"/>
+            <a:off x="716130" y="1297172"/>
             <a:ext cx="389850" cy="461665"/>
           </a:xfrm>
           <a:prstGeom prst="rect">
@@ -20999,7 +21096,7 @@
         </p:nvSpPr>
         <p:spPr>
           <a:xfrm>
-            <a:off x="1217697" y="2657395"/>
+            <a:off x="1217697" y="2080629"/>
             <a:ext cx="832225" cy="294077"/>
           </a:xfrm>
           <a:prstGeom prst="rect">
@@ -21052,7 +21149,7 @@
         </p:nvSpPr>
         <p:spPr>
           <a:xfrm>
-            <a:off x="1651447" y="2613681"/>
+            <a:off x="1651447" y="2036915"/>
             <a:ext cx="480040" cy="338554"/>
           </a:xfrm>
           <a:prstGeom prst="rect">
@@ -21108,7 +21205,7 @@
         </p:nvCxnSpPr>
         <p:spPr>
           <a:xfrm flipH="1">
-            <a:off x="2049922" y="2804349"/>
+            <a:off x="2049922" y="2227583"/>
             <a:ext cx="515393" cy="85"/>
           </a:xfrm>
           <a:prstGeom prst="straightConnector1">
@@ -21145,7 +21242,7 @@
         </p:nvSpPr>
         <p:spPr>
           <a:xfrm>
-            <a:off x="2565315" y="2657395"/>
+            <a:off x="2565315" y="2080629"/>
             <a:ext cx="832225" cy="293907"/>
           </a:xfrm>
           <a:prstGeom prst="rect">
@@ -21212,7 +21309,7 @@
         </p:blipFill>
         <p:spPr>
           <a:xfrm>
-            <a:off x="1429437" y="2728313"/>
+            <a:off x="1429437" y="2151547"/>
             <a:ext cx="178290" cy="178290"/>
           </a:xfrm>
           <a:prstGeom prst="rect">
@@ -21243,7 +21340,7 @@
         </p:blipFill>
         <p:spPr>
           <a:xfrm>
-            <a:off x="2227238" y="2694538"/>
+            <a:off x="2227238" y="2117772"/>
             <a:ext cx="212065" cy="212065"/>
           </a:xfrm>
           <a:prstGeom prst="rect">
@@ -21274,7 +21371,7 @@
         </p:blipFill>
         <p:spPr>
           <a:xfrm>
-            <a:off x="1944648" y="2992864"/>
+            <a:off x="1944648" y="2416098"/>
             <a:ext cx="74930" cy="139700"/>
           </a:xfrm>
           <a:prstGeom prst="rect">
@@ -21305,7 +21402,7 @@
         </p:blipFill>
         <p:spPr>
           <a:xfrm flipH="1">
-            <a:off x="1862071" y="2992864"/>
+            <a:off x="1862071" y="2416098"/>
             <a:ext cx="57150" cy="141605"/>
           </a:xfrm>
           <a:prstGeom prst="rect">
@@ -21336,7 +21433,7 @@
         </p:blipFill>
         <p:spPr>
           <a:xfrm>
-            <a:off x="3155198" y="2985364"/>
+            <a:off x="3155198" y="2408598"/>
             <a:ext cx="57150" cy="141605"/>
           </a:xfrm>
           <a:prstGeom prst="rect">
@@ -21367,7 +21464,7 @@
         </p:blipFill>
         <p:spPr>
           <a:xfrm>
-            <a:off x="3060017" y="2991079"/>
+            <a:off x="3060017" y="2414313"/>
             <a:ext cx="74930" cy="139700"/>
           </a:xfrm>
           <a:prstGeom prst="rect">
@@ -21398,7 +21495,7 @@
         </p:blipFill>
         <p:spPr>
           <a:xfrm>
-            <a:off x="3330942" y="2991079"/>
+            <a:off x="3330942" y="2414313"/>
             <a:ext cx="74930" cy="139700"/>
           </a:xfrm>
           <a:prstGeom prst="rect">
@@ -21429,7 +21526,7 @@
         </p:blipFill>
         <p:spPr>
           <a:xfrm flipH="1">
-            <a:off x="3248365" y="2991079"/>
+            <a:off x="3248365" y="2414313"/>
             <a:ext cx="57150" cy="141605"/>
           </a:xfrm>
           <a:prstGeom prst="rect">
@@ -21460,7 +21557,7 @@
         </p:blipFill>
         <p:spPr>
           <a:xfrm>
-            <a:off x="2760213" y="2715289"/>
+            <a:off x="2760213" y="2138523"/>
             <a:ext cx="178290" cy="178290"/>
           </a:xfrm>
           <a:prstGeom prst="rect">
@@ -21479,7 +21576,7 @@
         </p:nvCxnSpPr>
         <p:spPr>
           <a:xfrm flipH="1">
-            <a:off x="3397540" y="2804349"/>
+            <a:off x="3397540" y="2227583"/>
             <a:ext cx="522197" cy="0"/>
           </a:xfrm>
           <a:prstGeom prst="straightConnector1">
@@ -21516,7 +21613,7 @@
         </p:nvSpPr>
         <p:spPr>
           <a:xfrm>
-            <a:off x="3919737" y="2657395"/>
+            <a:off x="3919737" y="2080629"/>
             <a:ext cx="832225" cy="293907"/>
           </a:xfrm>
           <a:prstGeom prst="rect">
@@ -21583,7 +21680,7 @@
         </p:blipFill>
         <p:spPr>
           <a:xfrm>
-            <a:off x="3581660" y="2700364"/>
+            <a:off x="3581660" y="2123598"/>
             <a:ext cx="212065" cy="212065"/>
           </a:xfrm>
           <a:prstGeom prst="rect">
@@ -21614,7 +21711,7 @@
         </p:blipFill>
         <p:spPr>
           <a:xfrm>
-            <a:off x="4608472" y="2985364"/>
+            <a:off x="4608472" y="2408598"/>
             <a:ext cx="57150" cy="141605"/>
           </a:xfrm>
           <a:prstGeom prst="rect">
@@ -21645,7 +21742,7 @@
         </p:blipFill>
         <p:spPr>
           <a:xfrm>
-            <a:off x="4513291" y="2991079"/>
+            <a:off x="4513291" y="2414313"/>
             <a:ext cx="74930" cy="139700"/>
           </a:xfrm>
           <a:prstGeom prst="rect">
@@ -21676,7 +21773,7 @@
         </p:blipFill>
         <p:spPr>
           <a:xfrm>
-            <a:off x="4685364" y="2991079"/>
+            <a:off x="4685364" y="2414313"/>
             <a:ext cx="74930" cy="139700"/>
           </a:xfrm>
           <a:prstGeom prst="rect">
@@ -21693,7 +21790,7 @@
         </p:nvSpPr>
         <p:spPr>
           <a:xfrm>
-            <a:off x="3014635" y="2613681"/>
+            <a:off x="3014635" y="2036915"/>
             <a:ext cx="446991" cy="338554"/>
           </a:xfrm>
           <a:prstGeom prst="rect">
@@ -21746,7 +21843,7 @@
         </p:nvSpPr>
         <p:spPr>
           <a:xfrm>
-            <a:off x="4402355" y="2647704"/>
+            <a:off x="4402355" y="2070938"/>
             <a:ext cx="479003" cy="307777"/>
           </a:xfrm>
           <a:prstGeom prst="rect">
@@ -21796,7 +21893,7 @@
         </p:blipFill>
         <p:spPr>
           <a:xfrm>
-            <a:off x="5864329" y="2985364"/>
+            <a:off x="5864329" y="2408598"/>
             <a:ext cx="57150" cy="141605"/>
           </a:xfrm>
           <a:prstGeom prst="rect">
@@ -21826,7 +21923,7 @@
         </p:blipFill>
         <p:spPr>
           <a:xfrm>
-            <a:off x="4103971" y="2728313"/>
+            <a:off x="4103971" y="2151547"/>
             <a:ext cx="181864" cy="181864"/>
           </a:xfrm>
           <a:prstGeom prst="rect">
@@ -21842,7 +21939,7 @@
         </p:nvSpPr>
         <p:spPr>
           <a:xfrm>
-            <a:off x="6256018" y="2695082"/>
+            <a:off x="6256018" y="2118316"/>
             <a:ext cx="1390124" cy="215444"/>
           </a:xfrm>
           <a:prstGeom prst="rect">
@@ -21891,7 +21988,7 @@
         </p:nvCxnSpPr>
         <p:spPr>
           <a:xfrm flipH="1" flipV="1">
-            <a:off x="4751962" y="2804349"/>
+            <a:off x="4751962" y="2227583"/>
             <a:ext cx="521465" cy="466"/>
           </a:xfrm>
           <a:prstGeom prst="straightConnector1">
@@ -21928,7 +22025,7 @@
         </p:nvSpPr>
         <p:spPr>
           <a:xfrm>
-            <a:off x="5273427" y="2657395"/>
+            <a:off x="5273427" y="2080629"/>
             <a:ext cx="832225" cy="294840"/>
           </a:xfrm>
           <a:prstGeom prst="rect">
@@ -21995,7 +22092,7 @@
         </p:blipFill>
         <p:spPr>
           <a:xfrm>
-            <a:off x="4935350" y="2694538"/>
+            <a:off x="4935350" y="2117772"/>
             <a:ext cx="212065" cy="212065"/>
           </a:xfrm>
           <a:prstGeom prst="rect">
@@ -22026,7 +22123,7 @@
         </p:blipFill>
         <p:spPr>
           <a:xfrm>
-            <a:off x="6048562" y="2985364"/>
+            <a:off x="6048562" y="2408598"/>
             <a:ext cx="57150" cy="141605"/>
           </a:xfrm>
           <a:prstGeom prst="rect">
@@ -22057,7 +22154,7 @@
         </p:blipFill>
         <p:spPr>
           <a:xfrm>
-            <a:off x="5947555" y="2985253"/>
+            <a:off x="5947555" y="2408487"/>
             <a:ext cx="74930" cy="139700"/>
           </a:xfrm>
           <a:prstGeom prst="rect">
@@ -22074,7 +22171,7 @@
         </p:nvSpPr>
         <p:spPr>
           <a:xfrm>
-            <a:off x="5764380" y="2617820"/>
+            <a:off x="5764380" y="2041054"/>
             <a:ext cx="463678" cy="338554"/>
           </a:xfrm>
           <a:prstGeom prst="rect">
@@ -22131,7 +22228,7 @@
         </p:blipFill>
         <p:spPr>
           <a:xfrm>
-            <a:off x="5466294" y="2729885"/>
+            <a:off x="5466294" y="2153119"/>
             <a:ext cx="182544" cy="182544"/>
           </a:xfrm>
           <a:prstGeom prst="rect">
@@ -22161,7 +22258,7 @@
         </p:blipFill>
         <p:spPr>
           <a:xfrm>
-            <a:off x="1277014" y="2706995"/>
+            <a:off x="1277014" y="2130229"/>
             <a:ext cx="104902" cy="195580"/>
           </a:xfrm>
           <a:prstGeom prst="rect">
@@ -22192,7 +22289,7 @@
         </p:blipFill>
         <p:spPr>
           <a:xfrm flipH="1">
-            <a:off x="2629746" y="2705090"/>
+            <a:off x="2629746" y="2128324"/>
             <a:ext cx="80010" cy="198247"/>
           </a:xfrm>
           <a:prstGeom prst="rect">
@@ -22223,7 +22320,7 @@
         </p:blipFill>
         <p:spPr>
           <a:xfrm>
-            <a:off x="3965741" y="2705090"/>
+            <a:off x="3965741" y="2128324"/>
             <a:ext cx="104902" cy="195580"/>
           </a:xfrm>
           <a:prstGeom prst="rect">
@@ -22254,7 +22351,7 @@
         </p:blipFill>
         <p:spPr>
           <a:xfrm>
-            <a:off x="5332040" y="2703185"/>
+            <a:off x="5332040" y="2126419"/>
             <a:ext cx="80010" cy="198247"/>
           </a:xfrm>
           <a:prstGeom prst="rect">
@@ -22270,7 +22367,7 @@
         </p:nvSpPr>
         <p:spPr>
           <a:xfrm>
-            <a:off x="5291440" y="2673821"/>
+            <a:off x="5291440" y="2097055"/>
             <a:ext cx="163851" cy="175191"/>
           </a:xfrm>
           <a:prstGeom prst="noSmoking">
@@ -22325,7 +22422,7 @@
         </p:nvSpPr>
         <p:spPr>
           <a:xfrm>
-            <a:off x="717054" y="2562330"/>
+            <a:off x="717054" y="1985564"/>
             <a:ext cx="389850" cy="461665"/>
           </a:xfrm>
           <a:prstGeom prst="rect">
@@ -22365,7 +22462,7 @@
         </p:nvSpPr>
         <p:spPr>
           <a:xfrm>
-            <a:off x="1218621" y="3328309"/>
+            <a:off x="1218621" y="2751543"/>
             <a:ext cx="832225" cy="294077"/>
           </a:xfrm>
           <a:prstGeom prst="rect">
@@ -22418,7 +22515,7 @@
         </p:nvSpPr>
         <p:spPr>
           <a:xfrm>
-            <a:off x="1652371" y="3284595"/>
+            <a:off x="1652371" y="2707829"/>
             <a:ext cx="480040" cy="338554"/>
           </a:xfrm>
           <a:prstGeom prst="rect">
@@ -22474,7 +22571,7 @@
         </p:nvCxnSpPr>
         <p:spPr>
           <a:xfrm flipH="1">
-            <a:off x="2050846" y="3475263"/>
+            <a:off x="2050846" y="2898497"/>
             <a:ext cx="515393" cy="85"/>
           </a:xfrm>
           <a:prstGeom prst="straightConnector1">
@@ -22511,7 +22608,7 @@
         </p:nvSpPr>
         <p:spPr>
           <a:xfrm>
-            <a:off x="2566239" y="3328309"/>
+            <a:off x="2566239" y="2751543"/>
             <a:ext cx="832225" cy="293907"/>
           </a:xfrm>
           <a:prstGeom prst="rect">
@@ -22578,7 +22675,7 @@
         </p:blipFill>
         <p:spPr>
           <a:xfrm>
-            <a:off x="1430361" y="3399227"/>
+            <a:off x="1430361" y="2822461"/>
             <a:ext cx="178290" cy="178290"/>
           </a:xfrm>
           <a:prstGeom prst="rect">
@@ -22609,7 +22706,7 @@
         </p:blipFill>
         <p:spPr>
           <a:xfrm>
-            <a:off x="2228162" y="3365452"/>
+            <a:off x="2228162" y="2788686"/>
             <a:ext cx="212065" cy="212065"/>
           </a:xfrm>
           <a:prstGeom prst="rect">
@@ -22640,7 +22737,7 @@
         </p:blipFill>
         <p:spPr>
           <a:xfrm>
-            <a:off x="1945572" y="3663778"/>
+            <a:off x="1945572" y="3087012"/>
             <a:ext cx="74930" cy="139700"/>
           </a:xfrm>
           <a:prstGeom prst="rect">
@@ -22671,7 +22768,7 @@
         </p:blipFill>
         <p:spPr>
           <a:xfrm flipH="1">
-            <a:off x="1862995" y="3663778"/>
+            <a:off x="1862995" y="3087012"/>
             <a:ext cx="57150" cy="141605"/>
           </a:xfrm>
           <a:prstGeom prst="rect">
@@ -22702,7 +22799,7 @@
         </p:blipFill>
         <p:spPr>
           <a:xfrm>
-            <a:off x="3156122" y="3656278"/>
+            <a:off x="3156122" y="3079512"/>
             <a:ext cx="57150" cy="141605"/>
           </a:xfrm>
           <a:prstGeom prst="rect">
@@ -22733,7 +22830,7 @@
         </p:blipFill>
         <p:spPr>
           <a:xfrm>
-            <a:off x="3060941" y="3661993"/>
+            <a:off x="3060941" y="3085227"/>
             <a:ext cx="74930" cy="139700"/>
           </a:xfrm>
           <a:prstGeom prst="rect">
@@ -22764,7 +22861,7 @@
         </p:blipFill>
         <p:spPr>
           <a:xfrm>
-            <a:off x="3331866" y="3661993"/>
+            <a:off x="3331866" y="3085227"/>
             <a:ext cx="74930" cy="139700"/>
           </a:xfrm>
           <a:prstGeom prst="rect">
@@ -22795,7 +22892,7 @@
         </p:blipFill>
         <p:spPr>
           <a:xfrm flipH="1">
-            <a:off x="3249289" y="3661993"/>
+            <a:off x="3249289" y="3085227"/>
             <a:ext cx="57150" cy="141605"/>
           </a:xfrm>
           <a:prstGeom prst="rect">
@@ -22826,7 +22923,7 @@
         </p:blipFill>
         <p:spPr>
           <a:xfrm>
-            <a:off x="2761137" y="3386203"/>
+            <a:off x="2761137" y="2809437"/>
             <a:ext cx="178290" cy="178290"/>
           </a:xfrm>
           <a:prstGeom prst="rect">
@@ -22845,7 +22942,7 @@
         </p:nvCxnSpPr>
         <p:spPr>
           <a:xfrm flipH="1">
-            <a:off x="3398464" y="3475263"/>
+            <a:off x="3398464" y="2898497"/>
             <a:ext cx="522197" cy="0"/>
           </a:xfrm>
           <a:prstGeom prst="straightConnector1">
@@ -22882,7 +22979,7 @@
         </p:nvSpPr>
         <p:spPr>
           <a:xfrm>
-            <a:off x="3920661" y="3328309"/>
+            <a:off x="3920661" y="2751543"/>
             <a:ext cx="832225" cy="293907"/>
           </a:xfrm>
           <a:prstGeom prst="rect">
@@ -22949,7 +23046,7 @@
         </p:blipFill>
         <p:spPr>
           <a:xfrm>
-            <a:off x="3582584" y="3371278"/>
+            <a:off x="3582584" y="2794512"/>
             <a:ext cx="212065" cy="212065"/>
           </a:xfrm>
           <a:prstGeom prst="rect">
@@ -22980,7 +23077,7 @@
         </p:blipFill>
         <p:spPr>
           <a:xfrm>
-            <a:off x="4609396" y="3656278"/>
+            <a:off x="4609396" y="3079512"/>
             <a:ext cx="57150" cy="141605"/>
           </a:xfrm>
           <a:prstGeom prst="rect">
@@ -23011,7 +23108,7 @@
         </p:blipFill>
         <p:spPr>
           <a:xfrm>
-            <a:off x="4514215" y="3661993"/>
+            <a:off x="4514215" y="3085227"/>
             <a:ext cx="74930" cy="139700"/>
           </a:xfrm>
           <a:prstGeom prst="rect">
@@ -23042,7 +23139,7 @@
         </p:blipFill>
         <p:spPr>
           <a:xfrm>
-            <a:off x="4686288" y="3661993"/>
+            <a:off x="4686288" y="3085227"/>
             <a:ext cx="74930" cy="139700"/>
           </a:xfrm>
           <a:prstGeom prst="rect">
@@ -23059,7 +23156,7 @@
         </p:nvSpPr>
         <p:spPr>
           <a:xfrm>
-            <a:off x="3015559" y="3284595"/>
+            <a:off x="3015559" y="2707829"/>
             <a:ext cx="446991" cy="338554"/>
           </a:xfrm>
           <a:prstGeom prst="rect">
@@ -23112,7 +23209,7 @@
         </p:nvSpPr>
         <p:spPr>
           <a:xfrm>
-            <a:off x="4397453" y="3318618"/>
+            <a:off x="4397453" y="2741852"/>
             <a:ext cx="479003" cy="307777"/>
           </a:xfrm>
           <a:prstGeom prst="rect">
@@ -23169,7 +23266,7 @@
         </p:blipFill>
         <p:spPr>
           <a:xfrm>
-            <a:off x="5865253" y="3656278"/>
+            <a:off x="5865253" y="3079512"/>
             <a:ext cx="57150" cy="141605"/>
           </a:xfrm>
           <a:prstGeom prst="rect">
@@ -23199,7 +23296,7 @@
         </p:blipFill>
         <p:spPr>
           <a:xfrm>
-            <a:off x="4104895" y="3399227"/>
+            <a:off x="4104895" y="2822461"/>
             <a:ext cx="181864" cy="181864"/>
           </a:xfrm>
           <a:prstGeom prst="rect">
@@ -23215,7 +23312,7 @@
         </p:nvSpPr>
         <p:spPr>
           <a:xfrm>
-            <a:off x="6256942" y="3365996"/>
+            <a:off x="6256942" y="2789230"/>
             <a:ext cx="1390124" cy="215444"/>
           </a:xfrm>
           <a:prstGeom prst="rect">
@@ -23264,7 +23361,7 @@
         </p:nvCxnSpPr>
         <p:spPr>
           <a:xfrm flipH="1" flipV="1">
-            <a:off x="4752886" y="3475263"/>
+            <a:off x="4752886" y="2898497"/>
             <a:ext cx="521465" cy="466"/>
           </a:xfrm>
           <a:prstGeom prst="straightConnector1">
@@ -23301,7 +23398,7 @@
         </p:nvSpPr>
         <p:spPr>
           <a:xfrm>
-            <a:off x="5274351" y="3328309"/>
+            <a:off x="5274351" y="2751543"/>
             <a:ext cx="832225" cy="294840"/>
           </a:xfrm>
           <a:prstGeom prst="rect">
@@ -23368,7 +23465,7 @@
         </p:blipFill>
         <p:spPr>
           <a:xfrm>
-            <a:off x="4936274" y="3365452"/>
+            <a:off x="4936274" y="2788686"/>
             <a:ext cx="212065" cy="212065"/>
           </a:xfrm>
           <a:prstGeom prst="rect">
@@ -23399,7 +23496,7 @@
         </p:blipFill>
         <p:spPr>
           <a:xfrm>
-            <a:off x="6049486" y="3656278"/>
+            <a:off x="6049486" y="3079512"/>
             <a:ext cx="57150" cy="141605"/>
           </a:xfrm>
           <a:prstGeom prst="rect">
@@ -23430,7 +23527,7 @@
         </p:blipFill>
         <p:spPr>
           <a:xfrm>
-            <a:off x="5948479" y="3656167"/>
+            <a:off x="5948479" y="3079401"/>
             <a:ext cx="74930" cy="139700"/>
           </a:xfrm>
           <a:prstGeom prst="rect">
@@ -23447,7 +23544,7 @@
         </p:nvSpPr>
         <p:spPr>
           <a:xfrm>
-            <a:off x="5759478" y="3288734"/>
+            <a:off x="5759478" y="2711968"/>
             <a:ext cx="463678" cy="338554"/>
           </a:xfrm>
           <a:prstGeom prst="rect">
@@ -23504,7 +23601,7 @@
         </p:blipFill>
         <p:spPr>
           <a:xfrm>
-            <a:off x="1277938" y="3377909"/>
+            <a:off x="1277938" y="2801143"/>
             <a:ext cx="104902" cy="195580"/>
           </a:xfrm>
           <a:prstGeom prst="rect">
@@ -23535,7 +23632,7 @@
         </p:blipFill>
         <p:spPr>
           <a:xfrm flipH="1">
-            <a:off x="2630670" y="3376004"/>
+            <a:off x="2630670" y="2799238"/>
             <a:ext cx="80010" cy="198247"/>
           </a:xfrm>
           <a:prstGeom prst="rect">
@@ -23566,7 +23663,7 @@
         </p:blipFill>
         <p:spPr>
           <a:xfrm>
-            <a:off x="3966665" y="3376004"/>
+            <a:off x="3966665" y="2799238"/>
             <a:ext cx="104902" cy="195580"/>
           </a:xfrm>
           <a:prstGeom prst="rect">
@@ -23583,7 +23680,7 @@
         </p:nvSpPr>
         <p:spPr>
           <a:xfrm>
-            <a:off x="717978" y="3221592"/>
+            <a:off x="717978" y="2644826"/>
             <a:ext cx="389850" cy="461665"/>
           </a:xfrm>
           <a:prstGeom prst="rect">
@@ -23637,7 +23734,7 @@
         </p:blipFill>
         <p:spPr>
           <a:xfrm>
-            <a:off x="5464722" y="3386584"/>
+            <a:off x="5464722" y="2809818"/>
             <a:ext cx="178290" cy="178290"/>
           </a:xfrm>
           <a:prstGeom prst="rect">
@@ -23667,7 +23764,7 @@
         </p:blipFill>
         <p:spPr>
           <a:xfrm flipH="1">
-            <a:off x="5334255" y="3376385"/>
+            <a:off x="5334255" y="2799619"/>
             <a:ext cx="80010" cy="198247"/>
           </a:xfrm>
           <a:prstGeom prst="rect">
@@ -23684,7 +23781,7 @@
         </p:nvSpPr>
         <p:spPr>
           <a:xfrm>
-            <a:off x="5292364" y="3344735"/>
+            <a:off x="5292364" y="2767969"/>
             <a:ext cx="163851" cy="175191"/>
           </a:xfrm>
           <a:prstGeom prst="noSmoking">
@@ -23739,8 +23836,8 @@
         </p:nvSpPr>
         <p:spPr>
           <a:xfrm>
-            <a:off x="6256942" y="665393"/>
-            <a:ext cx="1018227" cy="215444"/>
+            <a:off x="6260242" y="4138601"/>
+            <a:ext cx="1236236" cy="215444"/>
           </a:xfrm>
           <a:prstGeom prst="rect">
             <a:avLst/>
@@ -23759,7 +23856,7 @@
                   <a:srgbClr val="008000"/>
                 </a:solidFill>
               </a:rPr>
-              <a:t>valid block chain</a:t>
+              <a:t>VALID BLOCK CHAIN</a:t>
             </a:r>
             <a:endParaRPr lang="en-US" sz="800" b="1" dirty="0">
               <a:solidFill>
@@ -23777,7 +23874,7 @@
         </p:nvSpPr>
         <p:spPr>
           <a:xfrm>
-            <a:off x="1219545" y="3993397"/>
+            <a:off x="1219545" y="3416631"/>
             <a:ext cx="832225" cy="294077"/>
           </a:xfrm>
           <a:prstGeom prst="rect">
@@ -23830,7 +23927,7 @@
         </p:nvSpPr>
         <p:spPr>
           <a:xfrm>
-            <a:off x="1653295" y="3949683"/>
+            <a:off x="1653295" y="3372917"/>
             <a:ext cx="480040" cy="338554"/>
           </a:xfrm>
           <a:prstGeom prst="rect">
@@ -23886,7 +23983,7 @@
         </p:nvCxnSpPr>
         <p:spPr>
           <a:xfrm flipH="1">
-            <a:off x="2051770" y="4140351"/>
+            <a:off x="2051770" y="3563585"/>
             <a:ext cx="515393" cy="85"/>
           </a:xfrm>
           <a:prstGeom prst="straightConnector1">
@@ -23923,7 +24020,7 @@
         </p:nvSpPr>
         <p:spPr>
           <a:xfrm>
-            <a:off x="2567163" y="3993397"/>
+            <a:off x="2567163" y="3416631"/>
             <a:ext cx="832225" cy="293907"/>
           </a:xfrm>
           <a:prstGeom prst="rect">
@@ -23990,7 +24087,7 @@
         </p:blipFill>
         <p:spPr>
           <a:xfrm>
-            <a:off x="1431285" y="4064315"/>
+            <a:off x="1431285" y="3487549"/>
             <a:ext cx="178290" cy="178290"/>
           </a:xfrm>
           <a:prstGeom prst="rect">
@@ -24021,7 +24118,7 @@
         </p:blipFill>
         <p:spPr>
           <a:xfrm>
-            <a:off x="2229086" y="4030540"/>
+            <a:off x="2229086" y="3453774"/>
             <a:ext cx="212065" cy="212065"/>
           </a:xfrm>
           <a:prstGeom prst="rect">
@@ -24052,7 +24149,7 @@
         </p:blipFill>
         <p:spPr>
           <a:xfrm>
-            <a:off x="1946496" y="4328866"/>
+            <a:off x="1946496" y="3752100"/>
             <a:ext cx="74930" cy="139700"/>
           </a:xfrm>
           <a:prstGeom prst="rect">
@@ -24083,7 +24180,7 @@
         </p:blipFill>
         <p:spPr>
           <a:xfrm flipH="1">
-            <a:off x="1863919" y="4328866"/>
+            <a:off x="1863919" y="3752100"/>
             <a:ext cx="57150" cy="141605"/>
           </a:xfrm>
           <a:prstGeom prst="rect">
@@ -24114,7 +24211,7 @@
         </p:blipFill>
         <p:spPr>
           <a:xfrm>
-            <a:off x="3157046" y="4321366"/>
+            <a:off x="3157046" y="3744600"/>
             <a:ext cx="57150" cy="141605"/>
           </a:xfrm>
           <a:prstGeom prst="rect">
@@ -24145,7 +24242,7 @@
         </p:blipFill>
         <p:spPr>
           <a:xfrm>
-            <a:off x="3061865" y="4327081"/>
+            <a:off x="3061865" y="3750315"/>
             <a:ext cx="74930" cy="139700"/>
           </a:xfrm>
           <a:prstGeom prst="rect">
@@ -24176,7 +24273,7 @@
         </p:blipFill>
         <p:spPr>
           <a:xfrm>
-            <a:off x="3332790" y="4327081"/>
+            <a:off x="3332790" y="3750315"/>
             <a:ext cx="74930" cy="139700"/>
           </a:xfrm>
           <a:prstGeom prst="rect">
@@ -24207,7 +24304,7 @@
         </p:blipFill>
         <p:spPr>
           <a:xfrm flipH="1">
-            <a:off x="3250213" y="4327081"/>
+            <a:off x="3250213" y="3750315"/>
             <a:ext cx="57150" cy="141605"/>
           </a:xfrm>
           <a:prstGeom prst="rect">
@@ -24238,7 +24335,7 @@
         </p:blipFill>
         <p:spPr>
           <a:xfrm>
-            <a:off x="2762061" y="4051291"/>
+            <a:off x="2762061" y="3474525"/>
             <a:ext cx="178290" cy="178290"/>
           </a:xfrm>
           <a:prstGeom prst="rect">
@@ -24257,7 +24354,7 @@
         </p:nvCxnSpPr>
         <p:spPr>
           <a:xfrm flipH="1">
-            <a:off x="3399388" y="4140351"/>
+            <a:off x="3399388" y="3563585"/>
             <a:ext cx="522197" cy="0"/>
           </a:xfrm>
           <a:prstGeom prst="straightConnector1">
@@ -24294,7 +24391,7 @@
         </p:nvSpPr>
         <p:spPr>
           <a:xfrm>
-            <a:off x="3921585" y="3993397"/>
+            <a:off x="3921585" y="3416631"/>
             <a:ext cx="832225" cy="293907"/>
           </a:xfrm>
           <a:prstGeom prst="rect">
@@ -24361,7 +24458,7 @@
         </p:blipFill>
         <p:spPr>
           <a:xfrm>
-            <a:off x="3583508" y="4036366"/>
+            <a:off x="3583508" y="3459600"/>
             <a:ext cx="212065" cy="212065"/>
           </a:xfrm>
           <a:prstGeom prst="rect">
@@ -24392,7 +24489,7 @@
         </p:blipFill>
         <p:spPr>
           <a:xfrm>
-            <a:off x="4610320" y="4321366"/>
+            <a:off x="4610320" y="3744600"/>
             <a:ext cx="57150" cy="141605"/>
           </a:xfrm>
           <a:prstGeom prst="rect">
@@ -24423,7 +24520,7 @@
         </p:blipFill>
         <p:spPr>
           <a:xfrm>
-            <a:off x="4515139" y="4321255"/>
+            <a:off x="4515139" y="3744489"/>
             <a:ext cx="74930" cy="139700"/>
           </a:xfrm>
           <a:prstGeom prst="rect">
@@ -24454,7 +24551,7 @@
         </p:blipFill>
         <p:spPr>
           <a:xfrm>
-            <a:off x="4687212" y="4327081"/>
+            <a:off x="4687212" y="3750315"/>
             <a:ext cx="74930" cy="139700"/>
           </a:xfrm>
           <a:prstGeom prst="rect">
@@ -24471,7 +24568,7 @@
         </p:nvSpPr>
         <p:spPr>
           <a:xfrm>
-            <a:off x="3016483" y="3949683"/>
+            <a:off x="3016483" y="3372917"/>
             <a:ext cx="446991" cy="338554"/>
           </a:xfrm>
           <a:prstGeom prst="rect">
@@ -24524,7 +24621,7 @@
         </p:nvSpPr>
         <p:spPr>
           <a:xfrm>
-            <a:off x="4363421" y="3983706"/>
+            <a:off x="4363421" y="3406940"/>
             <a:ext cx="479003" cy="307777"/>
           </a:xfrm>
           <a:prstGeom prst="rect">
@@ -24591,7 +24688,7 @@
         </p:blipFill>
         <p:spPr>
           <a:xfrm>
-            <a:off x="4105819" y="4064315"/>
+            <a:off x="4105819" y="3487549"/>
             <a:ext cx="181864" cy="181864"/>
           </a:xfrm>
           <a:prstGeom prst="rect">
@@ -24607,7 +24704,7 @@
         </p:nvSpPr>
         <p:spPr>
           <a:xfrm>
-            <a:off x="6257866" y="4031084"/>
+            <a:off x="6257866" y="3454318"/>
             <a:ext cx="1867769" cy="215444"/>
           </a:xfrm>
           <a:prstGeom prst="rect">
@@ -24648,7 +24745,7 @@
         </p:nvCxnSpPr>
         <p:spPr>
           <a:xfrm flipH="1" flipV="1">
-            <a:off x="4753810" y="4140351"/>
+            <a:off x="4753810" y="3563585"/>
             <a:ext cx="521465" cy="466"/>
           </a:xfrm>
           <a:prstGeom prst="straightConnector1">
@@ -24685,7 +24782,7 @@
         </p:nvSpPr>
         <p:spPr>
           <a:xfrm>
-            <a:off x="5275275" y="3993397"/>
+            <a:off x="5275275" y="3416631"/>
             <a:ext cx="832225" cy="294840"/>
           </a:xfrm>
           <a:prstGeom prst="rect">
@@ -24752,7 +24849,7 @@
         </p:blipFill>
         <p:spPr>
           <a:xfrm>
-            <a:off x="4937198" y="4030540"/>
+            <a:off x="4937198" y="3453774"/>
             <a:ext cx="212065" cy="212065"/>
           </a:xfrm>
           <a:prstGeom prst="rect">
@@ -24769,7 +24866,7 @@
         </p:nvSpPr>
         <p:spPr>
           <a:xfrm>
-            <a:off x="5754576" y="3953822"/>
+            <a:off x="5754576" y="3377056"/>
             <a:ext cx="463678" cy="338554"/>
           </a:xfrm>
           <a:prstGeom prst="rect">
@@ -24826,7 +24923,7 @@
         </p:blipFill>
         <p:spPr>
           <a:xfrm>
-            <a:off x="1278862" y="4042997"/>
+            <a:off x="1278862" y="3466231"/>
             <a:ext cx="104902" cy="195580"/>
           </a:xfrm>
           <a:prstGeom prst="rect">
@@ -24857,7 +24954,7 @@
         </p:blipFill>
         <p:spPr>
           <a:xfrm flipH="1">
-            <a:off x="2631594" y="4041092"/>
+            <a:off x="2631594" y="3464326"/>
             <a:ext cx="80010" cy="198247"/>
           </a:xfrm>
           <a:prstGeom prst="rect">
@@ -24888,7 +24985,7 @@
         </p:blipFill>
         <p:spPr>
           <a:xfrm>
-            <a:off x="3967589" y="4041092"/>
+            <a:off x="3967589" y="3464326"/>
             <a:ext cx="104902" cy="195580"/>
           </a:xfrm>
           <a:prstGeom prst="rect">
@@ -24905,7 +25002,7 @@
         </p:nvSpPr>
         <p:spPr>
           <a:xfrm>
-            <a:off x="718902" y="3886680"/>
+            <a:off x="718902" y="3309914"/>
             <a:ext cx="389850" cy="461665"/>
           </a:xfrm>
           <a:prstGeom prst="rect">
@@ -24959,7 +25056,7 @@
         </p:blipFill>
         <p:spPr>
           <a:xfrm>
-            <a:off x="5465646" y="4051672"/>
+            <a:off x="5465646" y="3474906"/>
             <a:ext cx="178290" cy="178290"/>
           </a:xfrm>
           <a:prstGeom prst="rect">
@@ -24989,7 +25086,7 @@
         </p:blipFill>
         <p:spPr>
           <a:xfrm>
-            <a:off x="5334834" y="4032706"/>
+            <a:off x="5334834" y="3455940"/>
             <a:ext cx="80010" cy="198247"/>
           </a:xfrm>
           <a:prstGeom prst="rect">
@@ -25005,7 +25102,7 @@
         </p:nvSpPr>
         <p:spPr>
           <a:xfrm>
-            <a:off x="5293288" y="4009823"/>
+            <a:off x="5293288" y="3433057"/>
             <a:ext cx="163851" cy="175191"/>
           </a:xfrm>
           <a:prstGeom prst="noSmoking">
@@ -25074,7 +25171,7 @@
         </p:blipFill>
         <p:spPr>
           <a:xfrm>
-            <a:off x="4432015" y="4321255"/>
+            <a:off x="4432015" y="3744489"/>
             <a:ext cx="57150" cy="141605"/>
           </a:xfrm>
           <a:prstGeom prst="rect">
@@ -25104,7 +25201,7 @@
         </p:blipFill>
         <p:spPr>
           <a:xfrm>
-            <a:off x="5955678" y="4321477"/>
+            <a:off x="5955678" y="3744711"/>
             <a:ext cx="57150" cy="141605"/>
           </a:xfrm>
           <a:prstGeom prst="rect">
@@ -25135,7 +25232,7 @@
         </p:blipFill>
         <p:spPr>
           <a:xfrm>
-            <a:off x="5860497" y="4321366"/>
+            <a:off x="5860497" y="3744600"/>
             <a:ext cx="74930" cy="139700"/>
           </a:xfrm>
           <a:prstGeom prst="rect">
@@ -25166,7 +25263,7 @@
         </p:blipFill>
         <p:spPr>
           <a:xfrm>
-            <a:off x="6032570" y="4327192"/>
+            <a:off x="6032570" y="3750426"/>
             <a:ext cx="74930" cy="139700"/>
           </a:xfrm>
           <a:prstGeom prst="rect">
@@ -25197,7 +25294,7 @@
         </p:blipFill>
         <p:spPr>
           <a:xfrm>
-            <a:off x="5777373" y="4321366"/>
+            <a:off x="5777373" y="3744600"/>
             <a:ext cx="57150" cy="141605"/>
           </a:xfrm>
           <a:prstGeom prst="rect">
@@ -25227,7 +25324,7 @@
         </p:blipFill>
         <p:spPr>
           <a:xfrm flipH="1">
-            <a:off x="5695023" y="4325176"/>
+            <a:off x="5695023" y="3748410"/>
             <a:ext cx="57150" cy="141605"/>
           </a:xfrm>
           <a:prstGeom prst="rect">
@@ -25244,7 +25341,7 @@
         </p:nvSpPr>
         <p:spPr>
           <a:xfrm>
-            <a:off x="1118103" y="482649"/>
+            <a:off x="1121403" y="3955857"/>
             <a:ext cx="1076399" cy="184666"/>
           </a:xfrm>
           <a:prstGeom prst="rect">
@@ -25272,7 +25369,7 @@
         </p:nvSpPr>
         <p:spPr>
           <a:xfrm>
-            <a:off x="1113201" y="1147737"/>
+            <a:off x="1113201" y="570971"/>
             <a:ext cx="1076399" cy="184666"/>
           </a:xfrm>
           <a:prstGeom prst="rect">
@@ -25300,7 +25397,7 @@
         </p:nvSpPr>
         <p:spPr>
           <a:xfrm>
-            <a:off x="1112829" y="1813101"/>
+            <a:off x="1112829" y="1236335"/>
             <a:ext cx="1076399" cy="184666"/>
           </a:xfrm>
           <a:prstGeom prst="rect">
@@ -25328,7 +25425,7 @@
         </p:nvSpPr>
         <p:spPr>
           <a:xfrm>
-            <a:off x="1115883" y="2493230"/>
+            <a:off x="1115883" y="1916464"/>
             <a:ext cx="1076399" cy="184666"/>
           </a:xfrm>
           <a:prstGeom prst="rect">
@@ -25356,7 +25453,7 @@
         </p:nvSpPr>
         <p:spPr>
           <a:xfrm>
-            <a:off x="1122875" y="3169134"/>
+            <a:off x="1122875" y="2592368"/>
             <a:ext cx="1076399" cy="184666"/>
           </a:xfrm>
           <a:prstGeom prst="rect">
@@ -25384,7 +25481,7 @@
         </p:nvSpPr>
         <p:spPr>
           <a:xfrm>
-            <a:off x="1118899" y="3831014"/>
+            <a:off x="1118899" y="3254248"/>
             <a:ext cx="1076399" cy="184666"/>
           </a:xfrm>
           <a:prstGeom prst="rect">
@@ -25460,7 +25557,7 @@
                                           </p:stCondLst>
                                         </p:cTn>
                                         <p:tgtEl>
-                                          <p:spTgt spid="121"/>
+                                          <p:spTgt spid="196"/>
                                         </p:tgtEl>
                                         <p:attrNameLst>
                                           <p:attrName>style.visibility</p:attrName>
@@ -25474,7 +25571,7 @@
                                       <p:cBhvr>
                                         <p:cTn id="7" dur="500"/>
                                         <p:tgtEl>
-                                          <p:spTgt spid="121"/>
+                                          <p:spTgt spid="196"/>
                                         </p:tgtEl>
                                       </p:cBhvr>
                                     </p:animEffect>
@@ -25495,7 +25592,7 @@
                                           </p:stCondLst>
                                         </p:cTn>
                                         <p:tgtEl>
-                                          <p:spTgt spid="126"/>
+                                          <p:spTgt spid="197"/>
                                         </p:tgtEl>
                                         <p:attrNameLst>
                                           <p:attrName>style.visibility</p:attrName>
@@ -25509,7 +25606,7 @@
                                       <p:cBhvr>
                                         <p:cTn id="10" dur="500"/>
                                         <p:tgtEl>
-                                          <p:spTgt spid="126"/>
+                                          <p:spTgt spid="197"/>
                                         </p:tgtEl>
                                       </p:cBhvr>
                                     </p:animEffect>
@@ -25530,7 +25627,7 @@
                                           </p:stCondLst>
                                         </p:cTn>
                                         <p:tgtEl>
-                                          <p:spTgt spid="127"/>
+                                          <p:spTgt spid="198"/>
                                         </p:tgtEl>
                                         <p:attrNameLst>
                                           <p:attrName>style.visibility</p:attrName>
@@ -25544,7 +25641,7 @@
                                       <p:cBhvr>
                                         <p:cTn id="13" dur="500"/>
                                         <p:tgtEl>
-                                          <p:spTgt spid="127"/>
+                                          <p:spTgt spid="198"/>
                                         </p:tgtEl>
                                       </p:cBhvr>
                                     </p:animEffect>
@@ -25565,7 +25662,7 @@
                                           </p:stCondLst>
                                         </p:cTn>
                                         <p:tgtEl>
-                                          <p:spTgt spid="138"/>
+                                          <p:spTgt spid="199"/>
                                         </p:tgtEl>
                                         <p:attrNameLst>
                                           <p:attrName>style.visibility</p:attrName>
@@ -25579,7 +25676,7 @@
                                       <p:cBhvr>
                                         <p:cTn id="16" dur="500"/>
                                         <p:tgtEl>
-                                          <p:spTgt spid="138"/>
+                                          <p:spTgt spid="199"/>
                                         </p:tgtEl>
                                       </p:cBhvr>
                                     </p:animEffect>
@@ -25600,7 +25697,7 @@
                                           </p:stCondLst>
                                         </p:cTn>
                                         <p:tgtEl>
-                                          <p:spTgt spid="148"/>
+                                          <p:spTgt spid="200"/>
                                         </p:tgtEl>
                                         <p:attrNameLst>
                                           <p:attrName>style.visibility</p:attrName>
@@ -25614,7 +25711,7 @@
                                       <p:cBhvr>
                                         <p:cTn id="19" dur="500"/>
                                         <p:tgtEl>
-                                          <p:spTgt spid="148"/>
+                                          <p:spTgt spid="200"/>
                                         </p:tgtEl>
                                       </p:cBhvr>
                                     </p:animEffect>
@@ -25635,7 +25732,7 @@
                                           </p:stCondLst>
                                         </p:cTn>
                                         <p:tgtEl>
-                                          <p:spTgt spid="149"/>
+                                          <p:spTgt spid="201"/>
                                         </p:tgtEl>
                                         <p:attrNameLst>
                                           <p:attrName>style.visibility</p:attrName>
@@ -25649,7 +25746,7 @@
                                       <p:cBhvr>
                                         <p:cTn id="22" dur="500"/>
                                         <p:tgtEl>
-                                          <p:spTgt spid="149"/>
+                                          <p:spTgt spid="201"/>
                                         </p:tgtEl>
                                       </p:cBhvr>
                                     </p:animEffect>
@@ -25670,7 +25767,7 @@
                                           </p:stCondLst>
                                         </p:cTn>
                                         <p:tgtEl>
-                                          <p:spTgt spid="151"/>
+                                          <p:spTgt spid="202"/>
                                         </p:tgtEl>
                                         <p:attrNameLst>
                                           <p:attrName>style.visibility</p:attrName>
@@ -25684,7 +25781,7 @@
                                       <p:cBhvr>
                                         <p:cTn id="25" dur="500"/>
                                         <p:tgtEl>
-                                          <p:spTgt spid="151"/>
+                                          <p:spTgt spid="202"/>
                                         </p:tgtEl>
                                       </p:cBhvr>
                                     </p:animEffect>
@@ -25705,7 +25802,7 @@
                                           </p:stCondLst>
                                         </p:cTn>
                                         <p:tgtEl>
-                                          <p:spTgt spid="155"/>
+                                          <p:spTgt spid="212"/>
                                         </p:tgtEl>
                                         <p:attrNameLst>
                                           <p:attrName>style.visibility</p:attrName>
@@ -25719,7 +25816,7 @@
                                       <p:cBhvr>
                                         <p:cTn id="28" dur="500"/>
                                         <p:tgtEl>
-                                          <p:spTgt spid="155"/>
+                                          <p:spTgt spid="212"/>
                                         </p:tgtEl>
                                       </p:cBhvr>
                                     </p:animEffect>
@@ -25740,7 +25837,7 @@
                                           </p:stCondLst>
                                         </p:cTn>
                                         <p:tgtEl>
-                                          <p:spTgt spid="156"/>
+                                          <p:spTgt spid="213"/>
                                         </p:tgtEl>
                                         <p:attrNameLst>
                                           <p:attrName>style.visibility</p:attrName>
@@ -25754,7 +25851,7 @@
                                       <p:cBhvr>
                                         <p:cTn id="31" dur="500"/>
                                         <p:tgtEl>
-                                          <p:spTgt spid="156"/>
+                                          <p:spTgt spid="213"/>
                                         </p:tgtEl>
                                       </p:cBhvr>
                                     </p:animEffect>
@@ -25775,7 +25872,7 @@
                                           </p:stCondLst>
                                         </p:cTn>
                                         <p:tgtEl>
-                                          <p:spTgt spid="157"/>
+                                          <p:spTgt spid="215"/>
                                         </p:tgtEl>
                                         <p:attrNameLst>
                                           <p:attrName>style.visibility</p:attrName>
@@ -25789,7 +25886,7 @@
                                       <p:cBhvr>
                                         <p:cTn id="34" dur="500"/>
                                         <p:tgtEl>
-                                          <p:spTgt spid="157"/>
+                                          <p:spTgt spid="215"/>
                                         </p:tgtEl>
                                       </p:cBhvr>
                                     </p:animEffect>
@@ -25810,7 +25907,7 @@
                                           </p:stCondLst>
                                         </p:cTn>
                                         <p:tgtEl>
-                                          <p:spTgt spid="158"/>
+                                          <p:spTgt spid="216"/>
                                         </p:tgtEl>
                                         <p:attrNameLst>
                                           <p:attrName>style.visibility</p:attrName>
@@ -25824,7 +25921,7 @@
                                       <p:cBhvr>
                                         <p:cTn id="37" dur="500"/>
                                         <p:tgtEl>
-                                          <p:spTgt spid="158"/>
+                                          <p:spTgt spid="216"/>
                                         </p:tgtEl>
                                       </p:cBhvr>
                                     </p:animEffect>
@@ -25845,7 +25942,7 @@
                                           </p:stCondLst>
                                         </p:cTn>
                                         <p:tgtEl>
-                                          <p:spTgt spid="159"/>
+                                          <p:spTgt spid="219"/>
                                         </p:tgtEl>
                                         <p:attrNameLst>
                                           <p:attrName>style.visibility</p:attrName>
@@ -25859,7 +25956,7 @@
                                       <p:cBhvr>
                                         <p:cTn id="40" dur="500"/>
                                         <p:tgtEl>
-                                          <p:spTgt spid="159"/>
+                                          <p:spTgt spid="219"/>
                                         </p:tgtEl>
                                       </p:cBhvr>
                                     </p:animEffect>
@@ -25880,7 +25977,7 @@
                                           </p:stCondLst>
                                         </p:cTn>
                                         <p:tgtEl>
-                                          <p:spTgt spid="160"/>
+                                          <p:spTgt spid="220"/>
                                         </p:tgtEl>
                                         <p:attrNameLst>
                                           <p:attrName>style.visibility</p:attrName>
@@ -25894,7 +25991,7 @@
                                       <p:cBhvr>
                                         <p:cTn id="43" dur="500"/>
                                         <p:tgtEl>
-                                          <p:spTgt spid="160"/>
+                                          <p:spTgt spid="220"/>
                                         </p:tgtEl>
                                       </p:cBhvr>
                                     </p:animEffect>
@@ -25915,7 +26012,7 @@
                                           </p:stCondLst>
                                         </p:cTn>
                                         <p:tgtEl>
-                                          <p:spTgt spid="163"/>
+                                          <p:spTgt spid="221"/>
                                         </p:tgtEl>
                                         <p:attrNameLst>
                                           <p:attrName>style.visibility</p:attrName>
@@ -25929,7 +26026,7 @@
                                       <p:cBhvr>
                                         <p:cTn id="46" dur="500"/>
                                         <p:tgtEl>
-                                          <p:spTgt spid="163"/>
+                                          <p:spTgt spid="221"/>
                                         </p:tgtEl>
                                       </p:cBhvr>
                                     </p:animEffect>
@@ -25950,7 +26047,7 @@
                                           </p:stCondLst>
                                         </p:cTn>
                                         <p:tgtEl>
-                                          <p:spTgt spid="164"/>
+                                          <p:spTgt spid="222"/>
                                         </p:tgtEl>
                                         <p:attrNameLst>
                                           <p:attrName>style.visibility</p:attrName>
@@ -25964,7 +26061,7 @@
                                       <p:cBhvr>
                                         <p:cTn id="49" dur="500"/>
                                         <p:tgtEl>
-                                          <p:spTgt spid="164"/>
+                                          <p:spTgt spid="222"/>
                                         </p:tgtEl>
                                       </p:cBhvr>
                                     </p:animEffect>
@@ -25985,7 +26082,7 @@
                                           </p:stCondLst>
                                         </p:cTn>
                                         <p:tgtEl>
-                                          <p:spTgt spid="165"/>
+                                          <p:spTgt spid="223"/>
                                         </p:tgtEl>
                                         <p:attrNameLst>
                                           <p:attrName>style.visibility</p:attrName>
@@ -25999,7 +26096,7 @@
                                       <p:cBhvr>
                                         <p:cTn id="52" dur="500"/>
                                         <p:tgtEl>
-                                          <p:spTgt spid="165"/>
+                                          <p:spTgt spid="223"/>
                                         </p:tgtEl>
                                       </p:cBhvr>
                                     </p:animEffect>
@@ -26020,7 +26117,7 @@
                                           </p:stCondLst>
                                         </p:cTn>
                                         <p:tgtEl>
-                                          <p:spTgt spid="166"/>
+                                          <p:spTgt spid="224"/>
                                         </p:tgtEl>
                                         <p:attrNameLst>
                                           <p:attrName>style.visibility</p:attrName>
@@ -26034,7 +26131,7 @@
                                       <p:cBhvr>
                                         <p:cTn id="55" dur="500"/>
                                         <p:tgtEl>
-                                          <p:spTgt spid="166"/>
+                                          <p:spTgt spid="224"/>
                                         </p:tgtEl>
                                       </p:cBhvr>
                                     </p:animEffect>
@@ -26055,7 +26152,7 @@
                                           </p:stCondLst>
                                         </p:cTn>
                                         <p:tgtEl>
-                                          <p:spTgt spid="167"/>
+                                          <p:spTgt spid="225"/>
                                         </p:tgtEl>
                                         <p:attrNameLst>
                                           <p:attrName>style.visibility</p:attrName>
@@ -26069,7 +26166,7 @@
                                       <p:cBhvr>
                                         <p:cTn id="58" dur="500"/>
                                         <p:tgtEl>
-                                          <p:spTgt spid="167"/>
+                                          <p:spTgt spid="225"/>
                                         </p:tgtEl>
                                       </p:cBhvr>
                                     </p:animEffect>
@@ -26090,7 +26187,7 @@
                                           </p:stCondLst>
                                         </p:cTn>
                                         <p:tgtEl>
-                                          <p:spTgt spid="168"/>
+                                          <p:spTgt spid="226"/>
                                         </p:tgtEl>
                                         <p:attrNameLst>
                                           <p:attrName>style.visibility</p:attrName>
@@ -26104,7 +26201,7 @@
                                       <p:cBhvr>
                                         <p:cTn id="61" dur="500"/>
                                         <p:tgtEl>
-                                          <p:spTgt spid="168"/>
+                                          <p:spTgt spid="226"/>
                                         </p:tgtEl>
                                       </p:cBhvr>
                                     </p:animEffect>
@@ -26125,7 +26222,7 @@
                                           </p:stCondLst>
                                         </p:cTn>
                                         <p:tgtEl>
-                                          <p:spTgt spid="169"/>
+                                          <p:spTgt spid="227"/>
                                         </p:tgtEl>
                                         <p:attrNameLst>
                                           <p:attrName>style.visibility</p:attrName>
@@ -26139,7 +26236,7 @@
                                       <p:cBhvr>
                                         <p:cTn id="64" dur="500"/>
                                         <p:tgtEl>
-                                          <p:spTgt spid="169"/>
+                                          <p:spTgt spid="227"/>
                                         </p:tgtEl>
                                       </p:cBhvr>
                                     </p:animEffect>
@@ -26160,7 +26257,7 @@
                                           </p:stCondLst>
                                         </p:cTn>
                                         <p:tgtEl>
-                                          <p:spTgt spid="171"/>
+                                          <p:spTgt spid="241"/>
                                         </p:tgtEl>
                                         <p:attrNameLst>
                                           <p:attrName>style.visibility</p:attrName>
@@ -26174,7 +26271,7 @@
                                       <p:cBhvr>
                                         <p:cTn id="67" dur="500"/>
                                         <p:tgtEl>
-                                          <p:spTgt spid="171"/>
+                                          <p:spTgt spid="241"/>
                                         </p:tgtEl>
                                       </p:cBhvr>
                                     </p:animEffect>
@@ -26195,7 +26292,7 @@
                                           </p:stCondLst>
                                         </p:cTn>
                                         <p:tgtEl>
-                                          <p:spTgt spid="172"/>
+                                          <p:spTgt spid="255"/>
                                         </p:tgtEl>
                                         <p:attrNameLst>
                                           <p:attrName>style.visibility</p:attrName>
@@ -26209,7 +26306,7 @@
                                       <p:cBhvr>
                                         <p:cTn id="70" dur="500"/>
                                         <p:tgtEl>
-                                          <p:spTgt spid="172"/>
+                                          <p:spTgt spid="255"/>
                                         </p:tgtEl>
                                       </p:cBhvr>
                                     </p:animEffect>
@@ -26230,7 +26327,7 @@
                                           </p:stCondLst>
                                         </p:cTn>
                                         <p:tgtEl>
-                                          <p:spTgt spid="180"/>
+                                          <p:spTgt spid="262"/>
                                         </p:tgtEl>
                                         <p:attrNameLst>
                                           <p:attrName>style.visibility</p:attrName>
@@ -26244,7 +26341,7 @@
                                       <p:cBhvr>
                                         <p:cTn id="73" dur="500"/>
                                         <p:tgtEl>
-                                          <p:spTgt spid="180"/>
+                                          <p:spTgt spid="262"/>
                                         </p:tgtEl>
                                       </p:cBhvr>
                                     </p:animEffect>
@@ -26265,7 +26362,7 @@
                                           </p:stCondLst>
                                         </p:cTn>
                                         <p:tgtEl>
-                                          <p:spTgt spid="182"/>
+                                          <p:spTgt spid="270"/>
                                         </p:tgtEl>
                                         <p:attrNameLst>
                                           <p:attrName>style.visibility</p:attrName>
@@ -26279,7 +26376,7 @@
                                       <p:cBhvr>
                                         <p:cTn id="76" dur="500"/>
                                         <p:tgtEl>
-                                          <p:spTgt spid="182"/>
+                                          <p:spTgt spid="270"/>
                                         </p:tgtEl>
                                       </p:cBhvr>
                                     </p:animEffect>
@@ -26300,7 +26397,7 @@
                                           </p:stCondLst>
                                         </p:cTn>
                                         <p:tgtEl>
-                                          <p:spTgt spid="183"/>
+                                          <p:spTgt spid="271"/>
                                         </p:tgtEl>
                                         <p:attrNameLst>
                                           <p:attrName>style.visibility</p:attrName>
@@ -26314,7 +26411,7 @@
                                       <p:cBhvr>
                                         <p:cTn id="79" dur="500"/>
                                         <p:tgtEl>
-                                          <p:spTgt spid="183"/>
+                                          <p:spTgt spid="271"/>
                                         </p:tgtEl>
                                       </p:cBhvr>
                                     </p:animEffect>
@@ -26335,7 +26432,7 @@
                                           </p:stCondLst>
                                         </p:cTn>
                                         <p:tgtEl>
-                                          <p:spTgt spid="184"/>
+                                          <p:spTgt spid="272"/>
                                         </p:tgtEl>
                                         <p:attrNameLst>
                                           <p:attrName>style.visibility</p:attrName>
@@ -26349,7 +26446,7 @@
                                       <p:cBhvr>
                                         <p:cTn id="82" dur="500"/>
                                         <p:tgtEl>
-                                          <p:spTgt spid="184"/>
+                                          <p:spTgt spid="272"/>
                                         </p:tgtEl>
                                       </p:cBhvr>
                                     </p:animEffect>
@@ -26370,7 +26467,7 @@
                                           </p:stCondLst>
                                         </p:cTn>
                                         <p:tgtEl>
-                                          <p:spTgt spid="185"/>
+                                          <p:spTgt spid="277"/>
                                         </p:tgtEl>
                                         <p:attrNameLst>
                                           <p:attrName>style.visibility</p:attrName>
@@ -26384,7 +26481,7 @@
                                       <p:cBhvr>
                                         <p:cTn id="85" dur="500"/>
                                         <p:tgtEl>
-                                          <p:spTgt spid="185"/>
+                                          <p:spTgt spid="277"/>
                                         </p:tgtEl>
                                       </p:cBhvr>
                                     </p:animEffect>
@@ -26405,7 +26502,7 @@
                                           </p:stCondLst>
                                         </p:cTn>
                                         <p:tgtEl>
-                                          <p:spTgt spid="186"/>
+                                          <p:spTgt spid="278"/>
                                         </p:tgtEl>
                                         <p:attrNameLst>
                                           <p:attrName>style.visibility</p:attrName>
@@ -26419,7 +26516,7 @@
                                       <p:cBhvr>
                                         <p:cTn id="88" dur="500"/>
                                         <p:tgtEl>
-                                          <p:spTgt spid="186"/>
+                                          <p:spTgt spid="278"/>
                                         </p:tgtEl>
                                       </p:cBhvr>
                                     </p:animEffect>
@@ -26440,7 +26537,7 @@
                                           </p:stCondLst>
                                         </p:cTn>
                                         <p:tgtEl>
-                                          <p:spTgt spid="187"/>
+                                          <p:spTgt spid="279"/>
                                         </p:tgtEl>
                                         <p:attrNameLst>
                                           <p:attrName>style.visibility</p:attrName>
@@ -26454,7 +26551,7 @@
                                       <p:cBhvr>
                                         <p:cTn id="91" dur="500"/>
                                         <p:tgtEl>
-                                          <p:spTgt spid="187"/>
+                                          <p:spTgt spid="279"/>
                                         </p:tgtEl>
                                       </p:cBhvr>
                                     </p:animEffect>
@@ -26475,7 +26572,7 @@
                                           </p:stCondLst>
                                         </p:cTn>
                                         <p:tgtEl>
-                                          <p:spTgt spid="188"/>
+                                          <p:spTgt spid="280"/>
                                         </p:tgtEl>
                                         <p:attrNameLst>
                                           <p:attrName>style.visibility</p:attrName>
@@ -26489,7 +26586,7 @@
                                       <p:cBhvr>
                                         <p:cTn id="94" dur="500"/>
                                         <p:tgtEl>
-                                          <p:spTgt spid="188"/>
+                                          <p:spTgt spid="280"/>
                                         </p:tgtEl>
                                       </p:cBhvr>
                                     </p:animEffect>
@@ -26510,7 +26607,7 @@
                                           </p:stCondLst>
                                         </p:cTn>
                                         <p:tgtEl>
-                                          <p:spTgt spid="189"/>
+                                          <p:spTgt spid="281"/>
                                         </p:tgtEl>
                                         <p:attrNameLst>
                                           <p:attrName>style.visibility</p:attrName>
@@ -26524,7 +26621,7 @@
                                       <p:cBhvr>
                                         <p:cTn id="97" dur="500"/>
                                         <p:tgtEl>
-                                          <p:spTgt spid="189"/>
+                                          <p:spTgt spid="281"/>
                                         </p:tgtEl>
                                       </p:cBhvr>
                                     </p:animEffect>
@@ -26545,7 +26642,7 @@
                                           </p:stCondLst>
                                         </p:cTn>
                                         <p:tgtEl>
-                                          <p:spTgt spid="190"/>
+                                          <p:spTgt spid="282"/>
                                         </p:tgtEl>
                                         <p:attrNameLst>
                                           <p:attrName>style.visibility</p:attrName>
@@ -26559,7 +26656,7 @@
                                       <p:cBhvr>
                                         <p:cTn id="100" dur="500"/>
                                         <p:tgtEl>
-                                          <p:spTgt spid="190"/>
+                                          <p:spTgt spid="282"/>
                                         </p:tgtEl>
                                       </p:cBhvr>
                                     </p:animEffect>
@@ -26580,7 +26677,7 @@
                                           </p:stCondLst>
                                         </p:cTn>
                                         <p:tgtEl>
-                                          <p:spTgt spid="191"/>
+                                          <p:spTgt spid="283"/>
                                         </p:tgtEl>
                                         <p:attrNameLst>
                                           <p:attrName>style.visibility</p:attrName>
@@ -26594,7 +26691,7 @@
                                       <p:cBhvr>
                                         <p:cTn id="103" dur="500"/>
                                         <p:tgtEl>
-                                          <p:spTgt spid="191"/>
+                                          <p:spTgt spid="283"/>
                                         </p:tgtEl>
                                       </p:cBhvr>
                                     </p:animEffect>
@@ -26615,7 +26712,7 @@
                                           </p:stCondLst>
                                         </p:cTn>
                                         <p:tgtEl>
-                                          <p:spTgt spid="192"/>
+                                          <p:spTgt spid="284"/>
                                         </p:tgtEl>
                                         <p:attrNameLst>
                                           <p:attrName>style.visibility</p:attrName>
@@ -26629,7 +26726,7 @@
                                       <p:cBhvr>
                                         <p:cTn id="106" dur="500"/>
                                         <p:tgtEl>
-                                          <p:spTgt spid="192"/>
+                                          <p:spTgt spid="284"/>
                                         </p:tgtEl>
                                       </p:cBhvr>
                                     </p:animEffect>
@@ -26650,7 +26747,7 @@
                                           </p:stCondLst>
                                         </p:cTn>
                                         <p:tgtEl>
-                                          <p:spTgt spid="193"/>
+                                          <p:spTgt spid="285"/>
                                         </p:tgtEl>
                                         <p:attrNameLst>
                                           <p:attrName>style.visibility</p:attrName>
@@ -26664,7 +26761,7 @@
                                       <p:cBhvr>
                                         <p:cTn id="109" dur="500"/>
                                         <p:tgtEl>
-                                          <p:spTgt spid="193"/>
+                                          <p:spTgt spid="285"/>
                                         </p:tgtEl>
                                       </p:cBhvr>
                                     </p:animEffect>
@@ -26685,7 +26782,7 @@
                                           </p:stCondLst>
                                         </p:cTn>
                                         <p:tgtEl>
-                                          <p:spTgt spid="195"/>
+                                          <p:spTgt spid="287"/>
                                         </p:tgtEl>
                                         <p:attrNameLst>
                                           <p:attrName>style.visibility</p:attrName>
@@ -26699,7 +26796,7 @@
                                       <p:cBhvr>
                                         <p:cTn id="112" dur="500"/>
                                         <p:tgtEl>
-                                          <p:spTgt spid="195"/>
+                                          <p:spTgt spid="287"/>
                                         </p:tgtEl>
                                       </p:cBhvr>
                                     </p:animEffect>
@@ -26720,7 +26817,7 @@
                                           </p:stCondLst>
                                         </p:cTn>
                                         <p:tgtEl>
-                                          <p:spTgt spid="290"/>
+                                          <p:spTgt spid="291"/>
                                         </p:tgtEl>
                                         <p:attrNameLst>
                                           <p:attrName>style.visibility</p:attrName>
@@ -26734,7 +26831,7 @@
                                       <p:cBhvr>
                                         <p:cTn id="115" dur="500"/>
                                         <p:tgtEl>
-                                          <p:spTgt spid="290"/>
+                                          <p:spTgt spid="291"/>
                                         </p:tgtEl>
                                       </p:cBhvr>
                                     </p:animEffect>
@@ -26755,7 +26852,7 @@
                                           </p:stCondLst>
                                         </p:cTn>
                                         <p:tgtEl>
-                                          <p:spTgt spid="228"/>
+                                          <p:spTgt spid="229"/>
                                         </p:tgtEl>
                                         <p:attrNameLst>
                                           <p:attrName>style.visibility</p:attrName>
@@ -26769,7 +26866,7 @@
                                       <p:cBhvr>
                                         <p:cTn id="118" dur="500"/>
                                         <p:tgtEl>
-                                          <p:spTgt spid="228"/>
+                                          <p:spTgt spid="229"/>
                                         </p:tgtEl>
                                       </p:cBhvr>
                                     </p:animEffect>
@@ -26808,7 +26905,7 @@
                                           </p:stCondLst>
                                         </p:cTn>
                                         <p:tgtEl>
-                                          <p:spTgt spid="196"/>
+                                          <p:spTgt spid="292"/>
                                         </p:tgtEl>
                                         <p:attrNameLst>
                                           <p:attrName>style.visibility</p:attrName>
@@ -26822,7 +26919,7 @@
                                       <p:cBhvr>
                                         <p:cTn id="123" dur="500"/>
                                         <p:tgtEl>
-                                          <p:spTgt spid="196"/>
+                                          <p:spTgt spid="292"/>
                                         </p:tgtEl>
                                       </p:cBhvr>
                                     </p:animEffect>
@@ -26843,7 +26940,7 @@
                                           </p:stCondLst>
                                         </p:cTn>
                                         <p:tgtEl>
-                                          <p:spTgt spid="197"/>
+                                          <p:spTgt spid="293"/>
                                         </p:tgtEl>
                                         <p:attrNameLst>
                                           <p:attrName>style.visibility</p:attrName>
@@ -26857,7 +26954,7 @@
                                       <p:cBhvr>
                                         <p:cTn id="126" dur="500"/>
                                         <p:tgtEl>
-                                          <p:spTgt spid="197"/>
+                                          <p:spTgt spid="293"/>
                                         </p:tgtEl>
                                       </p:cBhvr>
                                     </p:animEffect>
@@ -26878,7 +26975,7 @@
                                           </p:stCondLst>
                                         </p:cTn>
                                         <p:tgtEl>
-                                          <p:spTgt spid="198"/>
+                                          <p:spTgt spid="294"/>
                                         </p:tgtEl>
                                         <p:attrNameLst>
                                           <p:attrName>style.visibility</p:attrName>
@@ -26892,7 +26989,7 @@
                                       <p:cBhvr>
                                         <p:cTn id="129" dur="500"/>
                                         <p:tgtEl>
-                                          <p:spTgt spid="198"/>
+                                          <p:spTgt spid="294"/>
                                         </p:tgtEl>
                                       </p:cBhvr>
                                     </p:animEffect>
@@ -26913,7 +27010,7 @@
                                           </p:stCondLst>
                                         </p:cTn>
                                         <p:tgtEl>
-                                          <p:spTgt spid="199"/>
+                                          <p:spTgt spid="295"/>
                                         </p:tgtEl>
                                         <p:attrNameLst>
                                           <p:attrName>style.visibility</p:attrName>
@@ -26927,7 +27024,7 @@
                                       <p:cBhvr>
                                         <p:cTn id="132" dur="500"/>
                                         <p:tgtEl>
-                                          <p:spTgt spid="199"/>
+                                          <p:spTgt spid="295"/>
                                         </p:tgtEl>
                                       </p:cBhvr>
                                     </p:animEffect>
@@ -26948,7 +27045,7 @@
                                           </p:stCondLst>
                                         </p:cTn>
                                         <p:tgtEl>
-                                          <p:spTgt spid="200"/>
+                                          <p:spTgt spid="296"/>
                                         </p:tgtEl>
                                         <p:attrNameLst>
                                           <p:attrName>style.visibility</p:attrName>
@@ -26962,7 +27059,7 @@
                                       <p:cBhvr>
                                         <p:cTn id="135" dur="500"/>
                                         <p:tgtEl>
-                                          <p:spTgt spid="200"/>
+                                          <p:spTgt spid="296"/>
                                         </p:tgtEl>
                                       </p:cBhvr>
                                     </p:animEffect>
@@ -26983,7 +27080,7 @@
                                           </p:stCondLst>
                                         </p:cTn>
                                         <p:tgtEl>
-                                          <p:spTgt spid="201"/>
+                                          <p:spTgt spid="297"/>
                                         </p:tgtEl>
                                         <p:attrNameLst>
                                           <p:attrName>style.visibility</p:attrName>
@@ -26997,7 +27094,7 @@
                                       <p:cBhvr>
                                         <p:cTn id="138" dur="500"/>
                                         <p:tgtEl>
-                                          <p:spTgt spid="201"/>
+                                          <p:spTgt spid="297"/>
                                         </p:tgtEl>
                                       </p:cBhvr>
                                     </p:animEffect>
@@ -27018,7 +27115,7 @@
                                           </p:stCondLst>
                                         </p:cTn>
                                         <p:tgtEl>
-                                          <p:spTgt spid="202"/>
+                                          <p:spTgt spid="298"/>
                                         </p:tgtEl>
                                         <p:attrNameLst>
                                           <p:attrName>style.visibility</p:attrName>
@@ -27032,7 +27129,7 @@
                                       <p:cBhvr>
                                         <p:cTn id="141" dur="500"/>
                                         <p:tgtEl>
-                                          <p:spTgt spid="202"/>
+                                          <p:spTgt spid="298"/>
                                         </p:tgtEl>
                                       </p:cBhvr>
                                     </p:animEffect>
@@ -27053,7 +27150,7 @@
                                           </p:stCondLst>
                                         </p:cTn>
                                         <p:tgtEl>
-                                          <p:spTgt spid="212"/>
+                                          <p:spTgt spid="299"/>
                                         </p:tgtEl>
                                         <p:attrNameLst>
                                           <p:attrName>style.visibility</p:attrName>
@@ -27067,7 +27164,7 @@
                                       <p:cBhvr>
                                         <p:cTn id="144" dur="500"/>
                                         <p:tgtEl>
-                                          <p:spTgt spid="212"/>
+                                          <p:spTgt spid="299"/>
                                         </p:tgtEl>
                                       </p:cBhvr>
                                     </p:animEffect>
@@ -27088,7 +27185,7 @@
                                           </p:stCondLst>
                                         </p:cTn>
                                         <p:tgtEl>
-                                          <p:spTgt spid="213"/>
+                                          <p:spTgt spid="300"/>
                                         </p:tgtEl>
                                         <p:attrNameLst>
                                           <p:attrName>style.visibility</p:attrName>
@@ -27102,7 +27199,7 @@
                                       <p:cBhvr>
                                         <p:cTn id="147" dur="500"/>
                                         <p:tgtEl>
-                                          <p:spTgt spid="213"/>
+                                          <p:spTgt spid="300"/>
                                         </p:tgtEl>
                                       </p:cBhvr>
                                     </p:animEffect>
@@ -27123,7 +27220,7 @@
                                           </p:stCondLst>
                                         </p:cTn>
                                         <p:tgtEl>
-                                          <p:spTgt spid="215"/>
+                                          <p:spTgt spid="301"/>
                                         </p:tgtEl>
                                         <p:attrNameLst>
                                           <p:attrName>style.visibility</p:attrName>
@@ -27137,7 +27234,7 @@
                                       <p:cBhvr>
                                         <p:cTn id="150" dur="500"/>
                                         <p:tgtEl>
-                                          <p:spTgt spid="215"/>
+                                          <p:spTgt spid="301"/>
                                         </p:tgtEl>
                                       </p:cBhvr>
                                     </p:animEffect>
@@ -27158,7 +27255,7 @@
                                           </p:stCondLst>
                                         </p:cTn>
                                         <p:tgtEl>
-                                          <p:spTgt spid="216"/>
+                                          <p:spTgt spid="302"/>
                                         </p:tgtEl>
                                         <p:attrNameLst>
                                           <p:attrName>style.visibility</p:attrName>
@@ -27172,7 +27269,7 @@
                                       <p:cBhvr>
                                         <p:cTn id="153" dur="500"/>
                                         <p:tgtEl>
-                                          <p:spTgt spid="216"/>
+                                          <p:spTgt spid="302"/>
                                         </p:tgtEl>
                                       </p:cBhvr>
                                     </p:animEffect>
@@ -27193,7 +27290,7 @@
                                           </p:stCondLst>
                                         </p:cTn>
                                         <p:tgtEl>
-                                          <p:spTgt spid="219"/>
+                                          <p:spTgt spid="303"/>
                                         </p:tgtEl>
                                         <p:attrNameLst>
                                           <p:attrName>style.visibility</p:attrName>
@@ -27207,7 +27304,7 @@
                                       <p:cBhvr>
                                         <p:cTn id="156" dur="500"/>
                                         <p:tgtEl>
-                                          <p:spTgt spid="219"/>
+                                          <p:spTgt spid="303"/>
                                         </p:tgtEl>
                                       </p:cBhvr>
                                     </p:animEffect>
@@ -27228,7 +27325,7 @@
                                           </p:stCondLst>
                                         </p:cTn>
                                         <p:tgtEl>
-                                          <p:spTgt spid="220"/>
+                                          <p:spTgt spid="304"/>
                                         </p:tgtEl>
                                         <p:attrNameLst>
                                           <p:attrName>style.visibility</p:attrName>
@@ -27242,7 +27339,7 @@
                                       <p:cBhvr>
                                         <p:cTn id="159" dur="500"/>
                                         <p:tgtEl>
-                                          <p:spTgt spid="220"/>
+                                          <p:spTgt spid="304"/>
                                         </p:tgtEl>
                                       </p:cBhvr>
                                     </p:animEffect>
@@ -27263,7 +27360,7 @@
                                           </p:stCondLst>
                                         </p:cTn>
                                         <p:tgtEl>
-                                          <p:spTgt spid="221"/>
+                                          <p:spTgt spid="305"/>
                                         </p:tgtEl>
                                         <p:attrNameLst>
                                           <p:attrName>style.visibility</p:attrName>
@@ -27277,7 +27374,7 @@
                                       <p:cBhvr>
                                         <p:cTn id="162" dur="500"/>
                                         <p:tgtEl>
-                                          <p:spTgt spid="221"/>
+                                          <p:spTgt spid="305"/>
                                         </p:tgtEl>
                                       </p:cBhvr>
                                     </p:animEffect>
@@ -27298,7 +27395,7 @@
                                           </p:stCondLst>
                                         </p:cTn>
                                         <p:tgtEl>
-                                          <p:spTgt spid="222"/>
+                                          <p:spTgt spid="306"/>
                                         </p:tgtEl>
                                         <p:attrNameLst>
                                           <p:attrName>style.visibility</p:attrName>
@@ -27312,7 +27409,7 @@
                                       <p:cBhvr>
                                         <p:cTn id="165" dur="500"/>
                                         <p:tgtEl>
-                                          <p:spTgt spid="222"/>
+                                          <p:spTgt spid="306"/>
                                         </p:tgtEl>
                                       </p:cBhvr>
                                     </p:animEffect>
@@ -27333,7 +27430,7 @@
                                           </p:stCondLst>
                                         </p:cTn>
                                         <p:tgtEl>
-                                          <p:spTgt spid="223"/>
+                                          <p:spTgt spid="307"/>
                                         </p:tgtEl>
                                         <p:attrNameLst>
                                           <p:attrName>style.visibility</p:attrName>
@@ -27347,7 +27444,7 @@
                                       <p:cBhvr>
                                         <p:cTn id="168" dur="500"/>
                                         <p:tgtEl>
-                                          <p:spTgt spid="223"/>
+                                          <p:spTgt spid="307"/>
                                         </p:tgtEl>
                                       </p:cBhvr>
                                     </p:animEffect>
@@ -27368,7 +27465,7 @@
                                           </p:stCondLst>
                                         </p:cTn>
                                         <p:tgtEl>
-                                          <p:spTgt spid="224"/>
+                                          <p:spTgt spid="308"/>
                                         </p:tgtEl>
                                         <p:attrNameLst>
                                           <p:attrName>style.visibility</p:attrName>
@@ -27382,7 +27479,7 @@
                                       <p:cBhvr>
                                         <p:cTn id="171" dur="500"/>
                                         <p:tgtEl>
-                                          <p:spTgt spid="224"/>
+                                          <p:spTgt spid="308"/>
                                         </p:tgtEl>
                                       </p:cBhvr>
                                     </p:animEffect>
@@ -27403,7 +27500,7 @@
                                           </p:stCondLst>
                                         </p:cTn>
                                         <p:tgtEl>
-                                          <p:spTgt spid="225"/>
+                                          <p:spTgt spid="309"/>
                                         </p:tgtEl>
                                         <p:attrNameLst>
                                           <p:attrName>style.visibility</p:attrName>
@@ -27417,7 +27514,7 @@
                                       <p:cBhvr>
                                         <p:cTn id="174" dur="500"/>
                                         <p:tgtEl>
-                                          <p:spTgt spid="225"/>
+                                          <p:spTgt spid="309"/>
                                         </p:tgtEl>
                                       </p:cBhvr>
                                     </p:animEffect>
@@ -27438,7 +27535,7 @@
                                           </p:stCondLst>
                                         </p:cTn>
                                         <p:tgtEl>
-                                          <p:spTgt spid="226"/>
+                                          <p:spTgt spid="310"/>
                                         </p:tgtEl>
                                         <p:attrNameLst>
                                           <p:attrName>style.visibility</p:attrName>
@@ -27452,7 +27549,7 @@
                                       <p:cBhvr>
                                         <p:cTn id="177" dur="500"/>
                                         <p:tgtEl>
-                                          <p:spTgt spid="226"/>
+                                          <p:spTgt spid="310"/>
                                         </p:tgtEl>
                                       </p:cBhvr>
                                     </p:animEffect>
@@ -27473,7 +27570,7 @@
                                           </p:stCondLst>
                                         </p:cTn>
                                         <p:tgtEl>
-                                          <p:spTgt spid="227"/>
+                                          <p:spTgt spid="311"/>
                                         </p:tgtEl>
                                         <p:attrNameLst>
                                           <p:attrName>style.visibility</p:attrName>
@@ -27487,7 +27584,7 @@
                                       <p:cBhvr>
                                         <p:cTn id="180" dur="500"/>
                                         <p:tgtEl>
-                                          <p:spTgt spid="227"/>
+                                          <p:spTgt spid="311"/>
                                         </p:tgtEl>
                                       </p:cBhvr>
                                     </p:animEffect>
@@ -27508,7 +27605,7 @@
                                           </p:stCondLst>
                                         </p:cTn>
                                         <p:tgtEl>
-                                          <p:spTgt spid="241"/>
+                                          <p:spTgt spid="312"/>
                                         </p:tgtEl>
                                         <p:attrNameLst>
                                           <p:attrName>style.visibility</p:attrName>
@@ -27522,7 +27619,7 @@
                                       <p:cBhvr>
                                         <p:cTn id="183" dur="500"/>
                                         <p:tgtEl>
-                                          <p:spTgt spid="241"/>
+                                          <p:spTgt spid="312"/>
                                         </p:tgtEl>
                                       </p:cBhvr>
                                     </p:animEffect>
@@ -27543,7 +27640,7 @@
                                           </p:stCondLst>
                                         </p:cTn>
                                         <p:tgtEl>
-                                          <p:spTgt spid="255"/>
+                                          <p:spTgt spid="313"/>
                                         </p:tgtEl>
                                         <p:attrNameLst>
                                           <p:attrName>style.visibility</p:attrName>
@@ -27557,7 +27654,7 @@
                                       <p:cBhvr>
                                         <p:cTn id="186" dur="500"/>
                                         <p:tgtEl>
-                                          <p:spTgt spid="255"/>
+                                          <p:spTgt spid="313"/>
                                         </p:tgtEl>
                                       </p:cBhvr>
                                     </p:animEffect>
@@ -27578,7 +27675,7 @@
                                           </p:stCondLst>
                                         </p:cTn>
                                         <p:tgtEl>
-                                          <p:spTgt spid="262"/>
+                                          <p:spTgt spid="314"/>
                                         </p:tgtEl>
                                         <p:attrNameLst>
                                           <p:attrName>style.visibility</p:attrName>
@@ -27592,7 +27689,7 @@
                                       <p:cBhvr>
                                         <p:cTn id="189" dur="500"/>
                                         <p:tgtEl>
-                                          <p:spTgt spid="262"/>
+                                          <p:spTgt spid="314"/>
                                         </p:tgtEl>
                                       </p:cBhvr>
                                     </p:animEffect>
@@ -27613,7 +27710,7 @@
                                           </p:stCondLst>
                                         </p:cTn>
                                         <p:tgtEl>
-                                          <p:spTgt spid="270"/>
+                                          <p:spTgt spid="315"/>
                                         </p:tgtEl>
                                         <p:attrNameLst>
                                           <p:attrName>style.visibility</p:attrName>
@@ -27627,7 +27724,7 @@
                                       <p:cBhvr>
                                         <p:cTn id="192" dur="500"/>
                                         <p:tgtEl>
-                                          <p:spTgt spid="270"/>
+                                          <p:spTgt spid="315"/>
                                         </p:tgtEl>
                                       </p:cBhvr>
                                     </p:animEffect>
@@ -27648,7 +27745,7 @@
                                           </p:stCondLst>
                                         </p:cTn>
                                         <p:tgtEl>
-                                          <p:spTgt spid="271"/>
+                                          <p:spTgt spid="316"/>
                                         </p:tgtEl>
                                         <p:attrNameLst>
                                           <p:attrName>style.visibility</p:attrName>
@@ -27662,7 +27759,7 @@
                                       <p:cBhvr>
                                         <p:cTn id="195" dur="500"/>
                                         <p:tgtEl>
-                                          <p:spTgt spid="271"/>
+                                          <p:spTgt spid="316"/>
                                         </p:tgtEl>
                                       </p:cBhvr>
                                     </p:animEffect>
@@ -27683,7 +27780,7 @@
                                           </p:stCondLst>
                                         </p:cTn>
                                         <p:tgtEl>
-                                          <p:spTgt spid="272"/>
+                                          <p:spTgt spid="317"/>
                                         </p:tgtEl>
                                         <p:attrNameLst>
                                           <p:attrName>style.visibility</p:attrName>
@@ -27697,7 +27794,7 @@
                                       <p:cBhvr>
                                         <p:cTn id="198" dur="500"/>
                                         <p:tgtEl>
-                                          <p:spTgt spid="272"/>
+                                          <p:spTgt spid="317"/>
                                         </p:tgtEl>
                                       </p:cBhvr>
                                     </p:animEffect>
@@ -27718,7 +27815,7 @@
                                           </p:stCondLst>
                                         </p:cTn>
                                         <p:tgtEl>
-                                          <p:spTgt spid="277"/>
+                                          <p:spTgt spid="318"/>
                                         </p:tgtEl>
                                         <p:attrNameLst>
                                           <p:attrName>style.visibility</p:attrName>
@@ -27732,7 +27829,7 @@
                                       <p:cBhvr>
                                         <p:cTn id="201" dur="500"/>
                                         <p:tgtEl>
-                                          <p:spTgt spid="277"/>
+                                          <p:spTgt spid="318"/>
                                         </p:tgtEl>
                                       </p:cBhvr>
                                     </p:animEffect>
@@ -27753,7 +27850,7 @@
                                           </p:stCondLst>
                                         </p:cTn>
                                         <p:tgtEl>
-                                          <p:spTgt spid="278"/>
+                                          <p:spTgt spid="319"/>
                                         </p:tgtEl>
                                         <p:attrNameLst>
                                           <p:attrName>style.visibility</p:attrName>
@@ -27767,7 +27864,7 @@
                                       <p:cBhvr>
                                         <p:cTn id="204" dur="500"/>
                                         <p:tgtEl>
-                                          <p:spTgt spid="278"/>
+                                          <p:spTgt spid="319"/>
                                         </p:tgtEl>
                                       </p:cBhvr>
                                     </p:animEffect>
@@ -27788,7 +27885,7 @@
                                           </p:stCondLst>
                                         </p:cTn>
                                         <p:tgtEl>
-                                          <p:spTgt spid="279"/>
+                                          <p:spTgt spid="320"/>
                                         </p:tgtEl>
                                         <p:attrNameLst>
                                           <p:attrName>style.visibility</p:attrName>
@@ -27802,7 +27899,7 @@
                                       <p:cBhvr>
                                         <p:cTn id="207" dur="500"/>
                                         <p:tgtEl>
-                                          <p:spTgt spid="279"/>
+                                          <p:spTgt spid="320"/>
                                         </p:tgtEl>
                                       </p:cBhvr>
                                     </p:animEffect>
@@ -27823,7 +27920,7 @@
                                           </p:stCondLst>
                                         </p:cTn>
                                         <p:tgtEl>
-                                          <p:spTgt spid="280"/>
+                                          <p:spTgt spid="321"/>
                                         </p:tgtEl>
                                         <p:attrNameLst>
                                           <p:attrName>style.visibility</p:attrName>
@@ -27837,7 +27934,7 @@
                                       <p:cBhvr>
                                         <p:cTn id="210" dur="500"/>
                                         <p:tgtEl>
-                                          <p:spTgt spid="280"/>
+                                          <p:spTgt spid="321"/>
                                         </p:tgtEl>
                                       </p:cBhvr>
                                     </p:animEffect>
@@ -27858,7 +27955,7 @@
                                           </p:stCondLst>
                                         </p:cTn>
                                         <p:tgtEl>
-                                          <p:spTgt spid="281"/>
+                                          <p:spTgt spid="322"/>
                                         </p:tgtEl>
                                         <p:attrNameLst>
                                           <p:attrName>style.visibility</p:attrName>
@@ -27872,7 +27969,7 @@
                                       <p:cBhvr>
                                         <p:cTn id="213" dur="500"/>
                                         <p:tgtEl>
-                                          <p:spTgt spid="281"/>
+                                          <p:spTgt spid="322"/>
                                         </p:tgtEl>
                                       </p:cBhvr>
                                     </p:animEffect>
@@ -27893,7 +27990,7 @@
                                           </p:stCondLst>
                                         </p:cTn>
                                         <p:tgtEl>
-                                          <p:spTgt spid="282"/>
+                                          <p:spTgt spid="323"/>
                                         </p:tgtEl>
                                         <p:attrNameLst>
                                           <p:attrName>style.visibility</p:attrName>
@@ -27907,7 +28004,7 @@
                                       <p:cBhvr>
                                         <p:cTn id="216" dur="500"/>
                                         <p:tgtEl>
-                                          <p:spTgt spid="282"/>
+                                          <p:spTgt spid="323"/>
                                         </p:tgtEl>
                                       </p:cBhvr>
                                     </p:animEffect>
@@ -27928,7 +28025,7 @@
                                           </p:stCondLst>
                                         </p:cTn>
                                         <p:tgtEl>
-                                          <p:spTgt spid="283"/>
+                                          <p:spTgt spid="324"/>
                                         </p:tgtEl>
                                         <p:attrNameLst>
                                           <p:attrName>style.visibility</p:attrName>
@@ -27942,7 +28039,7 @@
                                       <p:cBhvr>
                                         <p:cTn id="219" dur="500"/>
                                         <p:tgtEl>
-                                          <p:spTgt spid="283"/>
+                                          <p:spTgt spid="324"/>
                                         </p:tgtEl>
                                       </p:cBhvr>
                                     </p:animEffect>
@@ -27963,7 +28060,7 @@
                                           </p:stCondLst>
                                         </p:cTn>
                                         <p:tgtEl>
-                                          <p:spTgt spid="284"/>
+                                          <p:spTgt spid="325"/>
                                         </p:tgtEl>
                                         <p:attrNameLst>
                                           <p:attrName>style.visibility</p:attrName>
@@ -27977,7 +28074,7 @@
                                       <p:cBhvr>
                                         <p:cTn id="222" dur="500"/>
                                         <p:tgtEl>
-                                          <p:spTgt spid="284"/>
+                                          <p:spTgt spid="325"/>
                                         </p:tgtEl>
                                       </p:cBhvr>
                                     </p:animEffect>
@@ -27998,7 +28095,7 @@
                                           </p:stCondLst>
                                         </p:cTn>
                                         <p:tgtEl>
-                                          <p:spTgt spid="285"/>
+                                          <p:spTgt spid="326"/>
                                         </p:tgtEl>
                                         <p:attrNameLst>
                                           <p:attrName>style.visibility</p:attrName>
@@ -28012,7 +28109,7 @@
                                       <p:cBhvr>
                                         <p:cTn id="225" dur="500"/>
                                         <p:tgtEl>
-                                          <p:spTgt spid="285"/>
+                                          <p:spTgt spid="326"/>
                                         </p:tgtEl>
                                       </p:cBhvr>
                                     </p:animEffect>
@@ -28033,7 +28130,7 @@
                                           </p:stCondLst>
                                         </p:cTn>
                                         <p:tgtEl>
-                                          <p:spTgt spid="287"/>
+                                          <p:spTgt spid="327"/>
                                         </p:tgtEl>
                                         <p:attrNameLst>
                                           <p:attrName>style.visibility</p:attrName>
@@ -28047,7 +28144,7 @@
                                       <p:cBhvr>
                                         <p:cTn id="228" dur="500"/>
                                         <p:tgtEl>
-                                          <p:spTgt spid="287"/>
+                                          <p:spTgt spid="327"/>
                                         </p:tgtEl>
                                       </p:cBhvr>
                                     </p:animEffect>
@@ -28068,7 +28165,7 @@
                                           </p:stCondLst>
                                         </p:cTn>
                                         <p:tgtEl>
-                                          <p:spTgt spid="291"/>
+                                          <p:spTgt spid="328"/>
                                         </p:tgtEl>
                                         <p:attrNameLst>
                                           <p:attrName>style.visibility</p:attrName>
@@ -28082,7 +28179,7 @@
                                       <p:cBhvr>
                                         <p:cTn id="231" dur="500"/>
                                         <p:tgtEl>
-                                          <p:spTgt spid="291"/>
+                                          <p:spTgt spid="328"/>
                                         </p:tgtEl>
                                       </p:cBhvr>
                                     </p:animEffect>
@@ -28103,7 +28200,7 @@
                                           </p:stCondLst>
                                         </p:cTn>
                                         <p:tgtEl>
-                                          <p:spTgt spid="229"/>
+                                          <p:spTgt spid="230"/>
                                         </p:tgtEl>
                                         <p:attrNameLst>
                                           <p:attrName>style.visibility</p:attrName>
@@ -28117,7 +28214,7 @@
                                       <p:cBhvr>
                                         <p:cTn id="234" dur="500"/>
                                         <p:tgtEl>
-                                          <p:spTgt spid="229"/>
+                                          <p:spTgt spid="230"/>
                                         </p:tgtEl>
                                       </p:cBhvr>
                                     </p:animEffect>
@@ -28156,7 +28253,7 @@
                                           </p:stCondLst>
                                         </p:cTn>
                                         <p:tgtEl>
-                                          <p:spTgt spid="292"/>
+                                          <p:spTgt spid="366"/>
                                         </p:tgtEl>
                                         <p:attrNameLst>
                                           <p:attrName>style.visibility</p:attrName>
@@ -28170,7 +28267,7 @@
                                       <p:cBhvr>
                                         <p:cTn id="239" dur="500"/>
                                         <p:tgtEl>
-                                          <p:spTgt spid="292"/>
+                                          <p:spTgt spid="366"/>
                                         </p:tgtEl>
                                       </p:cBhvr>
                                     </p:animEffect>
@@ -28191,7 +28288,7 @@
                                           </p:stCondLst>
                                         </p:cTn>
                                         <p:tgtEl>
-                                          <p:spTgt spid="293"/>
+                                          <p:spTgt spid="367"/>
                                         </p:tgtEl>
                                         <p:attrNameLst>
                                           <p:attrName>style.visibility</p:attrName>
@@ -28205,7 +28302,7 @@
                                       <p:cBhvr>
                                         <p:cTn id="242" dur="500"/>
                                         <p:tgtEl>
-                                          <p:spTgt spid="293"/>
+                                          <p:spTgt spid="367"/>
                                         </p:tgtEl>
                                       </p:cBhvr>
                                     </p:animEffect>
@@ -28226,7 +28323,7 @@
                                           </p:stCondLst>
                                         </p:cTn>
                                         <p:tgtEl>
-                                          <p:spTgt spid="294"/>
+                                          <p:spTgt spid="368"/>
                                         </p:tgtEl>
                                         <p:attrNameLst>
                                           <p:attrName>style.visibility</p:attrName>
@@ -28240,7 +28337,7 @@
                                       <p:cBhvr>
                                         <p:cTn id="245" dur="500"/>
                                         <p:tgtEl>
-                                          <p:spTgt spid="294"/>
+                                          <p:spTgt spid="368"/>
                                         </p:tgtEl>
                                       </p:cBhvr>
                                     </p:animEffect>
@@ -28261,7 +28358,7 @@
                                           </p:stCondLst>
                                         </p:cTn>
                                         <p:tgtEl>
-                                          <p:spTgt spid="295"/>
+                                          <p:spTgt spid="369"/>
                                         </p:tgtEl>
                                         <p:attrNameLst>
                                           <p:attrName>style.visibility</p:attrName>
@@ -28275,7 +28372,7 @@
                                       <p:cBhvr>
                                         <p:cTn id="248" dur="500"/>
                                         <p:tgtEl>
-                                          <p:spTgt spid="295"/>
+                                          <p:spTgt spid="369"/>
                                         </p:tgtEl>
                                       </p:cBhvr>
                                     </p:animEffect>
@@ -28296,7 +28393,7 @@
                                           </p:stCondLst>
                                         </p:cTn>
                                         <p:tgtEl>
-                                          <p:spTgt spid="296"/>
+                                          <p:spTgt spid="370"/>
                                         </p:tgtEl>
                                         <p:attrNameLst>
                                           <p:attrName>style.visibility</p:attrName>
@@ -28310,7 +28407,7 @@
                                       <p:cBhvr>
                                         <p:cTn id="251" dur="500"/>
                                         <p:tgtEl>
-                                          <p:spTgt spid="296"/>
+                                          <p:spTgt spid="370"/>
                                         </p:tgtEl>
                                       </p:cBhvr>
                                     </p:animEffect>
@@ -28331,7 +28428,7 @@
                                           </p:stCondLst>
                                         </p:cTn>
                                         <p:tgtEl>
-                                          <p:spTgt spid="297"/>
+                                          <p:spTgt spid="371"/>
                                         </p:tgtEl>
                                         <p:attrNameLst>
                                           <p:attrName>style.visibility</p:attrName>
@@ -28345,7 +28442,7 @@
                                       <p:cBhvr>
                                         <p:cTn id="254" dur="500"/>
                                         <p:tgtEl>
-                                          <p:spTgt spid="297"/>
+                                          <p:spTgt spid="371"/>
                                         </p:tgtEl>
                                       </p:cBhvr>
                                     </p:animEffect>
@@ -28366,7 +28463,7 @@
                                           </p:stCondLst>
                                         </p:cTn>
                                         <p:tgtEl>
-                                          <p:spTgt spid="298"/>
+                                          <p:spTgt spid="372"/>
                                         </p:tgtEl>
                                         <p:attrNameLst>
                                           <p:attrName>style.visibility</p:attrName>
@@ -28380,7 +28477,7 @@
                                       <p:cBhvr>
                                         <p:cTn id="257" dur="500"/>
                                         <p:tgtEl>
-                                          <p:spTgt spid="298"/>
+                                          <p:spTgt spid="372"/>
                                         </p:tgtEl>
                                       </p:cBhvr>
                                     </p:animEffect>
@@ -28401,7 +28498,7 @@
                                           </p:stCondLst>
                                         </p:cTn>
                                         <p:tgtEl>
-                                          <p:spTgt spid="299"/>
+                                          <p:spTgt spid="373"/>
                                         </p:tgtEl>
                                         <p:attrNameLst>
                                           <p:attrName>style.visibility</p:attrName>
@@ -28415,7 +28512,7 @@
                                       <p:cBhvr>
                                         <p:cTn id="260" dur="500"/>
                                         <p:tgtEl>
-                                          <p:spTgt spid="299"/>
+                                          <p:spTgt spid="373"/>
                                         </p:tgtEl>
                                       </p:cBhvr>
                                     </p:animEffect>
@@ -28436,7 +28533,7 @@
                                           </p:stCondLst>
                                         </p:cTn>
                                         <p:tgtEl>
-                                          <p:spTgt spid="300"/>
+                                          <p:spTgt spid="374"/>
                                         </p:tgtEl>
                                         <p:attrNameLst>
                                           <p:attrName>style.visibility</p:attrName>
@@ -28450,7 +28547,7 @@
                                       <p:cBhvr>
                                         <p:cTn id="263" dur="500"/>
                                         <p:tgtEl>
-                                          <p:spTgt spid="300"/>
+                                          <p:spTgt spid="374"/>
                                         </p:tgtEl>
                                       </p:cBhvr>
                                     </p:animEffect>
@@ -28471,7 +28568,7 @@
                                           </p:stCondLst>
                                         </p:cTn>
                                         <p:tgtEl>
-                                          <p:spTgt spid="301"/>
+                                          <p:spTgt spid="375"/>
                                         </p:tgtEl>
                                         <p:attrNameLst>
                                           <p:attrName>style.visibility</p:attrName>
@@ -28485,7 +28582,7 @@
                                       <p:cBhvr>
                                         <p:cTn id="266" dur="500"/>
                                         <p:tgtEl>
-                                          <p:spTgt spid="301"/>
+                                          <p:spTgt spid="375"/>
                                         </p:tgtEl>
                                       </p:cBhvr>
                                     </p:animEffect>
@@ -28506,7 +28603,7 @@
                                           </p:stCondLst>
                                         </p:cTn>
                                         <p:tgtEl>
-                                          <p:spTgt spid="302"/>
+                                          <p:spTgt spid="376"/>
                                         </p:tgtEl>
                                         <p:attrNameLst>
                                           <p:attrName>style.visibility</p:attrName>
@@ -28520,7 +28617,7 @@
                                       <p:cBhvr>
                                         <p:cTn id="269" dur="500"/>
                                         <p:tgtEl>
-                                          <p:spTgt spid="302"/>
+                                          <p:spTgt spid="376"/>
                                         </p:tgtEl>
                                       </p:cBhvr>
                                     </p:animEffect>
@@ -28541,7 +28638,7 @@
                                           </p:stCondLst>
                                         </p:cTn>
                                         <p:tgtEl>
-                                          <p:spTgt spid="303"/>
+                                          <p:spTgt spid="377"/>
                                         </p:tgtEl>
                                         <p:attrNameLst>
                                           <p:attrName>style.visibility</p:attrName>
@@ -28555,7 +28652,7 @@
                                       <p:cBhvr>
                                         <p:cTn id="272" dur="500"/>
                                         <p:tgtEl>
-                                          <p:spTgt spid="303"/>
+                                          <p:spTgt spid="377"/>
                                         </p:tgtEl>
                                       </p:cBhvr>
                                     </p:animEffect>
@@ -28576,7 +28673,7 @@
                                           </p:stCondLst>
                                         </p:cTn>
                                         <p:tgtEl>
-                                          <p:spTgt spid="304"/>
+                                          <p:spTgt spid="378"/>
                                         </p:tgtEl>
                                         <p:attrNameLst>
                                           <p:attrName>style.visibility</p:attrName>
@@ -28590,7 +28687,7 @@
                                       <p:cBhvr>
                                         <p:cTn id="275" dur="500"/>
                                         <p:tgtEl>
-                                          <p:spTgt spid="304"/>
+                                          <p:spTgt spid="378"/>
                                         </p:tgtEl>
                                       </p:cBhvr>
                                     </p:animEffect>
@@ -28611,7 +28708,7 @@
                                           </p:stCondLst>
                                         </p:cTn>
                                         <p:tgtEl>
-                                          <p:spTgt spid="305"/>
+                                          <p:spTgt spid="379"/>
                                         </p:tgtEl>
                                         <p:attrNameLst>
                                           <p:attrName>style.visibility</p:attrName>
@@ -28625,7 +28722,7 @@
                                       <p:cBhvr>
                                         <p:cTn id="278" dur="500"/>
                                         <p:tgtEl>
-                                          <p:spTgt spid="305"/>
+                                          <p:spTgt spid="379"/>
                                         </p:tgtEl>
                                       </p:cBhvr>
                                     </p:animEffect>
@@ -28646,7 +28743,7 @@
                                           </p:stCondLst>
                                         </p:cTn>
                                         <p:tgtEl>
-                                          <p:spTgt spid="306"/>
+                                          <p:spTgt spid="380"/>
                                         </p:tgtEl>
                                         <p:attrNameLst>
                                           <p:attrName>style.visibility</p:attrName>
@@ -28660,7 +28757,7 @@
                                       <p:cBhvr>
                                         <p:cTn id="281" dur="500"/>
                                         <p:tgtEl>
-                                          <p:spTgt spid="306"/>
+                                          <p:spTgt spid="380"/>
                                         </p:tgtEl>
                                       </p:cBhvr>
                                     </p:animEffect>
@@ -28681,7 +28778,7 @@
                                           </p:stCondLst>
                                         </p:cTn>
                                         <p:tgtEl>
-                                          <p:spTgt spid="307"/>
+                                          <p:spTgt spid="381"/>
                                         </p:tgtEl>
                                         <p:attrNameLst>
                                           <p:attrName>style.visibility</p:attrName>
@@ -28695,7 +28792,7 @@
                                       <p:cBhvr>
                                         <p:cTn id="284" dur="500"/>
                                         <p:tgtEl>
-                                          <p:spTgt spid="307"/>
+                                          <p:spTgt spid="381"/>
                                         </p:tgtEl>
                                       </p:cBhvr>
                                     </p:animEffect>
@@ -28716,7 +28813,7 @@
                                           </p:stCondLst>
                                         </p:cTn>
                                         <p:tgtEl>
-                                          <p:spTgt spid="308"/>
+                                          <p:spTgt spid="382"/>
                                         </p:tgtEl>
                                         <p:attrNameLst>
                                           <p:attrName>style.visibility</p:attrName>
@@ -28730,7 +28827,7 @@
                                       <p:cBhvr>
                                         <p:cTn id="287" dur="500"/>
                                         <p:tgtEl>
-                                          <p:spTgt spid="308"/>
+                                          <p:spTgt spid="382"/>
                                         </p:tgtEl>
                                       </p:cBhvr>
                                     </p:animEffect>
@@ -28751,7 +28848,7 @@
                                           </p:stCondLst>
                                         </p:cTn>
                                         <p:tgtEl>
-                                          <p:spTgt spid="309"/>
+                                          <p:spTgt spid="383"/>
                                         </p:tgtEl>
                                         <p:attrNameLst>
                                           <p:attrName>style.visibility</p:attrName>
@@ -28765,7 +28862,7 @@
                                       <p:cBhvr>
                                         <p:cTn id="290" dur="500"/>
                                         <p:tgtEl>
-                                          <p:spTgt spid="309"/>
+                                          <p:spTgt spid="383"/>
                                         </p:tgtEl>
                                       </p:cBhvr>
                                     </p:animEffect>
@@ -28786,7 +28883,7 @@
                                           </p:stCondLst>
                                         </p:cTn>
                                         <p:tgtEl>
-                                          <p:spTgt spid="310"/>
+                                          <p:spTgt spid="384"/>
                                         </p:tgtEl>
                                         <p:attrNameLst>
                                           <p:attrName>style.visibility</p:attrName>
@@ -28800,7 +28897,7 @@
                                       <p:cBhvr>
                                         <p:cTn id="293" dur="500"/>
                                         <p:tgtEl>
-                                          <p:spTgt spid="310"/>
+                                          <p:spTgt spid="384"/>
                                         </p:tgtEl>
                                       </p:cBhvr>
                                     </p:animEffect>
@@ -28821,7 +28918,7 @@
                                           </p:stCondLst>
                                         </p:cTn>
                                         <p:tgtEl>
-                                          <p:spTgt spid="311"/>
+                                          <p:spTgt spid="385"/>
                                         </p:tgtEl>
                                         <p:attrNameLst>
                                           <p:attrName>style.visibility</p:attrName>
@@ -28835,7 +28932,7 @@
                                       <p:cBhvr>
                                         <p:cTn id="296" dur="500"/>
                                         <p:tgtEl>
-                                          <p:spTgt spid="311"/>
+                                          <p:spTgt spid="385"/>
                                         </p:tgtEl>
                                       </p:cBhvr>
                                     </p:animEffect>
@@ -28856,7 +28953,7 @@
                                           </p:stCondLst>
                                         </p:cTn>
                                         <p:tgtEl>
-                                          <p:spTgt spid="312"/>
+                                          <p:spTgt spid="386"/>
                                         </p:tgtEl>
                                         <p:attrNameLst>
                                           <p:attrName>style.visibility</p:attrName>
@@ -28870,7 +28967,7 @@
                                       <p:cBhvr>
                                         <p:cTn id="299" dur="500"/>
                                         <p:tgtEl>
-                                          <p:spTgt spid="312"/>
+                                          <p:spTgt spid="386"/>
                                         </p:tgtEl>
                                       </p:cBhvr>
                                     </p:animEffect>
@@ -28891,7 +28988,7 @@
                                           </p:stCondLst>
                                         </p:cTn>
                                         <p:tgtEl>
-                                          <p:spTgt spid="313"/>
+                                          <p:spTgt spid="387"/>
                                         </p:tgtEl>
                                         <p:attrNameLst>
                                           <p:attrName>style.visibility</p:attrName>
@@ -28905,7 +29002,7 @@
                                       <p:cBhvr>
                                         <p:cTn id="302" dur="500"/>
                                         <p:tgtEl>
-                                          <p:spTgt spid="313"/>
+                                          <p:spTgt spid="387"/>
                                         </p:tgtEl>
                                       </p:cBhvr>
                                     </p:animEffect>
@@ -28926,7 +29023,7 @@
                                           </p:stCondLst>
                                         </p:cTn>
                                         <p:tgtEl>
-                                          <p:spTgt spid="314"/>
+                                          <p:spTgt spid="388"/>
                                         </p:tgtEl>
                                         <p:attrNameLst>
                                           <p:attrName>style.visibility</p:attrName>
@@ -28940,7 +29037,7 @@
                                       <p:cBhvr>
                                         <p:cTn id="305" dur="500"/>
                                         <p:tgtEl>
-                                          <p:spTgt spid="314"/>
+                                          <p:spTgt spid="388"/>
                                         </p:tgtEl>
                                       </p:cBhvr>
                                     </p:animEffect>
@@ -28961,7 +29058,7 @@
                                           </p:stCondLst>
                                         </p:cTn>
                                         <p:tgtEl>
-                                          <p:spTgt spid="315"/>
+                                          <p:spTgt spid="389"/>
                                         </p:tgtEl>
                                         <p:attrNameLst>
                                           <p:attrName>style.visibility</p:attrName>
@@ -28975,7 +29072,7 @@
                                       <p:cBhvr>
                                         <p:cTn id="308" dur="500"/>
                                         <p:tgtEl>
-                                          <p:spTgt spid="315"/>
+                                          <p:spTgt spid="389"/>
                                         </p:tgtEl>
                                       </p:cBhvr>
                                     </p:animEffect>
@@ -28996,7 +29093,7 @@
                                           </p:stCondLst>
                                         </p:cTn>
                                         <p:tgtEl>
-                                          <p:spTgt spid="316"/>
+                                          <p:spTgt spid="390"/>
                                         </p:tgtEl>
                                         <p:attrNameLst>
                                           <p:attrName>style.visibility</p:attrName>
@@ -29010,7 +29107,7 @@
                                       <p:cBhvr>
                                         <p:cTn id="311" dur="500"/>
                                         <p:tgtEl>
-                                          <p:spTgt spid="316"/>
+                                          <p:spTgt spid="390"/>
                                         </p:tgtEl>
                                       </p:cBhvr>
                                     </p:animEffect>
@@ -29031,7 +29128,7 @@
                                           </p:stCondLst>
                                         </p:cTn>
                                         <p:tgtEl>
-                                          <p:spTgt spid="317"/>
+                                          <p:spTgt spid="391"/>
                                         </p:tgtEl>
                                         <p:attrNameLst>
                                           <p:attrName>style.visibility</p:attrName>
@@ -29045,7 +29142,7 @@
                                       <p:cBhvr>
                                         <p:cTn id="314" dur="500"/>
                                         <p:tgtEl>
-                                          <p:spTgt spid="317"/>
+                                          <p:spTgt spid="391"/>
                                         </p:tgtEl>
                                       </p:cBhvr>
                                     </p:animEffect>
@@ -29066,7 +29163,7 @@
                                           </p:stCondLst>
                                         </p:cTn>
                                         <p:tgtEl>
-                                          <p:spTgt spid="318"/>
+                                          <p:spTgt spid="392"/>
                                         </p:tgtEl>
                                         <p:attrNameLst>
                                           <p:attrName>style.visibility</p:attrName>
@@ -29080,7 +29177,7 @@
                                       <p:cBhvr>
                                         <p:cTn id="317" dur="500"/>
                                         <p:tgtEl>
-                                          <p:spTgt spid="318"/>
+                                          <p:spTgt spid="392"/>
                                         </p:tgtEl>
                                       </p:cBhvr>
                                     </p:animEffect>
@@ -29101,7 +29198,7 @@
                                           </p:stCondLst>
                                         </p:cTn>
                                         <p:tgtEl>
-                                          <p:spTgt spid="319"/>
+                                          <p:spTgt spid="393"/>
                                         </p:tgtEl>
                                         <p:attrNameLst>
                                           <p:attrName>style.visibility</p:attrName>
@@ -29115,7 +29212,7 @@
                                       <p:cBhvr>
                                         <p:cTn id="320" dur="500"/>
                                         <p:tgtEl>
-                                          <p:spTgt spid="319"/>
+                                          <p:spTgt spid="393"/>
                                         </p:tgtEl>
                                       </p:cBhvr>
                                     </p:animEffect>
@@ -29136,7 +29233,7 @@
                                           </p:stCondLst>
                                         </p:cTn>
                                         <p:tgtEl>
-                                          <p:spTgt spid="320"/>
+                                          <p:spTgt spid="394"/>
                                         </p:tgtEl>
                                         <p:attrNameLst>
                                           <p:attrName>style.visibility</p:attrName>
@@ -29150,7 +29247,7 @@
                                       <p:cBhvr>
                                         <p:cTn id="323" dur="500"/>
                                         <p:tgtEl>
-                                          <p:spTgt spid="320"/>
+                                          <p:spTgt spid="394"/>
                                         </p:tgtEl>
                                       </p:cBhvr>
                                     </p:animEffect>
@@ -29171,7 +29268,7 @@
                                           </p:stCondLst>
                                         </p:cTn>
                                         <p:tgtEl>
-                                          <p:spTgt spid="321"/>
+                                          <p:spTgt spid="395"/>
                                         </p:tgtEl>
                                         <p:attrNameLst>
                                           <p:attrName>style.visibility</p:attrName>
@@ -29185,7 +29282,7 @@
                                       <p:cBhvr>
                                         <p:cTn id="326" dur="500"/>
                                         <p:tgtEl>
-                                          <p:spTgt spid="321"/>
+                                          <p:spTgt spid="395"/>
                                         </p:tgtEl>
                                       </p:cBhvr>
                                     </p:animEffect>
@@ -29206,7 +29303,7 @@
                                           </p:stCondLst>
                                         </p:cTn>
                                         <p:tgtEl>
-                                          <p:spTgt spid="322"/>
+                                          <p:spTgt spid="397"/>
                                         </p:tgtEl>
                                         <p:attrNameLst>
                                           <p:attrName>style.visibility</p:attrName>
@@ -29220,7 +29317,7 @@
                                       <p:cBhvr>
                                         <p:cTn id="329" dur="500"/>
                                         <p:tgtEl>
-                                          <p:spTgt spid="322"/>
+                                          <p:spTgt spid="397"/>
                                         </p:tgtEl>
                                       </p:cBhvr>
                                     </p:animEffect>
@@ -29241,7 +29338,7 @@
                                           </p:stCondLst>
                                         </p:cTn>
                                         <p:tgtEl>
-                                          <p:spTgt spid="323"/>
+                                          <p:spTgt spid="398"/>
                                         </p:tgtEl>
                                         <p:attrNameLst>
                                           <p:attrName>style.visibility</p:attrName>
@@ -29255,7 +29352,7 @@
                                       <p:cBhvr>
                                         <p:cTn id="332" dur="500"/>
                                         <p:tgtEl>
-                                          <p:spTgt spid="323"/>
+                                          <p:spTgt spid="398"/>
                                         </p:tgtEl>
                                       </p:cBhvr>
                                     </p:animEffect>
@@ -29276,7 +29373,7 @@
                                           </p:stCondLst>
                                         </p:cTn>
                                         <p:tgtEl>
-                                          <p:spTgt spid="324"/>
+                                          <p:spTgt spid="399"/>
                                         </p:tgtEl>
                                         <p:attrNameLst>
                                           <p:attrName>style.visibility</p:attrName>
@@ -29290,7 +29387,7 @@
                                       <p:cBhvr>
                                         <p:cTn id="335" dur="500"/>
                                         <p:tgtEl>
-                                          <p:spTgt spid="324"/>
+                                          <p:spTgt spid="399"/>
                                         </p:tgtEl>
                                       </p:cBhvr>
                                     </p:animEffect>
@@ -29298,7 +29395,7 @@
                                 </p:cTn>
                               </p:par>
                               <p:par>
-                                <p:cTn id="336" presetID="9" presetClass="entr" presetSubtype="0" fill="hold" nodeType="withEffect">
+                                <p:cTn id="336" presetID="9" presetClass="entr" presetSubtype="0" fill="hold" grpId="0" nodeType="withEffect">
                                   <p:stCondLst>
                                     <p:cond delay="0"/>
                                   </p:stCondLst>
@@ -29311,7 +29408,7 @@
                                           </p:stCondLst>
                                         </p:cTn>
                                         <p:tgtEl>
-                                          <p:spTgt spid="325"/>
+                                          <p:spTgt spid="402"/>
                                         </p:tgtEl>
                                         <p:attrNameLst>
                                           <p:attrName>style.visibility</p:attrName>
@@ -29325,7 +29422,7 @@
                                       <p:cBhvr>
                                         <p:cTn id="338" dur="500"/>
                                         <p:tgtEl>
-                                          <p:spTgt spid="325"/>
+                                          <p:spTgt spid="402"/>
                                         </p:tgtEl>
                                       </p:cBhvr>
                                     </p:animEffect>
@@ -29346,7 +29443,7 @@
                                           </p:stCondLst>
                                         </p:cTn>
                                         <p:tgtEl>
-                                          <p:spTgt spid="326"/>
+                                          <p:spTgt spid="403"/>
                                         </p:tgtEl>
                                         <p:attrNameLst>
                                           <p:attrName>style.visibility</p:attrName>
@@ -29360,7 +29457,7 @@
                                       <p:cBhvr>
                                         <p:cTn id="341" dur="500"/>
                                         <p:tgtEl>
-                                          <p:spTgt spid="326"/>
+                                          <p:spTgt spid="403"/>
                                         </p:tgtEl>
                                       </p:cBhvr>
                                     </p:animEffect>
@@ -29368,7 +29465,7 @@
                                 </p:cTn>
                               </p:par>
                               <p:par>
-                                <p:cTn id="342" presetID="9" presetClass="entr" presetSubtype="0" fill="hold" grpId="0" nodeType="withEffect">
+                                <p:cTn id="342" presetID="9" presetClass="entr" presetSubtype="0" fill="hold" nodeType="withEffect">
                                   <p:stCondLst>
                                     <p:cond delay="0"/>
                                   </p:stCondLst>
@@ -29381,7 +29478,7 @@
                                           </p:stCondLst>
                                         </p:cTn>
                                         <p:tgtEl>
-                                          <p:spTgt spid="327"/>
+                                          <p:spTgt spid="404"/>
                                         </p:tgtEl>
                                         <p:attrNameLst>
                                           <p:attrName>style.visibility</p:attrName>
@@ -29395,7 +29492,7 @@
                                       <p:cBhvr>
                                         <p:cTn id="344" dur="500"/>
                                         <p:tgtEl>
-                                          <p:spTgt spid="327"/>
+                                          <p:spTgt spid="404"/>
                                         </p:tgtEl>
                                       </p:cBhvr>
                                     </p:animEffect>
@@ -29416,7 +29513,7 @@
                                           </p:stCondLst>
                                         </p:cTn>
                                         <p:tgtEl>
-                                          <p:spTgt spid="328"/>
+                                          <p:spTgt spid="401"/>
                                         </p:tgtEl>
                                         <p:attrNameLst>
                                           <p:attrName>style.visibility</p:attrName>
@@ -29430,7 +29527,7 @@
                                       <p:cBhvr>
                                         <p:cTn id="347" dur="500"/>
                                         <p:tgtEl>
-                                          <p:spTgt spid="328"/>
+                                          <p:spTgt spid="401"/>
                                         </p:tgtEl>
                                       </p:cBhvr>
                                     </p:animEffect>
@@ -29451,7 +29548,7 @@
                                           </p:stCondLst>
                                         </p:cTn>
                                         <p:tgtEl>
-                                          <p:spTgt spid="230"/>
+                                          <p:spTgt spid="231"/>
                                         </p:tgtEl>
                                         <p:attrNameLst>
                                           <p:attrName>style.visibility</p:attrName>
@@ -29465,7 +29562,7 @@
                                       <p:cBhvr>
                                         <p:cTn id="350" dur="500"/>
                                         <p:tgtEl>
-                                          <p:spTgt spid="230"/>
+                                          <p:spTgt spid="231"/>
                                         </p:tgtEl>
                                       </p:cBhvr>
                                     </p:animEffect>
@@ -29504,7 +29601,7 @@
                                           </p:stCondLst>
                                         </p:cTn>
                                         <p:tgtEl>
-                                          <p:spTgt spid="366"/>
+                                          <p:spTgt spid="409"/>
                                         </p:tgtEl>
                                         <p:attrNameLst>
                                           <p:attrName>style.visibility</p:attrName>
@@ -29518,7 +29615,7 @@
                                       <p:cBhvr>
                                         <p:cTn id="355" dur="500"/>
                                         <p:tgtEl>
-                                          <p:spTgt spid="366"/>
+                                          <p:spTgt spid="409"/>
                                         </p:tgtEl>
                                       </p:cBhvr>
                                     </p:animEffect>
@@ -29539,7 +29636,7 @@
                                           </p:stCondLst>
                                         </p:cTn>
                                         <p:tgtEl>
-                                          <p:spTgt spid="367"/>
+                                          <p:spTgt spid="410"/>
                                         </p:tgtEl>
                                         <p:attrNameLst>
                                           <p:attrName>style.visibility</p:attrName>
@@ -29553,7 +29650,7 @@
                                       <p:cBhvr>
                                         <p:cTn id="358" dur="500"/>
                                         <p:tgtEl>
-                                          <p:spTgt spid="367"/>
+                                          <p:spTgt spid="410"/>
                                         </p:tgtEl>
                                       </p:cBhvr>
                                     </p:animEffect>
@@ -29574,7 +29671,7 @@
                                           </p:stCondLst>
                                         </p:cTn>
                                         <p:tgtEl>
-                                          <p:spTgt spid="368"/>
+                                          <p:spTgt spid="411"/>
                                         </p:tgtEl>
                                         <p:attrNameLst>
                                           <p:attrName>style.visibility</p:attrName>
@@ -29588,7 +29685,7 @@
                                       <p:cBhvr>
                                         <p:cTn id="361" dur="500"/>
                                         <p:tgtEl>
-                                          <p:spTgt spid="368"/>
+                                          <p:spTgt spid="411"/>
                                         </p:tgtEl>
                                       </p:cBhvr>
                                     </p:animEffect>
@@ -29609,7 +29706,7 @@
                                           </p:stCondLst>
                                         </p:cTn>
                                         <p:tgtEl>
-                                          <p:spTgt spid="369"/>
+                                          <p:spTgt spid="412"/>
                                         </p:tgtEl>
                                         <p:attrNameLst>
                                           <p:attrName>style.visibility</p:attrName>
@@ -29623,7 +29720,7 @@
                                       <p:cBhvr>
                                         <p:cTn id="364" dur="500"/>
                                         <p:tgtEl>
-                                          <p:spTgt spid="369"/>
+                                          <p:spTgt spid="412"/>
                                         </p:tgtEl>
                                       </p:cBhvr>
                                     </p:animEffect>
@@ -29644,7 +29741,7 @@
                                           </p:stCondLst>
                                         </p:cTn>
                                         <p:tgtEl>
-                                          <p:spTgt spid="370"/>
+                                          <p:spTgt spid="413"/>
                                         </p:tgtEl>
                                         <p:attrNameLst>
                                           <p:attrName>style.visibility</p:attrName>
@@ -29658,7 +29755,7 @@
                                       <p:cBhvr>
                                         <p:cTn id="367" dur="500"/>
                                         <p:tgtEl>
-                                          <p:spTgt spid="370"/>
+                                          <p:spTgt spid="413"/>
                                         </p:tgtEl>
                                       </p:cBhvr>
                                     </p:animEffect>
@@ -29679,7 +29776,7 @@
                                           </p:stCondLst>
                                         </p:cTn>
                                         <p:tgtEl>
-                                          <p:spTgt spid="371"/>
+                                          <p:spTgt spid="414"/>
                                         </p:tgtEl>
                                         <p:attrNameLst>
                                           <p:attrName>style.visibility</p:attrName>
@@ -29693,7 +29790,7 @@
                                       <p:cBhvr>
                                         <p:cTn id="370" dur="500"/>
                                         <p:tgtEl>
-                                          <p:spTgt spid="371"/>
+                                          <p:spTgt spid="414"/>
                                         </p:tgtEl>
                                       </p:cBhvr>
                                     </p:animEffect>
@@ -29714,7 +29811,7 @@
                                           </p:stCondLst>
                                         </p:cTn>
                                         <p:tgtEl>
-                                          <p:spTgt spid="372"/>
+                                          <p:spTgt spid="415"/>
                                         </p:tgtEl>
                                         <p:attrNameLst>
                                           <p:attrName>style.visibility</p:attrName>
@@ -29728,7 +29825,7 @@
                                       <p:cBhvr>
                                         <p:cTn id="373" dur="500"/>
                                         <p:tgtEl>
-                                          <p:spTgt spid="372"/>
+                                          <p:spTgt spid="415"/>
                                         </p:tgtEl>
                                       </p:cBhvr>
                                     </p:animEffect>
@@ -29749,7 +29846,7 @@
                                           </p:stCondLst>
                                         </p:cTn>
                                         <p:tgtEl>
-                                          <p:spTgt spid="373"/>
+                                          <p:spTgt spid="416"/>
                                         </p:tgtEl>
                                         <p:attrNameLst>
                                           <p:attrName>style.visibility</p:attrName>
@@ -29763,7 +29860,7 @@
                                       <p:cBhvr>
                                         <p:cTn id="376" dur="500"/>
                                         <p:tgtEl>
-                                          <p:spTgt spid="373"/>
+                                          <p:spTgt spid="416"/>
                                         </p:tgtEl>
                                       </p:cBhvr>
                                     </p:animEffect>
@@ -29784,7 +29881,7 @@
                                           </p:stCondLst>
                                         </p:cTn>
                                         <p:tgtEl>
-                                          <p:spTgt spid="374"/>
+                                          <p:spTgt spid="417"/>
                                         </p:tgtEl>
                                         <p:attrNameLst>
                                           <p:attrName>style.visibility</p:attrName>
@@ -29798,7 +29895,7 @@
                                       <p:cBhvr>
                                         <p:cTn id="379" dur="500"/>
                                         <p:tgtEl>
-                                          <p:spTgt spid="374"/>
+                                          <p:spTgt spid="417"/>
                                         </p:tgtEl>
                                       </p:cBhvr>
                                     </p:animEffect>
@@ -29819,7 +29916,7 @@
                                           </p:stCondLst>
                                         </p:cTn>
                                         <p:tgtEl>
-                                          <p:spTgt spid="375"/>
+                                          <p:spTgt spid="418"/>
                                         </p:tgtEl>
                                         <p:attrNameLst>
                                           <p:attrName>style.visibility</p:attrName>
@@ -29833,7 +29930,7 @@
                                       <p:cBhvr>
                                         <p:cTn id="382" dur="500"/>
                                         <p:tgtEl>
-                                          <p:spTgt spid="375"/>
+                                          <p:spTgt spid="418"/>
                                         </p:tgtEl>
                                       </p:cBhvr>
                                     </p:animEffect>
@@ -29854,7 +29951,7 @@
                                           </p:stCondLst>
                                         </p:cTn>
                                         <p:tgtEl>
-                                          <p:spTgt spid="376"/>
+                                          <p:spTgt spid="419"/>
                                         </p:tgtEl>
                                         <p:attrNameLst>
                                           <p:attrName>style.visibility</p:attrName>
@@ -29868,7 +29965,7 @@
                                       <p:cBhvr>
                                         <p:cTn id="385" dur="500"/>
                                         <p:tgtEl>
-                                          <p:spTgt spid="376"/>
+                                          <p:spTgt spid="419"/>
                                         </p:tgtEl>
                                       </p:cBhvr>
                                     </p:animEffect>
@@ -29889,7 +29986,7 @@
                                           </p:stCondLst>
                                         </p:cTn>
                                         <p:tgtEl>
-                                          <p:spTgt spid="377"/>
+                                          <p:spTgt spid="420"/>
                                         </p:tgtEl>
                                         <p:attrNameLst>
                                           <p:attrName>style.visibility</p:attrName>
@@ -29903,7 +30000,7 @@
                                       <p:cBhvr>
                                         <p:cTn id="388" dur="500"/>
                                         <p:tgtEl>
-                                          <p:spTgt spid="377"/>
+                                          <p:spTgt spid="420"/>
                                         </p:tgtEl>
                                       </p:cBhvr>
                                     </p:animEffect>
@@ -29924,7 +30021,7 @@
                                           </p:stCondLst>
                                         </p:cTn>
                                         <p:tgtEl>
-                                          <p:spTgt spid="378"/>
+                                          <p:spTgt spid="421"/>
                                         </p:tgtEl>
                                         <p:attrNameLst>
                                           <p:attrName>style.visibility</p:attrName>
@@ -29938,7 +30035,7 @@
                                       <p:cBhvr>
                                         <p:cTn id="391" dur="500"/>
                                         <p:tgtEl>
-                                          <p:spTgt spid="378"/>
+                                          <p:spTgt spid="421"/>
                                         </p:tgtEl>
                                       </p:cBhvr>
                                     </p:animEffect>
@@ -29959,7 +30056,7 @@
                                           </p:stCondLst>
                                         </p:cTn>
                                         <p:tgtEl>
-                                          <p:spTgt spid="379"/>
+                                          <p:spTgt spid="422"/>
                                         </p:tgtEl>
                                         <p:attrNameLst>
                                           <p:attrName>style.visibility</p:attrName>
@@ -29973,7 +30070,7 @@
                                       <p:cBhvr>
                                         <p:cTn id="394" dur="500"/>
                                         <p:tgtEl>
-                                          <p:spTgt spid="379"/>
+                                          <p:spTgt spid="422"/>
                                         </p:tgtEl>
                                       </p:cBhvr>
                                     </p:animEffect>
@@ -29994,7 +30091,7 @@
                                           </p:stCondLst>
                                         </p:cTn>
                                         <p:tgtEl>
-                                          <p:spTgt spid="380"/>
+                                          <p:spTgt spid="423"/>
                                         </p:tgtEl>
                                         <p:attrNameLst>
                                           <p:attrName>style.visibility</p:attrName>
@@ -30008,7 +30105,7 @@
                                       <p:cBhvr>
                                         <p:cTn id="397" dur="500"/>
                                         <p:tgtEl>
-                                          <p:spTgt spid="380"/>
+                                          <p:spTgt spid="423"/>
                                         </p:tgtEl>
                                       </p:cBhvr>
                                     </p:animEffect>
@@ -30029,7 +30126,7 @@
                                           </p:stCondLst>
                                         </p:cTn>
                                         <p:tgtEl>
-                                          <p:spTgt spid="381"/>
+                                          <p:spTgt spid="424"/>
                                         </p:tgtEl>
                                         <p:attrNameLst>
                                           <p:attrName>style.visibility</p:attrName>
@@ -30043,7 +30140,7 @@
                                       <p:cBhvr>
                                         <p:cTn id="400" dur="500"/>
                                         <p:tgtEl>
-                                          <p:spTgt spid="381"/>
+                                          <p:spTgt spid="424"/>
                                         </p:tgtEl>
                                       </p:cBhvr>
                                     </p:animEffect>
@@ -30064,7 +30161,7 @@
                                           </p:stCondLst>
                                         </p:cTn>
                                         <p:tgtEl>
-                                          <p:spTgt spid="382"/>
+                                          <p:spTgt spid="425"/>
                                         </p:tgtEl>
                                         <p:attrNameLst>
                                           <p:attrName>style.visibility</p:attrName>
@@ -30078,7 +30175,7 @@
                                       <p:cBhvr>
                                         <p:cTn id="403" dur="500"/>
                                         <p:tgtEl>
-                                          <p:spTgt spid="382"/>
+                                          <p:spTgt spid="425"/>
                                         </p:tgtEl>
                                       </p:cBhvr>
                                     </p:animEffect>
@@ -30099,7 +30196,7 @@
                                           </p:stCondLst>
                                         </p:cTn>
                                         <p:tgtEl>
-                                          <p:spTgt spid="383"/>
+                                          <p:spTgt spid="426"/>
                                         </p:tgtEl>
                                         <p:attrNameLst>
                                           <p:attrName>style.visibility</p:attrName>
@@ -30113,7 +30210,7 @@
                                       <p:cBhvr>
                                         <p:cTn id="406" dur="500"/>
                                         <p:tgtEl>
-                                          <p:spTgt spid="383"/>
+                                          <p:spTgt spid="426"/>
                                         </p:tgtEl>
                                       </p:cBhvr>
                                     </p:animEffect>
@@ -30134,7 +30231,7 @@
                                           </p:stCondLst>
                                         </p:cTn>
                                         <p:tgtEl>
-                                          <p:spTgt spid="384"/>
+                                          <p:spTgt spid="427"/>
                                         </p:tgtEl>
                                         <p:attrNameLst>
                                           <p:attrName>style.visibility</p:attrName>
@@ -30148,7 +30245,7 @@
                                       <p:cBhvr>
                                         <p:cTn id="409" dur="500"/>
                                         <p:tgtEl>
-                                          <p:spTgt spid="384"/>
+                                          <p:spTgt spid="427"/>
                                         </p:tgtEl>
                                       </p:cBhvr>
                                     </p:animEffect>
@@ -30169,7 +30266,7 @@
                                           </p:stCondLst>
                                         </p:cTn>
                                         <p:tgtEl>
-                                          <p:spTgt spid="385"/>
+                                          <p:spTgt spid="428"/>
                                         </p:tgtEl>
                                         <p:attrNameLst>
                                           <p:attrName>style.visibility</p:attrName>
@@ -30183,7 +30280,7 @@
                                       <p:cBhvr>
                                         <p:cTn id="412" dur="500"/>
                                         <p:tgtEl>
-                                          <p:spTgt spid="385"/>
+                                          <p:spTgt spid="428"/>
                                         </p:tgtEl>
                                       </p:cBhvr>
                                     </p:animEffect>
@@ -30204,7 +30301,7 @@
                                           </p:stCondLst>
                                         </p:cTn>
                                         <p:tgtEl>
-                                          <p:spTgt spid="386"/>
+                                          <p:spTgt spid="429"/>
                                         </p:tgtEl>
                                         <p:attrNameLst>
                                           <p:attrName>style.visibility</p:attrName>
@@ -30218,7 +30315,7 @@
                                       <p:cBhvr>
                                         <p:cTn id="415" dur="500"/>
                                         <p:tgtEl>
-                                          <p:spTgt spid="386"/>
+                                          <p:spTgt spid="429"/>
                                         </p:tgtEl>
                                       </p:cBhvr>
                                     </p:animEffect>
@@ -30239,7 +30336,7 @@
                                           </p:stCondLst>
                                         </p:cTn>
                                         <p:tgtEl>
-                                          <p:spTgt spid="387"/>
+                                          <p:spTgt spid="431"/>
                                         </p:tgtEl>
                                         <p:attrNameLst>
                                           <p:attrName>style.visibility</p:attrName>
@@ -30253,7 +30350,7 @@
                                       <p:cBhvr>
                                         <p:cTn id="418" dur="500"/>
                                         <p:tgtEl>
-                                          <p:spTgt spid="387"/>
+                                          <p:spTgt spid="431"/>
                                         </p:tgtEl>
                                       </p:cBhvr>
                                     </p:animEffect>
@@ -30261,7 +30358,7 @@
                                 </p:cTn>
                               </p:par>
                               <p:par>
-                                <p:cTn id="419" presetID="9" presetClass="entr" presetSubtype="0" fill="hold" nodeType="withEffect">
+                                <p:cTn id="419" presetID="9" presetClass="entr" presetSubtype="0" fill="hold" grpId="0" nodeType="withEffect">
                                   <p:stCondLst>
                                     <p:cond delay="0"/>
                                   </p:stCondLst>
@@ -30274,7 +30371,7 @@
                                           </p:stCondLst>
                                         </p:cTn>
                                         <p:tgtEl>
-                                          <p:spTgt spid="388"/>
+                                          <p:spTgt spid="432"/>
                                         </p:tgtEl>
                                         <p:attrNameLst>
                                           <p:attrName>style.visibility</p:attrName>
@@ -30288,7 +30385,7 @@
                                       <p:cBhvr>
                                         <p:cTn id="421" dur="500"/>
                                         <p:tgtEl>
-                                          <p:spTgt spid="388"/>
+                                          <p:spTgt spid="432"/>
                                         </p:tgtEl>
                                       </p:cBhvr>
                                     </p:animEffect>
@@ -30296,7 +30393,7 @@
                                 </p:cTn>
                               </p:par>
                               <p:par>
-                                <p:cTn id="422" presetID="9" presetClass="entr" presetSubtype="0" fill="hold" grpId="0" nodeType="withEffect">
+                                <p:cTn id="422" presetID="9" presetClass="entr" presetSubtype="0" fill="hold" nodeType="withEffect">
                                   <p:stCondLst>
                                     <p:cond delay="0"/>
                                   </p:stCondLst>
@@ -30309,7 +30406,7 @@
                                           </p:stCondLst>
                                         </p:cTn>
                                         <p:tgtEl>
-                                          <p:spTgt spid="389"/>
+                                          <p:spTgt spid="433"/>
                                         </p:tgtEl>
                                         <p:attrNameLst>
                                           <p:attrName>style.visibility</p:attrName>
@@ -30323,7 +30420,7 @@
                                       <p:cBhvr>
                                         <p:cTn id="424" dur="500"/>
                                         <p:tgtEl>
-                                          <p:spTgt spid="389"/>
+                                          <p:spTgt spid="433"/>
                                         </p:tgtEl>
                                       </p:cBhvr>
                                     </p:animEffect>
@@ -30331,7 +30428,7 @@
                                 </p:cTn>
                               </p:par>
                               <p:par>
-                                <p:cTn id="425" presetID="9" presetClass="entr" presetSubtype="0" fill="hold" nodeType="withEffect">
+                                <p:cTn id="425" presetID="9" presetClass="entr" presetSubtype="0" fill="hold" grpId="0" nodeType="withEffect">
                                   <p:stCondLst>
                                     <p:cond delay="0"/>
                                   </p:stCondLst>
@@ -30344,7 +30441,7 @@
                                           </p:stCondLst>
                                         </p:cTn>
                                         <p:tgtEl>
-                                          <p:spTgt spid="390"/>
+                                          <p:spTgt spid="434"/>
                                         </p:tgtEl>
                                         <p:attrNameLst>
                                           <p:attrName>style.visibility</p:attrName>
@@ -30358,7 +30455,7 @@
                                       <p:cBhvr>
                                         <p:cTn id="427" dur="500"/>
                                         <p:tgtEl>
-                                          <p:spTgt spid="390"/>
+                                          <p:spTgt spid="434"/>
                                         </p:tgtEl>
                                       </p:cBhvr>
                                     </p:animEffect>
@@ -30366,7 +30463,7 @@
                                 </p:cTn>
                               </p:par>
                               <p:par>
-                                <p:cTn id="428" presetID="9" presetClass="entr" presetSubtype="0" fill="hold" grpId="0" nodeType="withEffect">
+                                <p:cTn id="428" presetID="9" presetClass="entr" presetSubtype="0" fill="hold" nodeType="withEffect">
                                   <p:stCondLst>
                                     <p:cond delay="0"/>
                                   </p:stCondLst>
@@ -30379,7 +30476,7 @@
                                           </p:stCondLst>
                                         </p:cTn>
                                         <p:tgtEl>
-                                          <p:spTgt spid="391"/>
+                                          <p:spTgt spid="435"/>
                                         </p:tgtEl>
                                         <p:attrNameLst>
                                           <p:attrName>style.visibility</p:attrName>
@@ -30393,7 +30490,7 @@
                                       <p:cBhvr>
                                         <p:cTn id="430" dur="500"/>
                                         <p:tgtEl>
-                                          <p:spTgt spid="391"/>
+                                          <p:spTgt spid="435"/>
                                         </p:tgtEl>
                                       </p:cBhvr>
                                     </p:animEffect>
@@ -30401,7 +30498,7 @@
                                 </p:cTn>
                               </p:par>
                               <p:par>
-                                <p:cTn id="431" presetID="9" presetClass="entr" presetSubtype="0" fill="hold" nodeType="withEffect">
+                                <p:cTn id="431" presetID="9" presetClass="entr" presetSubtype="0" fill="hold" grpId="0" nodeType="withEffect">
                                   <p:stCondLst>
                                     <p:cond delay="0"/>
                                   </p:stCondLst>
@@ -30414,7 +30511,7 @@
                                           </p:stCondLst>
                                         </p:cTn>
                                         <p:tgtEl>
-                                          <p:spTgt spid="392"/>
+                                          <p:spTgt spid="438"/>
                                         </p:tgtEl>
                                         <p:attrNameLst>
                                           <p:attrName>style.visibility</p:attrName>
@@ -30428,7 +30525,7 @@
                                       <p:cBhvr>
                                         <p:cTn id="433" dur="500"/>
                                         <p:tgtEl>
-                                          <p:spTgt spid="392"/>
+                                          <p:spTgt spid="438"/>
                                         </p:tgtEl>
                                       </p:cBhvr>
                                     </p:animEffect>
@@ -30449,7 +30546,7 @@
                                           </p:stCondLst>
                                         </p:cTn>
                                         <p:tgtEl>
-                                          <p:spTgt spid="393"/>
+                                          <p:spTgt spid="439"/>
                                         </p:tgtEl>
                                         <p:attrNameLst>
                                           <p:attrName>style.visibility</p:attrName>
@@ -30463,7 +30560,7 @@
                                       <p:cBhvr>
                                         <p:cTn id="436" dur="500"/>
                                         <p:tgtEl>
-                                          <p:spTgt spid="393"/>
+                                          <p:spTgt spid="439"/>
                                         </p:tgtEl>
                                       </p:cBhvr>
                                     </p:animEffect>
@@ -30484,7 +30581,7 @@
                                           </p:stCondLst>
                                         </p:cTn>
                                         <p:tgtEl>
-                                          <p:spTgt spid="394"/>
+                                          <p:spTgt spid="440"/>
                                         </p:tgtEl>
                                         <p:attrNameLst>
                                           <p:attrName>style.visibility</p:attrName>
@@ -30498,7 +30595,7 @@
                                       <p:cBhvr>
                                         <p:cTn id="439" dur="500"/>
                                         <p:tgtEl>
-                                          <p:spTgt spid="394"/>
+                                          <p:spTgt spid="440"/>
                                         </p:tgtEl>
                                       </p:cBhvr>
                                     </p:animEffect>
@@ -30506,7 +30603,7 @@
                                 </p:cTn>
                               </p:par>
                               <p:par>
-                                <p:cTn id="440" presetID="9" presetClass="entr" presetSubtype="0" fill="hold" grpId="0" nodeType="withEffect">
+                                <p:cTn id="440" presetID="9" presetClass="entr" presetSubtype="0" fill="hold" nodeType="withEffect">
                                   <p:stCondLst>
                                     <p:cond delay="0"/>
                                   </p:stCondLst>
@@ -30519,7 +30616,7 @@
                                           </p:stCondLst>
                                         </p:cTn>
                                         <p:tgtEl>
-                                          <p:spTgt spid="395"/>
+                                          <p:spTgt spid="441"/>
                                         </p:tgtEl>
                                         <p:attrNameLst>
                                           <p:attrName>style.visibility</p:attrName>
@@ -30533,7 +30630,7 @@
                                       <p:cBhvr>
                                         <p:cTn id="442" dur="500"/>
                                         <p:tgtEl>
-                                          <p:spTgt spid="395"/>
+                                          <p:spTgt spid="441"/>
                                         </p:tgtEl>
                                       </p:cBhvr>
                                     </p:animEffect>
@@ -30541,7 +30638,7 @@
                                 </p:cTn>
                               </p:par>
                               <p:par>
-                                <p:cTn id="443" presetID="9" presetClass="entr" presetSubtype="0" fill="hold" nodeType="withEffect">
+                                <p:cTn id="443" presetID="9" presetClass="entr" presetSubtype="0" fill="hold" grpId="0" nodeType="withEffect">
                                   <p:stCondLst>
                                     <p:cond delay="0"/>
                                   </p:stCondLst>
@@ -30554,7 +30651,7 @@
                                           </p:stCondLst>
                                         </p:cTn>
                                         <p:tgtEl>
-                                          <p:spTgt spid="397"/>
+                                          <p:spTgt spid="442"/>
                                         </p:tgtEl>
                                         <p:attrNameLst>
                                           <p:attrName>style.visibility</p:attrName>
@@ -30568,7 +30665,7 @@
                                       <p:cBhvr>
                                         <p:cTn id="445" dur="500"/>
                                         <p:tgtEl>
-                                          <p:spTgt spid="397"/>
+                                          <p:spTgt spid="442"/>
                                         </p:tgtEl>
                                       </p:cBhvr>
                                     </p:animEffect>
@@ -30589,7 +30686,7 @@
                                           </p:stCondLst>
                                         </p:cTn>
                                         <p:tgtEl>
-                                          <p:spTgt spid="398"/>
+                                          <p:spTgt spid="443"/>
                                         </p:tgtEl>
                                         <p:attrNameLst>
                                           <p:attrName>style.visibility</p:attrName>
@@ -30603,7 +30700,7 @@
                                       <p:cBhvr>
                                         <p:cTn id="448" dur="500"/>
                                         <p:tgtEl>
-                                          <p:spTgt spid="398"/>
+                                          <p:spTgt spid="443"/>
                                         </p:tgtEl>
                                       </p:cBhvr>
                                     </p:animEffect>
@@ -30624,7 +30721,7 @@
                                           </p:stCondLst>
                                         </p:cTn>
                                         <p:tgtEl>
-                                          <p:spTgt spid="399"/>
+                                          <p:spTgt spid="446"/>
                                         </p:tgtEl>
                                         <p:attrNameLst>
                                           <p:attrName>style.visibility</p:attrName>
@@ -30638,7 +30735,7 @@
                                       <p:cBhvr>
                                         <p:cTn id="451" dur="500"/>
                                         <p:tgtEl>
-                                          <p:spTgt spid="399"/>
+                                          <p:spTgt spid="446"/>
                                         </p:tgtEl>
                                       </p:cBhvr>
                                     </p:animEffect>
@@ -30659,7 +30756,7 @@
                                           </p:stCondLst>
                                         </p:cTn>
                                         <p:tgtEl>
-                                          <p:spTgt spid="402"/>
+                                          <p:spTgt spid="445"/>
                                         </p:tgtEl>
                                         <p:attrNameLst>
                                           <p:attrName>style.visibility</p:attrName>
@@ -30673,7 +30770,7 @@
                                       <p:cBhvr>
                                         <p:cTn id="454" dur="500"/>
                                         <p:tgtEl>
-                                          <p:spTgt spid="402"/>
+                                          <p:spTgt spid="445"/>
                                         </p:tgtEl>
                                       </p:cBhvr>
                                     </p:animEffect>
@@ -30694,7 +30791,7 @@
                                           </p:stCondLst>
                                         </p:cTn>
                                         <p:tgtEl>
-                                          <p:spTgt spid="403"/>
+                                          <p:spTgt spid="447"/>
                                         </p:tgtEl>
                                         <p:attrNameLst>
                                           <p:attrName>style.visibility</p:attrName>
@@ -30708,7 +30805,7 @@
                                       <p:cBhvr>
                                         <p:cTn id="457" dur="500"/>
                                         <p:tgtEl>
-                                          <p:spTgt spid="403"/>
+                                          <p:spTgt spid="447"/>
                                         </p:tgtEl>
                                       </p:cBhvr>
                                     </p:animEffect>
@@ -30729,7 +30826,7 @@
                                           </p:stCondLst>
                                         </p:cTn>
                                         <p:tgtEl>
-                                          <p:spTgt spid="404"/>
+                                          <p:spTgt spid="448"/>
                                         </p:tgtEl>
                                         <p:attrNameLst>
                                           <p:attrName>style.visibility</p:attrName>
@@ -30743,7 +30840,7 @@
                                       <p:cBhvr>
                                         <p:cTn id="460" dur="500"/>
                                         <p:tgtEl>
-                                          <p:spTgt spid="404"/>
+                                          <p:spTgt spid="448"/>
                                         </p:tgtEl>
                                       </p:cBhvr>
                                     </p:animEffect>
@@ -30751,7 +30848,7 @@
                                 </p:cTn>
                               </p:par>
                               <p:par>
-                                <p:cTn id="461" presetID="9" presetClass="entr" presetSubtype="0" fill="hold" grpId="0" nodeType="withEffect">
+                                <p:cTn id="461" presetID="9" presetClass="entr" presetSubtype="0" fill="hold" nodeType="withEffect">
                                   <p:stCondLst>
                                     <p:cond delay="0"/>
                                   </p:stCondLst>
@@ -30764,7 +30861,7 @@
                                           </p:stCondLst>
                                         </p:cTn>
                                         <p:tgtEl>
-                                          <p:spTgt spid="401"/>
+                                          <p:spTgt spid="449"/>
                                         </p:tgtEl>
                                         <p:attrNameLst>
                                           <p:attrName>style.visibility</p:attrName>
@@ -30778,7 +30875,7 @@
                                       <p:cBhvr>
                                         <p:cTn id="463" dur="500"/>
                                         <p:tgtEl>
-                                          <p:spTgt spid="401"/>
+                                          <p:spTgt spid="449"/>
                                         </p:tgtEl>
                                       </p:cBhvr>
                                     </p:animEffect>
@@ -30786,7 +30883,7 @@
                                 </p:cTn>
                               </p:par>
                               <p:par>
-                                <p:cTn id="464" presetID="9" presetClass="entr" presetSubtype="0" fill="hold" grpId="0" nodeType="withEffect">
+                                <p:cTn id="464" presetID="9" presetClass="entr" presetSubtype="0" fill="hold" nodeType="withEffect">
                                   <p:stCondLst>
                                     <p:cond delay="0"/>
                                   </p:stCondLst>
@@ -30799,7 +30896,7 @@
                                           </p:stCondLst>
                                         </p:cTn>
                                         <p:tgtEl>
-                                          <p:spTgt spid="231"/>
+                                          <p:spTgt spid="450"/>
                                         </p:tgtEl>
                                         <p:attrNameLst>
                                           <p:attrName>style.visibility</p:attrName>
@@ -30813,7 +30910,112 @@
                                       <p:cBhvr>
                                         <p:cTn id="466" dur="500"/>
                                         <p:tgtEl>
-                                          <p:spTgt spid="231"/>
+                                          <p:spTgt spid="450"/>
+                                        </p:tgtEl>
+                                      </p:cBhvr>
+                                    </p:animEffect>
+                                  </p:childTnLst>
+                                </p:cTn>
+                              </p:par>
+                              <p:par>
+                                <p:cTn id="467" presetID="9" presetClass="entr" presetSubtype="0" fill="hold" nodeType="withEffect">
+                                  <p:stCondLst>
+                                    <p:cond delay="0"/>
+                                  </p:stCondLst>
+                                  <p:childTnLst>
+                                    <p:set>
+                                      <p:cBhvr>
+                                        <p:cTn id="468" dur="1" fill="hold">
+                                          <p:stCondLst>
+                                            <p:cond delay="0"/>
+                                          </p:stCondLst>
+                                        </p:cTn>
+                                        <p:tgtEl>
+                                          <p:spTgt spid="451"/>
+                                        </p:tgtEl>
+                                        <p:attrNameLst>
+                                          <p:attrName>style.visibility</p:attrName>
+                                        </p:attrNameLst>
+                                      </p:cBhvr>
+                                      <p:to>
+                                        <p:strVal val="visible"/>
+                                      </p:to>
+                                    </p:set>
+                                    <p:animEffect transition="in" filter="dissolve">
+                                      <p:cBhvr>
+                                        <p:cTn id="469" dur="500"/>
+                                        <p:tgtEl>
+                                          <p:spTgt spid="451"/>
+                                        </p:tgtEl>
+                                      </p:cBhvr>
+                                    </p:animEffect>
+                                  </p:childTnLst>
+                                </p:cTn>
+                              </p:par>
+                              <p:par>
+                                <p:cTn id="470" presetID="9" presetClass="entr" presetSubtype="0" fill="hold" nodeType="withEffect">
+                                  <p:stCondLst>
+                                    <p:cond delay="0"/>
+                                  </p:stCondLst>
+                                  <p:childTnLst>
+                                    <p:set>
+                                      <p:cBhvr>
+                                        <p:cTn id="471" dur="1" fill="hold">
+                                          <p:stCondLst>
+                                            <p:cond delay="0"/>
+                                          </p:stCondLst>
+                                        </p:cTn>
+                                        <p:tgtEl>
+                                          <p:spTgt spid="452"/>
+                                        </p:tgtEl>
+                                        <p:attrNameLst>
+                                          <p:attrName>style.visibility</p:attrName>
+                                        </p:attrNameLst>
+                                      </p:cBhvr>
+                                      <p:to>
+                                        <p:strVal val="visible"/>
+                                      </p:to>
+                                    </p:set>
+                                    <p:animEffect transition="in" filter="dissolve">
+                                      <p:cBhvr>
+                                        <p:cTn id="472" dur="500"/>
+                                        <p:tgtEl>
+                                          <p:spTgt spid="452"/>
+                                        </p:tgtEl>
+                                      </p:cBhvr>
+                                    </p:animEffect>
+                                  </p:childTnLst>
+                                </p:cTn>
+                              </p:par>
+                              <p:par>
+                                <p:cTn id="473" presetID="9" presetClass="entr" presetSubtype="0" fill="hold" grpId="0" nodeType="withEffect">
+                                  <p:stCondLst>
+                                    <p:cond delay="0"/>
+                                  </p:stCondLst>
+                                  <p:childTnLst>
+                                    <p:set>
+                                      <p:cBhvr>
+                                        <p:cTn id="474" dur="1" fill="hold">
+                                          <p:stCondLst>
+                                            <p:cond delay="0"/>
+                                          </p:stCondLst>
+                                        </p:cTn>
+                                        <p:tgtEl>
+                                          <p:spTgt spid="232"/>
+                                        </p:tgtEl>
+                                        <p:attrNameLst>
+                                          <p:attrName>style.visibility</p:attrName>
+                                        </p:attrNameLst>
+                                      </p:cBhvr>
+                                      <p:to>
+                                        <p:strVal val="visible"/>
+                                      </p:to>
+                                    </p:set>
+                                    <p:animEffect transition="in" filter="dissolve">
+                                      <p:cBhvr>
+                                        <p:cTn id="475" dur="500"/>
+                                        <p:tgtEl>
+                                          <p:spTgt spid="232"/>
                                         </p:tgtEl>
                                       </p:cBhvr>
                                     </p:animEffect>
@@ -30827,32 +31029,32 @@
                     </p:cTn>
                   </p:par>
                   <p:par>
-                    <p:cTn id="467" fill="hold">
+                    <p:cTn id="476" fill="hold">
                       <p:stCondLst>
                         <p:cond delay="indefinite"/>
                       </p:stCondLst>
                       <p:childTnLst>
                         <p:par>
-                          <p:cTn id="468" fill="hold">
+                          <p:cTn id="477" fill="hold">
                             <p:stCondLst>
                               <p:cond delay="0"/>
                             </p:stCondLst>
                             <p:childTnLst>
                               <p:par>
-                                <p:cTn id="469" presetID="9" presetClass="entr" presetSubtype="0" fill="hold" grpId="0" nodeType="clickEffect">
+                                <p:cTn id="478" presetID="9" presetClass="entr" presetSubtype="0" fill="hold" grpId="1" nodeType="clickEffect">
                                   <p:stCondLst>
                                     <p:cond delay="0"/>
                                   </p:stCondLst>
                                   <p:childTnLst>
                                     <p:set>
                                       <p:cBhvr>
-                                        <p:cTn id="470" dur="1" fill="hold">
+                                        <p:cTn id="479" dur="1" fill="hold">
                                           <p:stCondLst>
                                             <p:cond delay="0"/>
                                           </p:stCondLst>
                                         </p:cTn>
                                         <p:tgtEl>
-                                          <p:spTgt spid="409"/>
+                                          <p:spTgt spid="3"/>
                                         </p:tgtEl>
                                         <p:attrNameLst>
                                           <p:attrName>style.visibility</p:attrName>
@@ -30864,9 +31066,9 @@
                                     </p:set>
                                     <p:animEffect transition="in" filter="dissolve">
                                       <p:cBhvr>
-                                        <p:cTn id="471" dur="500"/>
-                                        <p:tgtEl>
-                                          <p:spTgt spid="409"/>
+                                        <p:cTn id="480" dur="500"/>
+                                        <p:tgtEl>
+                                          <p:spTgt spid="3"/>
                                         </p:tgtEl>
                                       </p:cBhvr>
                                     </p:animEffect>
@@ -30874,20 +31076,20 @@
                                 </p:cTn>
                               </p:par>
                               <p:par>
-                                <p:cTn id="472" presetID="9" presetClass="entr" presetSubtype="0" fill="hold" grpId="0" nodeType="withEffect">
+                                <p:cTn id="481" presetID="9" presetClass="entr" presetSubtype="0" fill="hold" grpId="0" nodeType="withEffect">
                                   <p:stCondLst>
                                     <p:cond delay="0"/>
                                   </p:stCondLst>
                                   <p:childTnLst>
                                     <p:set>
                                       <p:cBhvr>
-                                        <p:cTn id="473" dur="1" fill="hold">
+                                        <p:cTn id="482" dur="1" fill="hold">
                                           <p:stCondLst>
                                             <p:cond delay="0"/>
                                           </p:stCondLst>
                                         </p:cTn>
                                         <p:tgtEl>
-                                          <p:spTgt spid="410"/>
+                                          <p:spTgt spid="203"/>
                                         </p:tgtEl>
                                         <p:attrNameLst>
                                           <p:attrName>style.visibility</p:attrName>
@@ -30899,9 +31101,9 @@
                                     </p:set>
                                     <p:animEffect transition="in" filter="dissolve">
                                       <p:cBhvr>
-                                        <p:cTn id="474" dur="500"/>
-                                        <p:tgtEl>
-                                          <p:spTgt spid="410"/>
+                                        <p:cTn id="483" dur="500"/>
+                                        <p:tgtEl>
+                                          <p:spTgt spid="203"/>
                                         </p:tgtEl>
                                       </p:cBhvr>
                                     </p:animEffect>
@@ -30909,20 +31111,20 @@
                                 </p:cTn>
                               </p:par>
                               <p:par>
-                                <p:cTn id="475" presetID="9" presetClass="entr" presetSubtype="0" fill="hold" nodeType="withEffect">
+                                <p:cTn id="484" presetID="9" presetClass="entr" presetSubtype="0" fill="hold" grpId="0" nodeType="withEffect">
                                   <p:stCondLst>
                                     <p:cond delay="0"/>
                                   </p:stCondLst>
                                   <p:childTnLst>
                                     <p:set>
                                       <p:cBhvr>
-                                        <p:cTn id="476" dur="1" fill="hold">
+                                        <p:cTn id="485" dur="1" fill="hold">
                                           <p:stCondLst>
                                             <p:cond delay="0"/>
                                           </p:stCondLst>
                                         </p:cTn>
                                         <p:tgtEl>
-                                          <p:spTgt spid="411"/>
+                                          <p:spTgt spid="13"/>
                                         </p:tgtEl>
                                         <p:attrNameLst>
                                           <p:attrName>style.visibility</p:attrName>
@@ -30934,114 +31136,9 @@
                                     </p:set>
                                     <p:animEffect transition="in" filter="dissolve">
                                       <p:cBhvr>
-                                        <p:cTn id="477" dur="500"/>
-                                        <p:tgtEl>
-                                          <p:spTgt spid="411"/>
-                                        </p:tgtEl>
-                                      </p:cBhvr>
-                                    </p:animEffect>
-                                  </p:childTnLst>
-                                </p:cTn>
-                              </p:par>
-                              <p:par>
-                                <p:cTn id="478" presetID="9" presetClass="entr" presetSubtype="0" fill="hold" grpId="0" nodeType="withEffect">
-                                  <p:stCondLst>
-                                    <p:cond delay="0"/>
-                                  </p:stCondLst>
-                                  <p:childTnLst>
-                                    <p:set>
-                                      <p:cBhvr>
-                                        <p:cTn id="479" dur="1" fill="hold">
-                                          <p:stCondLst>
-                                            <p:cond delay="0"/>
-                                          </p:stCondLst>
-                                        </p:cTn>
-                                        <p:tgtEl>
-                                          <p:spTgt spid="412"/>
-                                        </p:tgtEl>
-                                        <p:attrNameLst>
-                                          <p:attrName>style.visibility</p:attrName>
-                                        </p:attrNameLst>
-                                      </p:cBhvr>
-                                      <p:to>
-                                        <p:strVal val="visible"/>
-                                      </p:to>
-                                    </p:set>
-                                    <p:animEffect transition="in" filter="dissolve">
-                                      <p:cBhvr>
-                                        <p:cTn id="480" dur="500"/>
-                                        <p:tgtEl>
-                                          <p:spTgt spid="412"/>
-                                        </p:tgtEl>
-                                      </p:cBhvr>
-                                    </p:animEffect>
-                                  </p:childTnLst>
-                                </p:cTn>
-                              </p:par>
-                              <p:par>
-                                <p:cTn id="481" presetID="9" presetClass="entr" presetSubtype="0" fill="hold" nodeType="withEffect">
-                                  <p:stCondLst>
-                                    <p:cond delay="0"/>
-                                  </p:stCondLst>
-                                  <p:childTnLst>
-                                    <p:set>
-                                      <p:cBhvr>
-                                        <p:cTn id="482" dur="1" fill="hold">
-                                          <p:stCondLst>
-                                            <p:cond delay="0"/>
-                                          </p:stCondLst>
-                                        </p:cTn>
-                                        <p:tgtEl>
-                                          <p:spTgt spid="413"/>
-                                        </p:tgtEl>
-                                        <p:attrNameLst>
-                                          <p:attrName>style.visibility</p:attrName>
-                                        </p:attrNameLst>
-                                      </p:cBhvr>
-                                      <p:to>
-                                        <p:strVal val="visible"/>
-                                      </p:to>
-                                    </p:set>
-                                    <p:animEffect transition="in" filter="dissolve">
-                                      <p:cBhvr>
-                                        <p:cTn id="483" dur="500"/>
-                                        <p:tgtEl>
-                                          <p:spTgt spid="413"/>
-                                        </p:tgtEl>
-                                      </p:cBhvr>
-                                    </p:animEffect>
-                                  </p:childTnLst>
-                                </p:cTn>
-                              </p:par>
-                              <p:par>
-                                <p:cTn id="484" presetID="9" presetClass="entr" presetSubtype="0" fill="hold" nodeType="withEffect">
-                                  <p:stCondLst>
-                                    <p:cond delay="0"/>
-                                  </p:stCondLst>
-                                  <p:childTnLst>
-                                    <p:set>
-                                      <p:cBhvr>
-                                        <p:cTn id="485" dur="1" fill="hold">
-                                          <p:stCondLst>
-                                            <p:cond delay="0"/>
-                                          </p:stCondLst>
-                                        </p:cTn>
-                                        <p:tgtEl>
-                                          <p:spTgt spid="414"/>
-                                        </p:tgtEl>
-                                        <p:attrNameLst>
-                                          <p:attrName>style.visibility</p:attrName>
-                                        </p:attrNameLst>
-                                      </p:cBhvr>
-                                      <p:to>
-                                        <p:strVal val="visible"/>
-                                      </p:to>
-                                    </p:set>
-                                    <p:animEffect transition="in" filter="dissolve">
-                                      <p:cBhvr>
                                         <p:cTn id="486" dur="500"/>
                                         <p:tgtEl>
-                                          <p:spTgt spid="414"/>
+                                          <p:spTgt spid="13"/>
                                         </p:tgtEl>
                                       </p:cBhvr>
                                     </p:animEffect>
@@ -31062,7 +31159,7 @@
                                           </p:stCondLst>
                                         </p:cTn>
                                         <p:tgtEl>
-                                          <p:spTgt spid="415"/>
+                                          <p:spTgt spid="204"/>
                                         </p:tgtEl>
                                         <p:attrNameLst>
                                           <p:attrName>style.visibility</p:attrName>
@@ -31076,7 +31173,7 @@
                                       <p:cBhvr>
                                         <p:cTn id="489" dur="500"/>
                                         <p:tgtEl>
-                                          <p:spTgt spid="415"/>
+                                          <p:spTgt spid="204"/>
                                         </p:tgtEl>
                                       </p:cBhvr>
                                     </p:animEffect>
@@ -31084,7 +31181,7 @@
                                 </p:cTn>
                               </p:par>
                               <p:par>
-                                <p:cTn id="490" presetID="9" presetClass="entr" presetSubtype="0" fill="hold" nodeType="withEffect">
+                                <p:cTn id="490" presetID="9" presetClass="entr" presetSubtype="0" fill="hold" grpId="0" nodeType="withEffect">
                                   <p:stCondLst>
                                     <p:cond delay="0"/>
                                   </p:stCondLst>
@@ -31097,7 +31194,7 @@
                                           </p:stCondLst>
                                         </p:cTn>
                                         <p:tgtEl>
-                                          <p:spTgt spid="416"/>
+                                          <p:spTgt spid="205"/>
                                         </p:tgtEl>
                                         <p:attrNameLst>
                                           <p:attrName>style.visibility</p:attrName>
@@ -31111,7 +31208,7 @@
                                       <p:cBhvr>
                                         <p:cTn id="492" dur="500"/>
                                         <p:tgtEl>
-                                          <p:spTgt spid="416"/>
+                                          <p:spTgt spid="205"/>
                                         </p:tgtEl>
                                       </p:cBhvr>
                                     </p:animEffect>
@@ -31132,7 +31229,7 @@
                                           </p:stCondLst>
                                         </p:cTn>
                                         <p:tgtEl>
-                                          <p:spTgt spid="417"/>
+                                          <p:spTgt spid="206"/>
                                         </p:tgtEl>
                                         <p:attrNameLst>
                                           <p:attrName>style.visibility</p:attrName>
@@ -31146,7 +31243,7 @@
                                       <p:cBhvr>
                                         <p:cTn id="495" dur="500"/>
                                         <p:tgtEl>
-                                          <p:spTgt spid="417"/>
+                                          <p:spTgt spid="206"/>
                                         </p:tgtEl>
                                       </p:cBhvr>
                                     </p:animEffect>
@@ -31167,7 +31264,7 @@
                                           </p:stCondLst>
                                         </p:cTn>
                                         <p:tgtEl>
-                                          <p:spTgt spid="418"/>
+                                          <p:spTgt spid="209"/>
                                         </p:tgtEl>
                                         <p:attrNameLst>
                                           <p:attrName>style.visibility</p:attrName>
@@ -31181,7 +31278,7 @@
                                       <p:cBhvr>
                                         <p:cTn id="498" dur="500"/>
                                         <p:tgtEl>
-                                          <p:spTgt spid="418"/>
+                                          <p:spTgt spid="209"/>
                                         </p:tgtEl>
                                       </p:cBhvr>
                                     </p:animEffect>
@@ -31202,7 +31299,7 @@
                                           </p:stCondLst>
                                         </p:cTn>
                                         <p:tgtEl>
-                                          <p:spTgt spid="419"/>
+                                          <p:spTgt spid="256"/>
                                         </p:tgtEl>
                                         <p:attrNameLst>
                                           <p:attrName>style.visibility</p:attrName>
@@ -31216,7 +31313,7 @@
                                       <p:cBhvr>
                                         <p:cTn id="501" dur="500"/>
                                         <p:tgtEl>
-                                          <p:spTgt spid="419"/>
+                                          <p:spTgt spid="256"/>
                                         </p:tgtEl>
                                       </p:cBhvr>
                                     </p:animEffect>
@@ -31237,7 +31334,7 @@
                                           </p:stCondLst>
                                         </p:cTn>
                                         <p:tgtEl>
-                                          <p:spTgt spid="420"/>
+                                          <p:spTgt spid="257"/>
                                         </p:tgtEl>
                                         <p:attrNameLst>
                                           <p:attrName>style.visibility</p:attrName>
@@ -31251,7 +31348,7 @@
                                       <p:cBhvr>
                                         <p:cTn id="504" dur="500"/>
                                         <p:tgtEl>
-                                          <p:spTgt spid="420"/>
+                                          <p:spTgt spid="257"/>
                                         </p:tgtEl>
                                       </p:cBhvr>
                                     </p:animEffect>
@@ -31272,7 +31369,7 @@
                                           </p:stCondLst>
                                         </p:cTn>
                                         <p:tgtEl>
-                                          <p:spTgt spid="421"/>
+                                          <p:spTgt spid="258"/>
                                         </p:tgtEl>
                                         <p:attrNameLst>
                                           <p:attrName>style.visibility</p:attrName>
@@ -31286,7 +31383,7 @@
                                       <p:cBhvr>
                                         <p:cTn id="507" dur="500"/>
                                         <p:tgtEl>
-                                          <p:spTgt spid="421"/>
+                                          <p:spTgt spid="258"/>
                                         </p:tgtEl>
                                       </p:cBhvr>
                                     </p:animEffect>
@@ -31307,7 +31404,7 @@
                                           </p:stCondLst>
                                         </p:cTn>
                                         <p:tgtEl>
-                                          <p:spTgt spid="422"/>
+                                          <p:spTgt spid="259"/>
                                         </p:tgtEl>
                                         <p:attrNameLst>
                                           <p:attrName>style.visibility</p:attrName>
@@ -31321,7 +31418,7 @@
                                       <p:cBhvr>
                                         <p:cTn id="510" dur="500"/>
                                         <p:tgtEl>
-                                          <p:spTgt spid="422"/>
+                                          <p:spTgt spid="259"/>
                                         </p:tgtEl>
                                       </p:cBhvr>
                                     </p:animEffect>
@@ -31329,7 +31426,7 @@
                                 </p:cTn>
                               </p:par>
                               <p:par>
-                                <p:cTn id="511" presetID="9" presetClass="entr" presetSubtype="0" fill="hold" grpId="0" nodeType="withEffect">
+                                <p:cTn id="511" presetID="9" presetClass="entr" presetSubtype="0" fill="hold" nodeType="withEffect">
                                   <p:stCondLst>
                                     <p:cond delay="0"/>
                                   </p:stCondLst>
@@ -31342,7 +31439,7 @@
                                           </p:stCondLst>
                                         </p:cTn>
                                         <p:tgtEl>
-                                          <p:spTgt spid="423"/>
+                                          <p:spTgt spid="260"/>
                                         </p:tgtEl>
                                         <p:attrNameLst>
                                           <p:attrName>style.visibility</p:attrName>
@@ -31356,7 +31453,7 @@
                                       <p:cBhvr>
                                         <p:cTn id="513" dur="500"/>
                                         <p:tgtEl>
-                                          <p:spTgt spid="423"/>
+                                          <p:spTgt spid="260"/>
                                         </p:tgtEl>
                                       </p:cBhvr>
                                     </p:animEffect>
@@ -31377,7 +31474,7 @@
                                           </p:stCondLst>
                                         </p:cTn>
                                         <p:tgtEl>
-                                          <p:spTgt spid="424"/>
+                                          <p:spTgt spid="261"/>
                                         </p:tgtEl>
                                         <p:attrNameLst>
                                           <p:attrName>style.visibility</p:attrName>
@@ -31391,7 +31488,7 @@
                                       <p:cBhvr>
                                         <p:cTn id="516" dur="500"/>
                                         <p:tgtEl>
-                                          <p:spTgt spid="424"/>
+                                          <p:spTgt spid="261"/>
                                         </p:tgtEl>
                                       </p:cBhvr>
                                     </p:animEffect>
@@ -31412,7 +31509,7 @@
                                           </p:stCondLst>
                                         </p:cTn>
                                         <p:tgtEl>
-                                          <p:spTgt spid="425"/>
+                                          <p:spTgt spid="263"/>
                                         </p:tgtEl>
                                         <p:attrNameLst>
                                           <p:attrName>style.visibility</p:attrName>
@@ -31426,7 +31523,7 @@
                                       <p:cBhvr>
                                         <p:cTn id="519" dur="500"/>
                                         <p:tgtEl>
-                                          <p:spTgt spid="425"/>
+                                          <p:spTgt spid="263"/>
                                         </p:tgtEl>
                                       </p:cBhvr>
                                     </p:animEffect>
@@ -31447,7 +31544,7 @@
                                           </p:stCondLst>
                                         </p:cTn>
                                         <p:tgtEl>
-                                          <p:spTgt spid="426"/>
+                                          <p:spTgt spid="264"/>
                                         </p:tgtEl>
                                         <p:attrNameLst>
                                           <p:attrName>style.visibility</p:attrName>
@@ -31461,7 +31558,7 @@
                                       <p:cBhvr>
                                         <p:cTn id="522" dur="500"/>
                                         <p:tgtEl>
-                                          <p:spTgt spid="426"/>
+                                          <p:spTgt spid="264"/>
                                         </p:tgtEl>
                                       </p:cBhvr>
                                     </p:animEffect>
@@ -31469,7 +31566,7 @@
                                 </p:cTn>
                               </p:par>
                               <p:par>
-                                <p:cTn id="523" presetID="9" presetClass="entr" presetSubtype="0" fill="hold" nodeType="withEffect">
+                                <p:cTn id="523" presetID="9" presetClass="entr" presetSubtype="0" fill="hold" grpId="0" nodeType="withEffect">
                                   <p:stCondLst>
                                     <p:cond delay="0"/>
                                   </p:stCondLst>
@@ -31482,7 +31579,7 @@
                                           </p:stCondLst>
                                         </p:cTn>
                                         <p:tgtEl>
-                                          <p:spTgt spid="427"/>
+                                          <p:spTgt spid="265"/>
                                         </p:tgtEl>
                                         <p:attrNameLst>
                                           <p:attrName>style.visibility</p:attrName>
@@ -31496,7 +31593,7 @@
                                       <p:cBhvr>
                                         <p:cTn id="525" dur="500"/>
                                         <p:tgtEl>
-                                          <p:spTgt spid="427"/>
+                                          <p:spTgt spid="265"/>
                                         </p:tgtEl>
                                       </p:cBhvr>
                                     </p:animEffect>
@@ -31504,7 +31601,7 @@
                                 </p:cTn>
                               </p:par>
                               <p:par>
-                                <p:cTn id="526" presetID="9" presetClass="entr" presetSubtype="0" fill="hold" grpId="0" nodeType="withEffect">
+                                <p:cTn id="526" presetID="9" presetClass="entr" presetSubtype="0" fill="hold" nodeType="withEffect">
                                   <p:stCondLst>
                                     <p:cond delay="0"/>
                                   </p:stCondLst>
@@ -31517,7 +31614,7 @@
                                           </p:stCondLst>
                                         </p:cTn>
                                         <p:tgtEl>
-                                          <p:spTgt spid="428"/>
+                                          <p:spTgt spid="266"/>
                                         </p:tgtEl>
                                         <p:attrNameLst>
                                           <p:attrName>style.visibility</p:attrName>
@@ -31531,7 +31628,7 @@
                                       <p:cBhvr>
                                         <p:cTn id="528" dur="500"/>
                                         <p:tgtEl>
-                                          <p:spTgt spid="428"/>
+                                          <p:spTgt spid="266"/>
                                         </p:tgtEl>
                                       </p:cBhvr>
                                     </p:animEffect>
@@ -31539,7 +31636,7 @@
                                 </p:cTn>
                               </p:par>
                               <p:par>
-                                <p:cTn id="529" presetID="9" presetClass="entr" presetSubtype="0" fill="hold" grpId="0" nodeType="withEffect">
+                                <p:cTn id="529" presetID="9" presetClass="entr" presetSubtype="0" fill="hold" nodeType="withEffect">
                                   <p:stCondLst>
                                     <p:cond delay="0"/>
                                   </p:stCondLst>
@@ -31552,7 +31649,7 @@
                                           </p:stCondLst>
                                         </p:cTn>
                                         <p:tgtEl>
-                                          <p:spTgt spid="429"/>
+                                          <p:spTgt spid="267"/>
                                         </p:tgtEl>
                                         <p:attrNameLst>
                                           <p:attrName>style.visibility</p:attrName>
@@ -31566,7 +31663,7 @@
                                       <p:cBhvr>
                                         <p:cTn id="531" dur="500"/>
                                         <p:tgtEl>
-                                          <p:spTgt spid="429"/>
+                                          <p:spTgt spid="267"/>
                                         </p:tgtEl>
                                       </p:cBhvr>
                                     </p:animEffect>
@@ -31587,7 +31684,7 @@
                                           </p:stCondLst>
                                         </p:cTn>
                                         <p:tgtEl>
-                                          <p:spTgt spid="431"/>
+                                          <p:spTgt spid="268"/>
                                         </p:tgtEl>
                                         <p:attrNameLst>
                                           <p:attrName>style.visibility</p:attrName>
@@ -31601,7 +31698,7 @@
                                       <p:cBhvr>
                                         <p:cTn id="534" dur="500"/>
                                         <p:tgtEl>
-                                          <p:spTgt spid="431"/>
+                                          <p:spTgt spid="268"/>
                                         </p:tgtEl>
                                       </p:cBhvr>
                                     </p:animEffect>
@@ -31609,7 +31706,7 @@
                                 </p:cTn>
                               </p:par>
                               <p:par>
-                                <p:cTn id="535" presetID="9" presetClass="entr" presetSubtype="0" fill="hold" grpId="0" nodeType="withEffect">
+                                <p:cTn id="535" presetID="9" presetClass="entr" presetSubtype="0" fill="hold" nodeType="withEffect">
                                   <p:stCondLst>
                                     <p:cond delay="0"/>
                                   </p:stCondLst>
@@ -31622,7 +31719,7 @@
                                           </p:stCondLst>
                                         </p:cTn>
                                         <p:tgtEl>
-                                          <p:spTgt spid="432"/>
+                                          <p:spTgt spid="269"/>
                                         </p:tgtEl>
                                         <p:attrNameLst>
                                           <p:attrName>style.visibility</p:attrName>
@@ -31636,7 +31733,7 @@
                                       <p:cBhvr>
                                         <p:cTn id="537" dur="500"/>
                                         <p:tgtEl>
-                                          <p:spTgt spid="432"/>
+                                          <p:spTgt spid="269"/>
                                         </p:tgtEl>
                                       </p:cBhvr>
                                     </p:animEffect>
@@ -31644,7 +31741,7 @@
                                 </p:cTn>
                               </p:par>
                               <p:par>
-                                <p:cTn id="538" presetID="9" presetClass="entr" presetSubtype="0" fill="hold" nodeType="withEffect">
+                                <p:cTn id="538" presetID="9" presetClass="entr" presetSubtype="0" fill="hold" grpId="0" nodeType="withEffect">
                                   <p:stCondLst>
                                     <p:cond delay="0"/>
                                   </p:stCondLst>
@@ -31657,7 +31754,7 @@
                                           </p:stCondLst>
                                         </p:cTn>
                                         <p:tgtEl>
-                                          <p:spTgt spid="433"/>
+                                          <p:spTgt spid="273"/>
                                         </p:tgtEl>
                                         <p:attrNameLst>
                                           <p:attrName>style.visibility</p:attrName>
@@ -31671,7 +31768,7 @@
                                       <p:cBhvr>
                                         <p:cTn id="540" dur="500"/>
                                         <p:tgtEl>
-                                          <p:spTgt spid="433"/>
+                                          <p:spTgt spid="273"/>
                                         </p:tgtEl>
                                       </p:cBhvr>
                                     </p:animEffect>
@@ -31692,7 +31789,7 @@
                                           </p:stCondLst>
                                         </p:cTn>
                                         <p:tgtEl>
-                                          <p:spTgt spid="434"/>
+                                          <p:spTgt spid="274"/>
                                         </p:tgtEl>
                                         <p:attrNameLst>
                                           <p:attrName>style.visibility</p:attrName>
@@ -31706,7 +31803,7 @@
                                       <p:cBhvr>
                                         <p:cTn id="543" dur="500"/>
                                         <p:tgtEl>
-                                          <p:spTgt spid="434"/>
+                                          <p:spTgt spid="274"/>
                                         </p:tgtEl>
                                       </p:cBhvr>
                                     </p:animEffect>
@@ -31727,7 +31824,7 @@
                                           </p:stCondLst>
                                         </p:cTn>
                                         <p:tgtEl>
-                                          <p:spTgt spid="435"/>
+                                          <p:spTgt spid="275"/>
                                         </p:tgtEl>
                                         <p:attrNameLst>
                                           <p:attrName>style.visibility</p:attrName>
@@ -31741,7 +31838,7 @@
                                       <p:cBhvr>
                                         <p:cTn id="546" dur="500"/>
                                         <p:tgtEl>
-                                          <p:spTgt spid="435"/>
+                                          <p:spTgt spid="275"/>
                                         </p:tgtEl>
                                       </p:cBhvr>
                                     </p:animEffect>
@@ -31749,7 +31846,7 @@
                                 </p:cTn>
                               </p:par>
                               <p:par>
-                                <p:cTn id="547" presetID="9" presetClass="entr" presetSubtype="0" fill="hold" grpId="0" nodeType="withEffect">
+                                <p:cTn id="547" presetID="9" presetClass="entr" presetSubtype="0" fill="hold" nodeType="withEffect">
                                   <p:stCondLst>
                                     <p:cond delay="0"/>
                                   </p:stCondLst>
@@ -31762,7 +31859,7 @@
                                           </p:stCondLst>
                                         </p:cTn>
                                         <p:tgtEl>
-                                          <p:spTgt spid="438"/>
+                                          <p:spTgt spid="276"/>
                                         </p:tgtEl>
                                         <p:attrNameLst>
                                           <p:attrName>style.visibility</p:attrName>
@@ -31776,7 +31873,7 @@
                                       <p:cBhvr>
                                         <p:cTn id="549" dur="500"/>
                                         <p:tgtEl>
-                                          <p:spTgt spid="438"/>
+                                          <p:spTgt spid="276"/>
                                         </p:tgtEl>
                                       </p:cBhvr>
                                     </p:animEffect>
@@ -31797,7 +31894,7 @@
                                           </p:stCondLst>
                                         </p:cTn>
                                         <p:tgtEl>
-                                          <p:spTgt spid="439"/>
+                                          <p:spTgt spid="96"/>
                                         </p:tgtEl>
                                         <p:attrNameLst>
                                           <p:attrName>style.visibility</p:attrName>
@@ -31811,7 +31908,7 @@
                                       <p:cBhvr>
                                         <p:cTn id="552" dur="500"/>
                                         <p:tgtEl>
-                                          <p:spTgt spid="439"/>
+                                          <p:spTgt spid="96"/>
                                         </p:tgtEl>
                                       </p:cBhvr>
                                     </p:animEffect>
@@ -31819,7 +31916,7 @@
                                 </p:cTn>
                               </p:par>
                               <p:par>
-                                <p:cTn id="553" presetID="9" presetClass="entr" presetSubtype="0" fill="hold" nodeType="withEffect">
+                                <p:cTn id="553" presetID="9" presetClass="entr" presetSubtype="0" fill="hold" grpId="0" nodeType="withEffect">
                                   <p:stCondLst>
                                     <p:cond delay="0"/>
                                   </p:stCondLst>
@@ -31832,7 +31929,7 @@
                                           </p:stCondLst>
                                         </p:cTn>
                                         <p:tgtEl>
-                                          <p:spTgt spid="440"/>
+                                          <p:spTgt spid="97"/>
                                         </p:tgtEl>
                                         <p:attrNameLst>
                                           <p:attrName>style.visibility</p:attrName>
@@ -31846,7 +31943,7 @@
                                       <p:cBhvr>
                                         <p:cTn id="555" dur="500"/>
                                         <p:tgtEl>
-                                          <p:spTgt spid="440"/>
+                                          <p:spTgt spid="97"/>
                                         </p:tgtEl>
                                       </p:cBhvr>
                                     </p:animEffect>
@@ -31867,7 +31964,7 @@
                                           </p:stCondLst>
                                         </p:cTn>
                                         <p:tgtEl>
-                                          <p:spTgt spid="441"/>
+                                          <p:spTgt spid="98"/>
                                         </p:tgtEl>
                                         <p:attrNameLst>
                                           <p:attrName>style.visibility</p:attrName>
@@ -31881,7 +31978,7 @@
                                       <p:cBhvr>
                                         <p:cTn id="558" dur="500"/>
                                         <p:tgtEl>
-                                          <p:spTgt spid="441"/>
+                                          <p:spTgt spid="98"/>
                                         </p:tgtEl>
                                       </p:cBhvr>
                                     </p:animEffect>
@@ -31889,7 +31986,7 @@
                                 </p:cTn>
                               </p:par>
                               <p:par>
-                                <p:cTn id="559" presetID="9" presetClass="entr" presetSubtype="0" fill="hold" grpId="0" nodeType="withEffect">
+                                <p:cTn id="559" presetID="9" presetClass="entr" presetSubtype="0" fill="hold" nodeType="withEffect">
                                   <p:stCondLst>
                                     <p:cond delay="0"/>
                                   </p:stCondLst>
@@ -31902,7 +31999,7 @@
                                           </p:stCondLst>
                                         </p:cTn>
                                         <p:tgtEl>
-                                          <p:spTgt spid="442"/>
+                                          <p:spTgt spid="100"/>
                                         </p:tgtEl>
                                         <p:attrNameLst>
                                           <p:attrName>style.visibility</p:attrName>
@@ -31916,7 +32013,7 @@
                                       <p:cBhvr>
                                         <p:cTn id="561" dur="500"/>
                                         <p:tgtEl>
-                                          <p:spTgt spid="442"/>
+                                          <p:spTgt spid="100"/>
                                         </p:tgtEl>
                                       </p:cBhvr>
                                     </p:animEffect>
@@ -31937,7 +32034,7 @@
                                           </p:stCondLst>
                                         </p:cTn>
                                         <p:tgtEl>
-                                          <p:spTgt spid="443"/>
+                                          <p:spTgt spid="101"/>
                                         </p:tgtEl>
                                         <p:attrNameLst>
                                           <p:attrName>style.visibility</p:attrName>
@@ -31951,7 +32048,7 @@
                                       <p:cBhvr>
                                         <p:cTn id="564" dur="500"/>
                                         <p:tgtEl>
-                                          <p:spTgt spid="443"/>
+                                          <p:spTgt spid="101"/>
                                         </p:tgtEl>
                                       </p:cBhvr>
                                     </p:animEffect>
@@ -31959,7 +32056,7 @@
                                 </p:cTn>
                               </p:par>
                               <p:par>
-                                <p:cTn id="565" presetID="9" presetClass="entr" presetSubtype="0" fill="hold" nodeType="withEffect">
+                                <p:cTn id="565" presetID="9" presetClass="entr" presetSubtype="0" fill="hold" grpId="0" nodeType="withEffect">
                                   <p:stCondLst>
                                     <p:cond delay="0"/>
                                   </p:stCondLst>
@@ -31972,7 +32069,7 @@
                                           </p:stCondLst>
                                         </p:cTn>
                                         <p:tgtEl>
-                                          <p:spTgt spid="446"/>
+                                          <p:spTgt spid="103"/>
                                         </p:tgtEl>
                                         <p:attrNameLst>
                                           <p:attrName>style.visibility</p:attrName>
@@ -31986,7 +32083,7 @@
                                       <p:cBhvr>
                                         <p:cTn id="567" dur="500"/>
                                         <p:tgtEl>
-                                          <p:spTgt spid="446"/>
+                                          <p:spTgt spid="103"/>
                                         </p:tgtEl>
                                       </p:cBhvr>
                                     </p:animEffect>
@@ -31994,7 +32091,7 @@
                                 </p:cTn>
                               </p:par>
                               <p:par>
-                                <p:cTn id="568" presetID="9" presetClass="entr" presetSubtype="0" fill="hold" grpId="0" nodeType="withEffect">
+                                <p:cTn id="568" presetID="9" presetClass="entr" presetSubtype="0" fill="hold" nodeType="withEffect">
                                   <p:stCondLst>
                                     <p:cond delay="0"/>
                                   </p:stCondLst>
@@ -32007,7 +32104,7 @@
                                           </p:stCondLst>
                                         </p:cTn>
                                         <p:tgtEl>
-                                          <p:spTgt spid="445"/>
+                                          <p:spTgt spid="95"/>
                                         </p:tgtEl>
                                         <p:attrNameLst>
                                           <p:attrName>style.visibility</p:attrName>
@@ -32021,7 +32118,7 @@
                                       <p:cBhvr>
                                         <p:cTn id="570" dur="500"/>
                                         <p:tgtEl>
-                                          <p:spTgt spid="445"/>
+                                          <p:spTgt spid="95"/>
                                         </p:tgtEl>
                                       </p:cBhvr>
                                     </p:animEffect>
@@ -32042,7 +32139,7 @@
                                           </p:stCondLst>
                                         </p:cTn>
                                         <p:tgtEl>
-                                          <p:spTgt spid="447"/>
+                                          <p:spTgt spid="242"/>
                                         </p:tgtEl>
                                         <p:attrNameLst>
                                           <p:attrName>style.visibility</p:attrName>
@@ -32056,7 +32153,7 @@
                                       <p:cBhvr>
                                         <p:cTn id="573" dur="500"/>
                                         <p:tgtEl>
-                                          <p:spTgt spid="447"/>
+                                          <p:spTgt spid="242"/>
                                         </p:tgtEl>
                                       </p:cBhvr>
                                     </p:animEffect>
@@ -32077,7 +32174,7 @@
                                           </p:stCondLst>
                                         </p:cTn>
                                         <p:tgtEl>
-                                          <p:spTgt spid="448"/>
+                                          <p:spTgt spid="243"/>
                                         </p:tgtEl>
                                         <p:attrNameLst>
                                           <p:attrName>style.visibility</p:attrName>
@@ -32091,7 +32188,7 @@
                                       <p:cBhvr>
                                         <p:cTn id="576" dur="500"/>
                                         <p:tgtEl>
-                                          <p:spTgt spid="448"/>
+                                          <p:spTgt spid="243"/>
                                         </p:tgtEl>
                                       </p:cBhvr>
                                     </p:animEffect>
@@ -32112,7 +32209,7 @@
                                           </p:stCondLst>
                                         </p:cTn>
                                         <p:tgtEl>
-                                          <p:spTgt spid="449"/>
+                                          <p:spTgt spid="244"/>
                                         </p:tgtEl>
                                         <p:attrNameLst>
                                           <p:attrName>style.visibility</p:attrName>
@@ -32126,7 +32223,7 @@
                                       <p:cBhvr>
                                         <p:cTn id="579" dur="500"/>
                                         <p:tgtEl>
-                                          <p:spTgt spid="449"/>
+                                          <p:spTgt spid="244"/>
                                         </p:tgtEl>
                                       </p:cBhvr>
                                     </p:animEffect>
@@ -32147,7 +32244,7 @@
                                           </p:stCondLst>
                                         </p:cTn>
                                         <p:tgtEl>
-                                          <p:spTgt spid="450"/>
+                                          <p:spTgt spid="245"/>
                                         </p:tgtEl>
                                         <p:attrNameLst>
                                           <p:attrName>style.visibility</p:attrName>
@@ -32161,7 +32258,7 @@
                                       <p:cBhvr>
                                         <p:cTn id="582" dur="500"/>
                                         <p:tgtEl>
-                                          <p:spTgt spid="450"/>
+                                          <p:spTgt spid="245"/>
                                         </p:tgtEl>
                                       </p:cBhvr>
                                     </p:animEffect>
@@ -32169,7 +32266,7 @@
                                 </p:cTn>
                               </p:par>
                               <p:par>
-                                <p:cTn id="583" presetID="9" presetClass="entr" presetSubtype="0" fill="hold" nodeType="withEffect">
+                                <p:cTn id="583" presetID="9" presetClass="entr" presetSubtype="0" fill="hold" grpId="0" nodeType="withEffect">
                                   <p:stCondLst>
                                     <p:cond delay="0"/>
                                   </p:stCondLst>
@@ -32182,7 +32279,7 @@
                                           </p:stCondLst>
                                         </p:cTn>
                                         <p:tgtEl>
-                                          <p:spTgt spid="451"/>
+                                          <p:spTgt spid="289"/>
                                         </p:tgtEl>
                                         <p:attrNameLst>
                                           <p:attrName>style.visibility</p:attrName>
@@ -32196,7 +32293,7 @@
                                       <p:cBhvr>
                                         <p:cTn id="585" dur="500"/>
                                         <p:tgtEl>
-                                          <p:spTgt spid="451"/>
+                                          <p:spTgt spid="289"/>
                                         </p:tgtEl>
                                       </p:cBhvr>
                                     </p:animEffect>
@@ -32204,7 +32301,7 @@
                                 </p:cTn>
                               </p:par>
                               <p:par>
-                                <p:cTn id="586" presetID="9" presetClass="entr" presetSubtype="0" fill="hold" nodeType="withEffect">
+                                <p:cTn id="586" presetID="9" presetClass="entr" presetSubtype="0" fill="hold" grpId="0" nodeType="withEffect">
                                   <p:stCondLst>
                                     <p:cond delay="0"/>
                                   </p:stCondLst>
@@ -32217,7 +32314,7 @@
                                           </p:stCondLst>
                                         </p:cTn>
                                         <p:tgtEl>
-                                          <p:spTgt spid="452"/>
+                                          <p:spTgt spid="408"/>
                                         </p:tgtEl>
                                         <p:attrNameLst>
                                           <p:attrName>style.visibility</p:attrName>
@@ -32231,7 +32328,7 @@
                                       <p:cBhvr>
                                         <p:cTn id="588" dur="500"/>
                                         <p:tgtEl>
-                                          <p:spTgt spid="452"/>
+                                          <p:spTgt spid="408"/>
                                         </p:tgtEl>
                                       </p:cBhvr>
                                     </p:animEffect>
@@ -32252,7 +32349,7 @@
                                           </p:stCondLst>
                                         </p:cTn>
                                         <p:tgtEl>
-                                          <p:spTgt spid="232"/>
+                                          <p:spTgt spid="2"/>
                                         </p:tgtEl>
                                         <p:attrNameLst>
                                           <p:attrName>style.visibility</p:attrName>
@@ -32266,7 +32363,7 @@
                                       <p:cBhvr>
                                         <p:cTn id="591" dur="500"/>
                                         <p:tgtEl>
-                                          <p:spTgt spid="232"/>
+                                          <p:spTgt spid="2"/>
                                         </p:tgtEl>
                                       </p:cBhvr>
                                     </p:animEffect>
@@ -32301,16 +32398,15 @@
       </p:par>
     </p:tnLst>
     <p:bldLst>
-      <p:bldP spid="121" grpId="0" animBg="1"/>
-      <p:bldP spid="126" grpId="0"/>
-      <p:bldP spid="138" grpId="0" animBg="1"/>
-      <p:bldP spid="164" grpId="0" animBg="1"/>
-      <p:bldP spid="169" grpId="0"/>
-      <p:bldP spid="171" grpId="0"/>
-      <p:bldP spid="182" grpId="0"/>
-      <p:bldP spid="184" grpId="0" animBg="1"/>
-      <p:bldP spid="188" grpId="0"/>
-      <p:bldP spid="195" grpId="0" animBg="1"/>
+      <p:bldP spid="3" grpId="1" animBg="1"/>
+      <p:bldP spid="203" grpId="0" animBg="1"/>
+      <p:bldP spid="13" grpId="0"/>
+      <p:bldP spid="205" grpId="0" animBg="1"/>
+      <p:bldP spid="265" grpId="0" animBg="1"/>
+      <p:bldP spid="273" grpId="0"/>
+      <p:bldP spid="274" grpId="0"/>
+      <p:bldP spid="97" grpId="0" animBg="1"/>
+      <p:bldP spid="103" grpId="0"/>
       <p:bldP spid="196" grpId="0" animBg="1"/>
       <p:bldP spid="197" grpId="0"/>
       <p:bldP spid="199" grpId="0" animBg="1"/>
@@ -32321,7 +32417,7 @@
       <p:bldP spid="272" grpId="0" animBg="1"/>
       <p:bldP spid="280" grpId="0"/>
       <p:bldP spid="287" grpId="0" animBg="1"/>
-      <p:bldP spid="290" grpId="0"/>
+      <p:bldP spid="289" grpId="0"/>
       <p:bldP spid="291" grpId="0"/>
       <p:bldP spid="292" grpId="0" animBg="1"/>
       <p:bldP spid="293" grpId="0"/>
@@ -32345,6 +32441,7 @@
       <p:bldP spid="395" grpId="0"/>
       <p:bldP spid="402" grpId="0"/>
       <p:bldP spid="401" grpId="0" animBg="1"/>
+      <p:bldP spid="408" grpId="0"/>
       <p:bldP spid="409" grpId="0" animBg="1"/>
       <p:bldP spid="410" grpId="0"/>
       <p:bldP spid="412" grpId="0" animBg="1"/>
@@ -32356,7 +32453,7 @@
       <p:bldP spid="438" grpId="0"/>
       <p:bldP spid="442" grpId="0"/>
       <p:bldP spid="445" grpId="0" animBg="1"/>
-      <p:bldP spid="228" grpId="0"/>
+      <p:bldP spid="2" grpId="0"/>
       <p:bldP spid="229" grpId="0"/>
       <p:bldP spid="230" grpId="0"/>
       <p:bldP spid="231" grpId="0"/>
@@ -40619,6 +40716,36 @@
           </p:txBody>
         </p:sp>
       </p:grpSp>
+      <p:pic>
+        <p:nvPicPr>
+          <p:cNvPr id="82" name="Picture 81" descr="eve-key.gif"/>
+          <p:cNvPicPr>
+            <a:picLocks noChangeAspect="1"/>
+          </p:cNvPicPr>
+          <p:nvPr/>
+        </p:nvPicPr>
+        <p:blipFill>
+          <a:blip r:embed="rId13">
+            <a:extLst>
+              <a:ext uri="{28A0092B-C50C-407E-A947-70E740481C1C}">
+                <a14:useLocalDpi xmlns:a14="http://schemas.microsoft.com/office/drawing/2010/main" val="0"/>
+              </a:ext>
+            </a:extLst>
+          </a:blip>
+          <a:stretch>
+            <a:fillRect/>
+          </a:stretch>
+        </p:blipFill>
+        <p:spPr>
+          <a:xfrm>
+            <a:off x="3748433" y="2704018"/>
+            <a:ext cx="200025" cy="200025"/>
+          </a:xfrm>
+          <a:prstGeom prst="rect">
+            <a:avLst/>
+          </a:prstGeom>
+        </p:spPr>
+      </p:pic>
     </p:spTree>
     <p:extLst>
       <p:ext uri="{BB962C8B-B14F-4D97-AF65-F5344CB8AC3E}">
@@ -41753,6 +41880,41 @@
                                   </p:childTnLst>
                                 </p:cTn>
                               </p:par>
+                              <p:par>
+                                <p:cTn id="103" presetID="9" presetClass="entr" presetSubtype="0" fill="hold" nodeType="withEffect">
+                                  <p:stCondLst>
+                                    <p:cond delay="0"/>
+                                  </p:stCondLst>
+                                  <p:childTnLst>
+                                    <p:set>
+                                      <p:cBhvr>
+                                        <p:cTn id="104" dur="1" fill="hold">
+                                          <p:stCondLst>
+                                            <p:cond delay="0"/>
+                                          </p:stCondLst>
+                                        </p:cTn>
+                                        <p:tgtEl>
+                                          <p:spTgt spid="82"/>
+                                        </p:tgtEl>
+                                        <p:attrNameLst>
+                                          <p:attrName>style.visibility</p:attrName>
+                                        </p:attrNameLst>
+                                      </p:cBhvr>
+                                      <p:to>
+                                        <p:strVal val="visible"/>
+                                      </p:to>
+                                    </p:set>
+                                    <p:animEffect transition="in" filter="dissolve">
+                                      <p:cBhvr>
+                                        <p:cTn id="105" dur="500"/>
+                                        <p:tgtEl>
+                                          <p:spTgt spid="82"/>
+                                        </p:tgtEl>
+                                      </p:cBhvr>
+                                    </p:animEffect>
+                                  </p:childTnLst>
+                                </p:cTn>
+                              </p:par>
                             </p:childTnLst>
                           </p:cTn>
                         </p:par>
@@ -41760,63 +41922,28 @@
                     </p:cTn>
                   </p:par>
                   <p:par>
-                    <p:cTn id="103" fill="hold">
+                    <p:cTn id="106" fill="hold">
                       <p:stCondLst>
                         <p:cond delay="indefinite"/>
                       </p:stCondLst>
                       <p:childTnLst>
                         <p:par>
-                          <p:cTn id="104" fill="hold">
+                          <p:cTn id="107" fill="hold">
                             <p:stCondLst>
                               <p:cond delay="0"/>
                             </p:stCondLst>
                             <p:childTnLst>
                               <p:par>
-                                <p:cTn id="105" presetID="9" presetClass="exit" presetSubtype="0" fill="hold" grpId="1" nodeType="clickEffect">
+                                <p:cTn id="108" presetID="9" presetClass="exit" presetSubtype="0" fill="hold" grpId="1" nodeType="clickEffect">
                                   <p:stCondLst>
                                     <p:cond delay="0"/>
                                   </p:stCondLst>
                                   <p:childTnLst>
                                     <p:animEffect transition="out" filter="dissolve">
                                       <p:cBhvr>
-                                        <p:cTn id="106" dur="500"/>
+                                        <p:cTn id="109" dur="500"/>
                                         <p:tgtEl>
                                           <p:spTgt spid="176"/>
-                                        </p:tgtEl>
-                                      </p:cBhvr>
-                                    </p:animEffect>
-                                    <p:set>
-                                      <p:cBhvr>
-                                        <p:cTn id="107" dur="1" fill="hold">
-                                          <p:stCondLst>
-                                            <p:cond delay="499"/>
-                                          </p:stCondLst>
-                                        </p:cTn>
-                                        <p:tgtEl>
-                                          <p:spTgt spid="176"/>
-                                        </p:tgtEl>
-                                        <p:attrNameLst>
-                                          <p:attrName>style.visibility</p:attrName>
-                                        </p:attrNameLst>
-                                      </p:cBhvr>
-                                      <p:to>
-                                        <p:strVal val="hidden"/>
-                                      </p:to>
-                                    </p:set>
-                                  </p:childTnLst>
-                                </p:cTn>
-                              </p:par>
-                              <p:par>
-                                <p:cTn id="108" presetID="9" presetClass="exit" presetSubtype="0" fill="hold" nodeType="withEffect">
-                                  <p:stCondLst>
-                                    <p:cond delay="0"/>
-                                  </p:stCondLst>
-                                  <p:childTnLst>
-                                    <p:animEffect transition="out" filter="dissolve">
-                                      <p:cBhvr>
-                                        <p:cTn id="109" dur="500"/>
-                                        <p:tgtEl>
-                                          <p:spTgt spid="178"/>
                                         </p:tgtEl>
                                       </p:cBhvr>
                                     </p:animEffect>
@@ -41828,7 +41955,7 @@
                                           </p:stCondLst>
                                         </p:cTn>
                                         <p:tgtEl>
-                                          <p:spTgt spid="178"/>
+                                          <p:spTgt spid="176"/>
                                         </p:tgtEl>
                                         <p:attrNameLst>
                                           <p:attrName>style.visibility</p:attrName>
@@ -41851,7 +41978,7 @@
                                       <p:cBhvr>
                                         <p:cTn id="112" dur="500"/>
                                         <p:tgtEl>
-                                          <p:spTgt spid="177"/>
+                                          <p:spTgt spid="178"/>
                                         </p:tgtEl>
                                       </p:cBhvr>
                                     </p:animEffect>
@@ -41863,7 +41990,7 @@
                                           </p:stCondLst>
                                         </p:cTn>
                                         <p:tgtEl>
-                                          <p:spTgt spid="177"/>
+                                          <p:spTgt spid="178"/>
                                         </p:tgtEl>
                                         <p:attrNameLst>
                                           <p:attrName>style.visibility</p:attrName>
@@ -41877,7 +42004,7 @@
                                 </p:cTn>
                               </p:par>
                               <p:par>
-                                <p:cTn id="114" presetID="9" presetClass="exit" presetSubtype="0" fill="hold" grpId="1" nodeType="withEffect">
+                                <p:cTn id="114" presetID="9" presetClass="exit" presetSubtype="0" fill="hold" nodeType="withEffect">
                                   <p:stCondLst>
                                     <p:cond delay="0"/>
                                   </p:stCondLst>
@@ -41886,7 +42013,7 @@
                                       <p:cBhvr>
                                         <p:cTn id="115" dur="500"/>
                                         <p:tgtEl>
-                                          <p:spTgt spid="168"/>
+                                          <p:spTgt spid="177"/>
                                         </p:tgtEl>
                                       </p:cBhvr>
                                     </p:animEffect>
@@ -41898,7 +42025,7 @@
                                           </p:stCondLst>
                                         </p:cTn>
                                         <p:tgtEl>
-                                          <p:spTgt spid="168"/>
+                                          <p:spTgt spid="177"/>
                                         </p:tgtEl>
                                         <p:attrNameLst>
                                           <p:attrName>style.visibility</p:attrName>
@@ -41912,7 +42039,7 @@
                                 </p:cTn>
                               </p:par>
                               <p:par>
-                                <p:cTn id="117" presetID="9" presetClass="exit" presetSubtype="0" fill="hold" nodeType="withEffect">
+                                <p:cTn id="117" presetID="9" presetClass="exit" presetSubtype="0" fill="hold" grpId="1" nodeType="withEffect">
                                   <p:stCondLst>
                                     <p:cond delay="0"/>
                                   </p:stCondLst>
@@ -41921,7 +42048,7 @@
                                       <p:cBhvr>
                                         <p:cTn id="118" dur="500"/>
                                         <p:tgtEl>
-                                          <p:spTgt spid="170"/>
+                                          <p:spTgt spid="168"/>
                                         </p:tgtEl>
                                       </p:cBhvr>
                                     </p:animEffect>
@@ -41933,7 +42060,7 @@
                                           </p:stCondLst>
                                         </p:cTn>
                                         <p:tgtEl>
-                                          <p:spTgt spid="170"/>
+                                          <p:spTgt spid="168"/>
                                         </p:tgtEl>
                                         <p:attrNameLst>
                                           <p:attrName>style.visibility</p:attrName>
@@ -41956,13 +42083,48 @@
                                       <p:cBhvr>
                                         <p:cTn id="121" dur="500"/>
                                         <p:tgtEl>
-                                          <p:spTgt spid="169"/>
+                                          <p:spTgt spid="170"/>
                                         </p:tgtEl>
                                       </p:cBhvr>
                                     </p:animEffect>
                                     <p:set>
                                       <p:cBhvr>
                                         <p:cTn id="122" dur="1" fill="hold">
+                                          <p:stCondLst>
+                                            <p:cond delay="499"/>
+                                          </p:stCondLst>
+                                        </p:cTn>
+                                        <p:tgtEl>
+                                          <p:spTgt spid="170"/>
+                                        </p:tgtEl>
+                                        <p:attrNameLst>
+                                          <p:attrName>style.visibility</p:attrName>
+                                        </p:attrNameLst>
+                                      </p:cBhvr>
+                                      <p:to>
+                                        <p:strVal val="hidden"/>
+                                      </p:to>
+                                    </p:set>
+                                  </p:childTnLst>
+                                </p:cTn>
+                              </p:par>
+                              <p:par>
+                                <p:cTn id="123" presetID="9" presetClass="exit" presetSubtype="0" fill="hold" nodeType="withEffect">
+                                  <p:stCondLst>
+                                    <p:cond delay="0"/>
+                                  </p:stCondLst>
+                                  <p:childTnLst>
+                                    <p:animEffect transition="out" filter="dissolve">
+                                      <p:cBhvr>
+                                        <p:cTn id="124" dur="500"/>
+                                        <p:tgtEl>
+                                          <p:spTgt spid="169"/>
+                                        </p:tgtEl>
+                                      </p:cBhvr>
+                                    </p:animEffect>
+                                    <p:set>
+                                      <p:cBhvr>
+                                        <p:cTn id="125" dur="1" fill="hold">
                                           <p:stCondLst>
                                             <p:cond delay="499"/>
                                           </p:stCondLst>
@@ -41988,26 +42150,26 @@
                     </p:cTn>
                   </p:par>
                   <p:par>
-                    <p:cTn id="123" fill="hold">
+                    <p:cTn id="126" fill="hold">
                       <p:stCondLst>
                         <p:cond delay="indefinite"/>
                       </p:stCondLst>
                       <p:childTnLst>
                         <p:par>
-                          <p:cTn id="124" fill="hold">
+                          <p:cTn id="127" fill="hold">
                             <p:stCondLst>
                               <p:cond delay="0"/>
                             </p:stCondLst>
                             <p:childTnLst>
                               <p:par>
-                                <p:cTn id="125" presetID="9" presetClass="entr" presetSubtype="0" fill="hold" grpId="0" nodeType="clickEffect">
+                                <p:cTn id="128" presetID="9" presetClass="entr" presetSubtype="0" fill="hold" grpId="0" nodeType="clickEffect">
                                   <p:stCondLst>
                                     <p:cond delay="0"/>
                                   </p:stCondLst>
                                   <p:childTnLst>
                                     <p:set>
                                       <p:cBhvr>
-                                        <p:cTn id="126" dur="1" fill="hold">
+                                        <p:cTn id="129" dur="1" fill="hold">
                                           <p:stCondLst>
                                             <p:cond delay="0"/>
                                           </p:stCondLst>
@@ -42025,7 +42187,7 @@
                                     </p:set>
                                     <p:animEffect transition="in" filter="dissolve">
                                       <p:cBhvr>
-                                        <p:cTn id="127" dur="500"/>
+                                        <p:cTn id="130" dur="500"/>
                                         <p:tgtEl>
                                           <p:spTgt spid="184"/>
                                         </p:tgtEl>
@@ -42035,14 +42197,14 @@
                                 </p:cTn>
                               </p:par>
                               <p:par>
-                                <p:cTn id="128" presetID="9" presetClass="entr" presetSubtype="0" fill="hold" grpId="0" nodeType="withEffect">
+                                <p:cTn id="131" presetID="9" presetClass="entr" presetSubtype="0" fill="hold" grpId="0" nodeType="withEffect">
                                   <p:stCondLst>
                                     <p:cond delay="0"/>
                                   </p:stCondLst>
                                   <p:childTnLst>
                                     <p:set>
                                       <p:cBhvr>
-                                        <p:cTn id="129" dur="1" fill="hold">
+                                        <p:cTn id="132" dur="1" fill="hold">
                                           <p:stCondLst>
                                             <p:cond delay="0"/>
                                           </p:stCondLst>
@@ -42060,7 +42222,7 @@
                                     </p:set>
                                     <p:animEffect transition="in" filter="dissolve">
                                       <p:cBhvr>
-                                        <p:cTn id="130" dur="500"/>
+                                        <p:cTn id="133" dur="500"/>
                                         <p:tgtEl>
                                           <p:spTgt spid="183"/>
                                         </p:tgtEl>
@@ -42070,14 +42232,14 @@
                                 </p:cTn>
                               </p:par>
                               <p:par>
-                                <p:cTn id="131" presetID="9" presetClass="entr" presetSubtype="0" fill="hold" nodeType="withEffect">
+                                <p:cTn id="134" presetID="9" presetClass="entr" presetSubtype="0" fill="hold" nodeType="withEffect">
                                   <p:stCondLst>
                                     <p:cond delay="0"/>
                                   </p:stCondLst>
                                   <p:childTnLst>
                                     <p:set>
                                       <p:cBhvr>
-                                        <p:cTn id="132" dur="1" fill="hold">
+                                        <p:cTn id="135" dur="1" fill="hold">
                                           <p:stCondLst>
                                             <p:cond delay="0"/>
                                           </p:stCondLst>
@@ -42095,44 +42257,9 @@
                                     </p:set>
                                     <p:animEffect transition="in" filter="dissolve">
                                       <p:cBhvr>
-                                        <p:cTn id="133" dur="500"/>
+                                        <p:cTn id="136" dur="500"/>
                                         <p:tgtEl>
                                           <p:spTgt spid="185"/>
-                                        </p:tgtEl>
-                                      </p:cBhvr>
-                                    </p:animEffect>
-                                  </p:childTnLst>
-                                </p:cTn>
-                              </p:par>
-                              <p:par>
-                                <p:cTn id="134" presetID="9" presetClass="entr" presetSubtype="0" fill="hold" grpId="0" nodeType="withEffect">
-                                  <p:stCondLst>
-                                    <p:cond delay="0"/>
-                                  </p:stCondLst>
-                                  <p:childTnLst>
-                                    <p:set>
-                                      <p:cBhvr>
-                                        <p:cTn id="135" dur="1" fill="hold">
-                                          <p:stCondLst>
-                                            <p:cond delay="0"/>
-                                          </p:stCondLst>
-                                        </p:cTn>
-                                        <p:tgtEl>
-                                          <p:spTgt spid="180"/>
-                                        </p:tgtEl>
-                                        <p:attrNameLst>
-                                          <p:attrName>style.visibility</p:attrName>
-                                        </p:attrNameLst>
-                                      </p:cBhvr>
-                                      <p:to>
-                                        <p:strVal val="visible"/>
-                                      </p:to>
-                                    </p:set>
-                                    <p:animEffect transition="in" filter="dissolve">
-                                      <p:cBhvr>
-                                        <p:cTn id="136" dur="500"/>
-                                        <p:tgtEl>
-                                          <p:spTgt spid="180"/>
                                         </p:tgtEl>
                                       </p:cBhvr>
                                     </p:animEffect>
@@ -42153,7 +42280,7 @@
                                           </p:stCondLst>
                                         </p:cTn>
                                         <p:tgtEl>
-                                          <p:spTgt spid="181"/>
+                                          <p:spTgt spid="180"/>
                                         </p:tgtEl>
                                         <p:attrNameLst>
                                           <p:attrName>style.visibility</p:attrName>
@@ -42167,7 +42294,7 @@
                                       <p:cBhvr>
                                         <p:cTn id="139" dur="500"/>
                                         <p:tgtEl>
-                                          <p:spTgt spid="181"/>
+                                          <p:spTgt spid="180"/>
                                         </p:tgtEl>
                                       </p:cBhvr>
                                     </p:animEffect>
@@ -42175,7 +42302,7 @@
                                 </p:cTn>
                               </p:par>
                               <p:par>
-                                <p:cTn id="140" presetID="9" presetClass="entr" presetSubtype="0" fill="hold" nodeType="withEffect">
+                                <p:cTn id="140" presetID="9" presetClass="entr" presetSubtype="0" fill="hold" grpId="0" nodeType="withEffect">
                                   <p:stCondLst>
                                     <p:cond delay="0"/>
                                   </p:stCondLst>
@@ -42188,7 +42315,7 @@
                                           </p:stCondLst>
                                         </p:cTn>
                                         <p:tgtEl>
-                                          <p:spTgt spid="182"/>
+                                          <p:spTgt spid="181"/>
                                         </p:tgtEl>
                                         <p:attrNameLst>
                                           <p:attrName>style.visibility</p:attrName>
@@ -42202,7 +42329,7 @@
                                       <p:cBhvr>
                                         <p:cTn id="142" dur="500"/>
                                         <p:tgtEl>
-                                          <p:spTgt spid="182"/>
+                                          <p:spTgt spid="181"/>
                                         </p:tgtEl>
                                       </p:cBhvr>
                                     </p:animEffect>
@@ -42210,7 +42337,7 @@
                                 </p:cTn>
                               </p:par>
                               <p:par>
-                                <p:cTn id="143" presetID="9" presetClass="entr" presetSubtype="0" fill="hold" grpId="0" nodeType="withEffect">
+                                <p:cTn id="143" presetID="9" presetClass="entr" presetSubtype="0" fill="hold" nodeType="withEffect">
                                   <p:stCondLst>
                                     <p:cond delay="0"/>
                                   </p:stCondLst>
@@ -42223,7 +42350,7 @@
                                           </p:stCondLst>
                                         </p:cTn>
                                         <p:tgtEl>
-                                          <p:spTgt spid="198"/>
+                                          <p:spTgt spid="182"/>
                                         </p:tgtEl>
                                         <p:attrNameLst>
                                           <p:attrName>style.visibility</p:attrName>
@@ -42237,7 +42364,7 @@
                                       <p:cBhvr>
                                         <p:cTn id="145" dur="500"/>
                                         <p:tgtEl>
-                                          <p:spTgt spid="198"/>
+                                          <p:spTgt spid="182"/>
                                         </p:tgtEl>
                                       </p:cBhvr>
                                     </p:animEffect>
@@ -42258,7 +42385,7 @@
                                           </p:stCondLst>
                                         </p:cTn>
                                         <p:tgtEl>
-                                          <p:spTgt spid="199"/>
+                                          <p:spTgt spid="198"/>
                                         </p:tgtEl>
                                         <p:attrNameLst>
                                           <p:attrName>style.visibility</p:attrName>
@@ -42272,7 +42399,7 @@
                                       <p:cBhvr>
                                         <p:cTn id="148" dur="500"/>
                                         <p:tgtEl>
-                                          <p:spTgt spid="199"/>
+                                          <p:spTgt spid="198"/>
                                         </p:tgtEl>
                                       </p:cBhvr>
                                     </p:animEffect>
@@ -42280,7 +42407,7 @@
                                 </p:cTn>
                               </p:par>
                               <p:par>
-                                <p:cTn id="149" presetID="9" presetClass="entr" presetSubtype="0" fill="hold" nodeType="withEffect">
+                                <p:cTn id="149" presetID="9" presetClass="entr" presetSubtype="0" fill="hold" grpId="0" nodeType="withEffect">
                                   <p:stCondLst>
                                     <p:cond delay="0"/>
                                   </p:stCondLst>
@@ -42293,7 +42420,7 @@
                                           </p:stCondLst>
                                         </p:cTn>
                                         <p:tgtEl>
-                                          <p:spTgt spid="200"/>
+                                          <p:spTgt spid="199"/>
                                         </p:tgtEl>
                                         <p:attrNameLst>
                                           <p:attrName>style.visibility</p:attrName>
@@ -42307,7 +42434,7 @@
                                       <p:cBhvr>
                                         <p:cTn id="151" dur="500"/>
                                         <p:tgtEl>
-                                          <p:spTgt spid="200"/>
+                                          <p:spTgt spid="199"/>
                                         </p:tgtEl>
                                       </p:cBhvr>
                                     </p:animEffect>
@@ -42315,7 +42442,7 @@
                                 </p:cTn>
                               </p:par>
                               <p:par>
-                                <p:cTn id="152" presetID="9" presetClass="entr" presetSubtype="0" fill="hold" grpId="0" nodeType="withEffect">
+                                <p:cTn id="152" presetID="9" presetClass="entr" presetSubtype="0" fill="hold" nodeType="withEffect">
                                   <p:stCondLst>
                                     <p:cond delay="0"/>
                                   </p:stCondLst>
@@ -42328,7 +42455,7 @@
                                           </p:stCondLst>
                                         </p:cTn>
                                         <p:tgtEl>
-                                          <p:spTgt spid="195"/>
+                                          <p:spTgt spid="200"/>
                                         </p:tgtEl>
                                         <p:attrNameLst>
                                           <p:attrName>style.visibility</p:attrName>
@@ -42342,7 +42469,7 @@
                                       <p:cBhvr>
                                         <p:cTn id="154" dur="500"/>
                                         <p:tgtEl>
-                                          <p:spTgt spid="195"/>
+                                          <p:spTgt spid="200"/>
                                         </p:tgtEl>
                                       </p:cBhvr>
                                     </p:animEffect>
@@ -42363,7 +42490,7 @@
                                           </p:stCondLst>
                                         </p:cTn>
                                         <p:tgtEl>
-                                          <p:spTgt spid="196"/>
+                                          <p:spTgt spid="195"/>
                                         </p:tgtEl>
                                         <p:attrNameLst>
                                           <p:attrName>style.visibility</p:attrName>
@@ -42377,7 +42504,7 @@
                                       <p:cBhvr>
                                         <p:cTn id="157" dur="500"/>
                                         <p:tgtEl>
-                                          <p:spTgt spid="196"/>
+                                          <p:spTgt spid="195"/>
                                         </p:tgtEl>
                                       </p:cBhvr>
                                     </p:animEffect>
@@ -42385,7 +42512,7 @@
                                 </p:cTn>
                               </p:par>
                               <p:par>
-                                <p:cTn id="158" presetID="9" presetClass="entr" presetSubtype="0" fill="hold" nodeType="withEffect">
+                                <p:cTn id="158" presetID="9" presetClass="entr" presetSubtype="0" fill="hold" grpId="0" nodeType="withEffect">
                                   <p:stCondLst>
                                     <p:cond delay="0"/>
                                   </p:stCondLst>
@@ -42398,7 +42525,7 @@
                                           </p:stCondLst>
                                         </p:cTn>
                                         <p:tgtEl>
-                                          <p:spTgt spid="197"/>
+                                          <p:spTgt spid="196"/>
                                         </p:tgtEl>
                                         <p:attrNameLst>
                                           <p:attrName>style.visibility</p:attrName>
@@ -42411,6 +42538,41 @@
                                     <p:animEffect transition="in" filter="dissolve">
                                       <p:cBhvr>
                                         <p:cTn id="160" dur="500"/>
+                                        <p:tgtEl>
+                                          <p:spTgt spid="196"/>
+                                        </p:tgtEl>
+                                      </p:cBhvr>
+                                    </p:animEffect>
+                                  </p:childTnLst>
+                                </p:cTn>
+                              </p:par>
+                              <p:par>
+                                <p:cTn id="161" presetID="9" presetClass="entr" presetSubtype="0" fill="hold" nodeType="withEffect">
+                                  <p:stCondLst>
+                                    <p:cond delay="0"/>
+                                  </p:stCondLst>
+                                  <p:childTnLst>
+                                    <p:set>
+                                      <p:cBhvr>
+                                        <p:cTn id="162" dur="1" fill="hold">
+                                          <p:stCondLst>
+                                            <p:cond delay="0"/>
+                                          </p:stCondLst>
+                                        </p:cTn>
+                                        <p:tgtEl>
+                                          <p:spTgt spid="197"/>
+                                        </p:tgtEl>
+                                        <p:attrNameLst>
+                                          <p:attrName>style.visibility</p:attrName>
+                                        </p:attrNameLst>
+                                      </p:cBhvr>
+                                      <p:to>
+                                        <p:strVal val="visible"/>
+                                      </p:to>
+                                    </p:set>
+                                    <p:animEffect transition="in" filter="dissolve">
+                                      <p:cBhvr>
+                                        <p:cTn id="163" dur="500"/>
                                         <p:tgtEl>
                                           <p:spTgt spid="197"/>
                                         </p:tgtEl>
@@ -42426,63 +42588,28 @@
                     </p:cTn>
                   </p:par>
                   <p:par>
-                    <p:cTn id="161" fill="hold">
+                    <p:cTn id="164" fill="hold">
                       <p:stCondLst>
                         <p:cond delay="indefinite"/>
                       </p:stCondLst>
                       <p:childTnLst>
                         <p:par>
-                          <p:cTn id="162" fill="hold">
+                          <p:cTn id="165" fill="hold">
                             <p:stCondLst>
                               <p:cond delay="0"/>
                             </p:stCondLst>
                             <p:childTnLst>
                               <p:par>
-                                <p:cTn id="163" presetID="9" presetClass="exit" presetSubtype="0" fill="hold" grpId="1" nodeType="clickEffect">
+                                <p:cTn id="166" presetID="9" presetClass="exit" presetSubtype="0" fill="hold" grpId="1" nodeType="clickEffect">
                                   <p:stCondLst>
                                     <p:cond delay="0"/>
                                   </p:stCondLst>
                                   <p:childTnLst>
                                     <p:animEffect transition="out" filter="dissolve">
                                       <p:cBhvr>
-                                        <p:cTn id="164" dur="500"/>
+                                        <p:cTn id="167" dur="500"/>
                                         <p:tgtEl>
                                           <p:spTgt spid="184"/>
-                                        </p:tgtEl>
-                                      </p:cBhvr>
-                                    </p:animEffect>
-                                    <p:set>
-                                      <p:cBhvr>
-                                        <p:cTn id="165" dur="1" fill="hold">
-                                          <p:stCondLst>
-                                            <p:cond delay="499"/>
-                                          </p:stCondLst>
-                                        </p:cTn>
-                                        <p:tgtEl>
-                                          <p:spTgt spid="184"/>
-                                        </p:tgtEl>
-                                        <p:attrNameLst>
-                                          <p:attrName>style.visibility</p:attrName>
-                                        </p:attrNameLst>
-                                      </p:cBhvr>
-                                      <p:to>
-                                        <p:strVal val="hidden"/>
-                                      </p:to>
-                                    </p:set>
-                                  </p:childTnLst>
-                                </p:cTn>
-                              </p:par>
-                              <p:par>
-                                <p:cTn id="166" presetID="9" presetClass="exit" presetSubtype="0" fill="hold" nodeType="withEffect">
-                                  <p:stCondLst>
-                                    <p:cond delay="0"/>
-                                  </p:stCondLst>
-                                  <p:childTnLst>
-                                    <p:animEffect transition="out" filter="dissolve">
-                                      <p:cBhvr>
-                                        <p:cTn id="167" dur="500"/>
-                                        <p:tgtEl>
-                                          <p:spTgt spid="185"/>
                                         </p:tgtEl>
                                       </p:cBhvr>
                                     </p:animEffect>
@@ -42494,7 +42621,7 @@
                                           </p:stCondLst>
                                         </p:cTn>
                                         <p:tgtEl>
-                                          <p:spTgt spid="185"/>
+                                          <p:spTgt spid="184"/>
                                         </p:tgtEl>
                                         <p:attrNameLst>
                                           <p:attrName>style.visibility</p:attrName>
@@ -42517,7 +42644,7 @@
                                       <p:cBhvr>
                                         <p:cTn id="170" dur="500"/>
                                         <p:tgtEl>
-                                          <p:spTgt spid="182"/>
+                                          <p:spTgt spid="185"/>
                                         </p:tgtEl>
                                       </p:cBhvr>
                                     </p:animEffect>
@@ -42529,7 +42656,7 @@
                                           </p:stCondLst>
                                         </p:cTn>
                                         <p:tgtEl>
-                                          <p:spTgt spid="182"/>
+                                          <p:spTgt spid="185"/>
                                         </p:tgtEl>
                                         <p:attrNameLst>
                                           <p:attrName>style.visibility</p:attrName>
@@ -42543,7 +42670,7 @@
                                 </p:cTn>
                               </p:par>
                               <p:par>
-                                <p:cTn id="172" presetID="9" presetClass="exit" presetSubtype="0" fill="hold" grpId="1" nodeType="withEffect">
+                                <p:cTn id="172" presetID="9" presetClass="exit" presetSubtype="0" fill="hold" nodeType="withEffect">
                                   <p:stCondLst>
                                     <p:cond delay="0"/>
                                   </p:stCondLst>
@@ -42552,13 +42679,48 @@
                                       <p:cBhvr>
                                         <p:cTn id="173" dur="500"/>
                                         <p:tgtEl>
-                                          <p:spTgt spid="181"/>
+                                          <p:spTgt spid="182"/>
                                         </p:tgtEl>
                                       </p:cBhvr>
                                     </p:animEffect>
                                     <p:set>
                                       <p:cBhvr>
                                         <p:cTn id="174" dur="1" fill="hold">
+                                          <p:stCondLst>
+                                            <p:cond delay="499"/>
+                                          </p:stCondLst>
+                                        </p:cTn>
+                                        <p:tgtEl>
+                                          <p:spTgt spid="182"/>
+                                        </p:tgtEl>
+                                        <p:attrNameLst>
+                                          <p:attrName>style.visibility</p:attrName>
+                                        </p:attrNameLst>
+                                      </p:cBhvr>
+                                      <p:to>
+                                        <p:strVal val="hidden"/>
+                                      </p:to>
+                                    </p:set>
+                                  </p:childTnLst>
+                                </p:cTn>
+                              </p:par>
+                              <p:par>
+                                <p:cTn id="175" presetID="9" presetClass="exit" presetSubtype="0" fill="hold" grpId="1" nodeType="withEffect">
+                                  <p:stCondLst>
+                                    <p:cond delay="0"/>
+                                  </p:stCondLst>
+                                  <p:childTnLst>
+                                    <p:animEffect transition="out" filter="dissolve">
+                                      <p:cBhvr>
+                                        <p:cTn id="176" dur="500"/>
+                                        <p:tgtEl>
+                                          <p:spTgt spid="181"/>
+                                        </p:tgtEl>
+                                      </p:cBhvr>
+                                    </p:animEffect>
+                                    <p:set>
+                                      <p:cBhvr>
+                                        <p:cTn id="177" dur="1" fill="hold">
                                           <p:stCondLst>
                                             <p:cond delay="499"/>
                                           </p:stCondLst>
@@ -42584,26 +42746,26 @@
                     </p:cTn>
                   </p:par>
                   <p:par>
-                    <p:cTn id="175" fill="hold">
+                    <p:cTn id="178" fill="hold">
                       <p:stCondLst>
                         <p:cond delay="indefinite"/>
                       </p:stCondLst>
                       <p:childTnLst>
                         <p:par>
-                          <p:cTn id="176" fill="hold">
+                          <p:cTn id="179" fill="hold">
                             <p:stCondLst>
                               <p:cond delay="0"/>
                             </p:stCondLst>
                             <p:childTnLst>
                               <p:par>
-                                <p:cTn id="177" presetID="9" presetClass="entr" presetSubtype="0" fill="hold" nodeType="clickEffect">
+                                <p:cTn id="180" presetID="9" presetClass="entr" presetSubtype="0" fill="hold" nodeType="clickEffect">
                                   <p:stCondLst>
                                     <p:cond delay="0"/>
                                   </p:stCondLst>
                                   <p:childTnLst>
                                     <p:set>
                                       <p:cBhvr>
-                                        <p:cTn id="178" dur="1" fill="hold">
+                                        <p:cTn id="181" dur="1" fill="hold">
                                           <p:stCondLst>
                                             <p:cond delay="0"/>
                                           </p:stCondLst>
@@ -42621,7 +42783,7 @@
                                     </p:set>
                                     <p:animEffect transition="in" filter="dissolve">
                                       <p:cBhvr>
-                                        <p:cTn id="179" dur="500"/>
+                                        <p:cTn id="182" dur="500"/>
                                         <p:tgtEl>
                                           <p:spTgt spid="67"/>
                                         </p:tgtEl>
@@ -42631,14 +42793,14 @@
                                 </p:cTn>
                               </p:par>
                               <p:par>
-                                <p:cTn id="180" presetID="9" presetClass="entr" presetSubtype="0" fill="hold" nodeType="withEffect">
+                                <p:cTn id="183" presetID="9" presetClass="entr" presetSubtype="0" fill="hold" nodeType="withEffect">
                                   <p:stCondLst>
                                     <p:cond delay="0"/>
                                   </p:stCondLst>
                                   <p:childTnLst>
                                     <p:set>
                                       <p:cBhvr>
-                                        <p:cTn id="181" dur="1" fill="hold">
+                                        <p:cTn id="184" dur="1" fill="hold">
                                           <p:stCondLst>
                                             <p:cond delay="0"/>
                                           </p:stCondLst>
@@ -42656,7 +42818,7 @@
                                     </p:set>
                                     <p:animEffect transition="in" filter="dissolve">
                                       <p:cBhvr>
-                                        <p:cTn id="182" dur="500"/>
+                                        <p:cTn id="185" dur="500"/>
                                         <p:tgtEl>
                                           <p:spTgt spid="4"/>
                                         </p:tgtEl>
